--- a/1- Concepts/Concept Presentation.pptx
+++ b/1- Concepts/Concept Presentation.pptx
@@ -1,41 +1,41 @@
 
 <file path=ppt/presentation.xml><?xml version="1.0" encoding="utf-8"?>
-<p:presentation xmlns:a="http://schemas.openxmlformats.org/drawingml/2006/main" xmlns:r="http://schemas.openxmlformats.org/officeDocument/2006/relationships" xmlns:mc="http://schemas.openxmlformats.org/markup-compatibility/2006" xmlns:mv="urn:schemas-microsoft-com:mac:vml" xmlns:p="http://schemas.openxmlformats.org/presentationml/2006/main" xmlns:c="http://schemas.openxmlformats.org/drawingml/2006/chart" xmlns:dgm="http://schemas.openxmlformats.org/drawingml/2006/diagram" xmlns:o="urn:schemas-microsoft-com:office:office" xmlns:v="urn:schemas-microsoft-com:vml" xmlns:pvml="urn:schemas-microsoft-com:office:powerpoint" xmlns:com="http://schemas.openxmlformats.org/drawingml/2006/compatibility" xmlns:p14="http://schemas.microsoft.com/office/powerpoint/2010/main" xmlns:p15="http://schemas.microsoft.com/office/powerpoint/2012/main" autoCompressPictures="0" embedTrueTypeFonts="1" strictFirstAndLastChars="0" saveSubsetFonts="1">
+<p:presentation xmlns:a="http://schemas.openxmlformats.org/drawingml/2006/main" xmlns:r="http://schemas.openxmlformats.org/officeDocument/2006/relationships" xmlns:p="http://schemas.openxmlformats.org/presentationml/2006/main" strictFirstAndLastChars="0" embedTrueTypeFonts="1" saveSubsetFonts="1" autoCompressPictures="0">
   <p:sldMasterIdLst>
-    <p:sldMasterId id="2147483659" r:id="rId4"/>
+    <p:sldMasterId id="2147483659" r:id="rId1"/>
   </p:sldMasterIdLst>
   <p:notesMasterIdLst>
-    <p:notesMasterId r:id="rId5"/>
+    <p:notesMasterId r:id="rId11"/>
   </p:notesMasterIdLst>
   <p:sldIdLst>
-    <p:sldId id="256" r:id="rId6"/>
-    <p:sldId id="257" r:id="rId7"/>
-    <p:sldId id="258" r:id="rId8"/>
-    <p:sldId id="259" r:id="rId9"/>
-    <p:sldId id="260" r:id="rId10"/>
-    <p:sldId id="261" r:id="rId11"/>
-    <p:sldId id="262" r:id="rId12"/>
-    <p:sldId id="263" r:id="rId13"/>
-    <p:sldId id="264" r:id="rId14"/>
+    <p:sldId id="256" r:id="rId2"/>
+    <p:sldId id="257" r:id="rId3"/>
+    <p:sldId id="258" r:id="rId4"/>
+    <p:sldId id="259" r:id="rId5"/>
+    <p:sldId id="260" r:id="rId6"/>
+    <p:sldId id="261" r:id="rId7"/>
+    <p:sldId id="262" r:id="rId8"/>
+    <p:sldId id="263" r:id="rId9"/>
+    <p:sldId id="264" r:id="rId10"/>
   </p:sldIdLst>
-  <p:sldSz cy="5143500" cx="9144000"/>
+  <p:sldSz cx="9144000" cy="5143500" type="screen16x9"/>
   <p:notesSz cx="6858000" cy="9144000"/>
   <p:embeddedFontLst>
     <p:embeddedFont>
-      <p:font typeface="PT Sans Narrow"/>
-      <p:regular r:id="rId15"/>
-      <p:bold r:id="rId16"/>
+      <p:font typeface="Open Sans" panose="020B0604020202020204" charset="0"/>
+      <p:regular r:id="rId12"/>
+      <p:bold r:id="rId13"/>
+      <p:italic r:id="rId14"/>
+      <p:boldItalic r:id="rId15"/>
     </p:embeddedFont>
     <p:embeddedFont>
-      <p:font typeface="Open Sans"/>
-      <p:regular r:id="rId17"/>
-      <p:bold r:id="rId18"/>
-      <p:italic r:id="rId19"/>
-      <p:boldItalic r:id="rId20"/>
+      <p:font typeface="PT Sans Narrow" panose="020B0604020202020204" charset="0"/>
+      <p:regular r:id="rId16"/>
+      <p:bold r:id="rId17"/>
     </p:embeddedFont>
   </p:embeddedFontLst>
   <p:defaultTextStyle>
-    <a:defPPr lvl="0" marR="0" rtl="0" algn="l">
+    <a:defPPr marR="0" lvl="0" algn="l" rtl="0">
       <a:lnSpc>
         <a:spcPct val="100000"/>
       </a:lnSpc>
@@ -46,7 +46,7 @@
         <a:spcPts val="0"/>
       </a:spcAft>
     </a:defPPr>
-    <a:lvl1pPr lvl="0" marR="0" rtl="0" algn="l">
+    <a:lvl1pPr marR="0" lvl="0" algn="l" rtl="0">
       <a:lnSpc>
         <a:spcPct val="100000"/>
       </a:lnSpc>
@@ -60,7 +60,7 @@
         <a:srgbClr val="000000"/>
       </a:buClr>
       <a:buFont typeface="Arial"/>
-      <a:defRPr b="0" i="0" sz="1400" u="none" cap="none" strike="noStrike">
+      <a:defRPr sz="1400" b="0" i="0" u="none" strike="noStrike" cap="none">
         <a:solidFill>
           <a:srgbClr val="000000"/>
         </a:solidFill>
@@ -70,7 +70,7 @@
         <a:sym typeface="Arial"/>
       </a:defRPr>
     </a:lvl1pPr>
-    <a:lvl2pPr lvl="1" marR="0" rtl="0" algn="l">
+    <a:lvl2pPr marR="0" lvl="1" algn="l" rtl="0">
       <a:lnSpc>
         <a:spcPct val="100000"/>
       </a:lnSpc>
@@ -84,7 +84,7 @@
         <a:srgbClr val="000000"/>
       </a:buClr>
       <a:buFont typeface="Arial"/>
-      <a:defRPr b="0" i="0" sz="1400" u="none" cap="none" strike="noStrike">
+      <a:defRPr sz="1400" b="0" i="0" u="none" strike="noStrike" cap="none">
         <a:solidFill>
           <a:srgbClr val="000000"/>
         </a:solidFill>
@@ -94,7 +94,7 @@
         <a:sym typeface="Arial"/>
       </a:defRPr>
     </a:lvl2pPr>
-    <a:lvl3pPr lvl="2" marR="0" rtl="0" algn="l">
+    <a:lvl3pPr marR="0" lvl="2" algn="l" rtl="0">
       <a:lnSpc>
         <a:spcPct val="100000"/>
       </a:lnSpc>
@@ -108,7 +108,7 @@
         <a:srgbClr val="000000"/>
       </a:buClr>
       <a:buFont typeface="Arial"/>
-      <a:defRPr b="0" i="0" sz="1400" u="none" cap="none" strike="noStrike">
+      <a:defRPr sz="1400" b="0" i="0" u="none" strike="noStrike" cap="none">
         <a:solidFill>
           <a:srgbClr val="000000"/>
         </a:solidFill>
@@ -118,7 +118,7 @@
         <a:sym typeface="Arial"/>
       </a:defRPr>
     </a:lvl3pPr>
-    <a:lvl4pPr lvl="3" marR="0" rtl="0" algn="l">
+    <a:lvl4pPr marR="0" lvl="3" algn="l" rtl="0">
       <a:lnSpc>
         <a:spcPct val="100000"/>
       </a:lnSpc>
@@ -132,7 +132,7 @@
         <a:srgbClr val="000000"/>
       </a:buClr>
       <a:buFont typeface="Arial"/>
-      <a:defRPr b="0" i="0" sz="1400" u="none" cap="none" strike="noStrike">
+      <a:defRPr sz="1400" b="0" i="0" u="none" strike="noStrike" cap="none">
         <a:solidFill>
           <a:srgbClr val="000000"/>
         </a:solidFill>
@@ -142,7 +142,7 @@
         <a:sym typeface="Arial"/>
       </a:defRPr>
     </a:lvl4pPr>
-    <a:lvl5pPr lvl="4" marR="0" rtl="0" algn="l">
+    <a:lvl5pPr marR="0" lvl="4" algn="l" rtl="0">
       <a:lnSpc>
         <a:spcPct val="100000"/>
       </a:lnSpc>
@@ -156,7 +156,7 @@
         <a:srgbClr val="000000"/>
       </a:buClr>
       <a:buFont typeface="Arial"/>
-      <a:defRPr b="0" i="0" sz="1400" u="none" cap="none" strike="noStrike">
+      <a:defRPr sz="1400" b="0" i="0" u="none" strike="noStrike" cap="none">
         <a:solidFill>
           <a:srgbClr val="000000"/>
         </a:solidFill>
@@ -166,7 +166,7 @@
         <a:sym typeface="Arial"/>
       </a:defRPr>
     </a:lvl5pPr>
-    <a:lvl6pPr lvl="5" marR="0" rtl="0" algn="l">
+    <a:lvl6pPr marR="0" lvl="5" algn="l" rtl="0">
       <a:lnSpc>
         <a:spcPct val="100000"/>
       </a:lnSpc>
@@ -180,7 +180,7 @@
         <a:srgbClr val="000000"/>
       </a:buClr>
       <a:buFont typeface="Arial"/>
-      <a:defRPr b="0" i="0" sz="1400" u="none" cap="none" strike="noStrike">
+      <a:defRPr sz="1400" b="0" i="0" u="none" strike="noStrike" cap="none">
         <a:solidFill>
           <a:srgbClr val="000000"/>
         </a:solidFill>
@@ -190,7 +190,7 @@
         <a:sym typeface="Arial"/>
       </a:defRPr>
     </a:lvl6pPr>
-    <a:lvl7pPr lvl="6" marR="0" rtl="0" algn="l">
+    <a:lvl7pPr marR="0" lvl="6" algn="l" rtl="0">
       <a:lnSpc>
         <a:spcPct val="100000"/>
       </a:lnSpc>
@@ -204,7 +204,7 @@
         <a:srgbClr val="000000"/>
       </a:buClr>
       <a:buFont typeface="Arial"/>
-      <a:defRPr b="0" i="0" sz="1400" u="none" cap="none" strike="noStrike">
+      <a:defRPr sz="1400" b="0" i="0" u="none" strike="noStrike" cap="none">
         <a:solidFill>
           <a:srgbClr val="000000"/>
         </a:solidFill>
@@ -214,7 +214,7 @@
         <a:sym typeface="Arial"/>
       </a:defRPr>
     </a:lvl7pPr>
-    <a:lvl8pPr lvl="7" marR="0" rtl="0" algn="l">
+    <a:lvl8pPr marR="0" lvl="7" algn="l" rtl="0">
       <a:lnSpc>
         <a:spcPct val="100000"/>
       </a:lnSpc>
@@ -228,7 +228,7 @@
         <a:srgbClr val="000000"/>
       </a:buClr>
       <a:buFont typeface="Arial"/>
-      <a:defRPr b="0" i="0" sz="1400" u="none" cap="none" strike="noStrike">
+      <a:defRPr sz="1400" b="0" i="0" u="none" strike="noStrike" cap="none">
         <a:solidFill>
           <a:srgbClr val="000000"/>
         </a:solidFill>
@@ -238,7 +238,7 @@
         <a:sym typeface="Arial"/>
       </a:defRPr>
     </a:lvl8pPr>
-    <a:lvl9pPr lvl="8" marR="0" rtl="0" algn="l">
+    <a:lvl9pPr marR="0" lvl="8" algn="l" rtl="0">
       <a:lnSpc>
         <a:spcPct val="100000"/>
       </a:lnSpc>
@@ -252,7 +252,7 @@
         <a:srgbClr val="000000"/>
       </a:buClr>
       <a:buFont typeface="Arial"/>
-      <a:defRPr b="0" i="0" sz="1400" u="none" cap="none" strike="noStrike">
+      <a:defRPr sz="1400" b="0" i="0" u="none" strike="noStrike" cap="none">
         <a:solidFill>
           <a:srgbClr val="000000"/>
         </a:solidFill>
@@ -265,7 +265,7 @@
   </p:defaultTextStyle>
   <p:extLst>
     <p:ext uri="{EFAFB233-063F-42B5-8137-9DF3F51BA10A}">
-      <p15:sldGuideLst>
+      <p15:sldGuideLst xmlns:p15="http://schemas.microsoft.com/office/powerpoint/2012/main">
         <p15:guide id="1" orient="horz" pos="1620">
           <p15:clr>
             <a:srgbClr val="A4A3A4"/>
@@ -283,11 +283,16 @@
 </file>
 
 <file path=ppt/notesMasters/notesMaster1.xml><?xml version="1.0" encoding="utf-8"?>
-<p:notesMaster xmlns:a="http://schemas.openxmlformats.org/drawingml/2006/main" xmlns:r="http://schemas.openxmlformats.org/officeDocument/2006/relationships" xmlns:mc="http://schemas.openxmlformats.org/markup-compatibility/2006" xmlns:mv="urn:schemas-microsoft-com:mac:vml" xmlns:p="http://schemas.openxmlformats.org/presentationml/2006/main" xmlns:c="http://schemas.openxmlformats.org/drawingml/2006/chart" xmlns:dgm="http://schemas.openxmlformats.org/drawingml/2006/diagram" xmlns:o="urn:schemas-microsoft-com:office:office" xmlns:v="urn:schemas-microsoft-com:vml" xmlns:pvml="urn:schemas-microsoft-com:office:powerpoint" xmlns:com="http://schemas.openxmlformats.org/drawingml/2006/compatibility" xmlns:p14="http://schemas.microsoft.com/office/powerpoint/2010/main" xmlns:p15="http://schemas.microsoft.com/office/powerpoint/2012/main">
+<p:notesMaster xmlns:a="http://schemas.openxmlformats.org/drawingml/2006/main" xmlns:r="http://schemas.openxmlformats.org/officeDocument/2006/relationships" xmlns:p="http://schemas.openxmlformats.org/presentationml/2006/main">
   <p:cSld>
+    <p:bg>
+      <p:bgRef idx="1001">
+        <a:schemeClr val="bg1"/>
+      </p:bgRef>
+    </p:bg>
     <p:spTree>
       <p:nvGrpSpPr>
-        <p:cNvPr id="2" name="Shape 2"/>
+        <p:cNvPr id="1" name="Shape 2"/>
         <p:cNvGrpSpPr/>
         <p:nvPr/>
       </p:nvGrpSpPr>
@@ -302,9 +307,11 @@
       <p:sp>
         <p:nvSpPr>
           <p:cNvPr id="3" name="Google Shape;3;n"/>
-          <p:cNvSpPr/>
+          <p:cNvSpPr>
+            <a:spLocks noGrp="1" noRot="1" noChangeAspect="1"/>
+          </p:cNvSpPr>
           <p:nvPr>
-            <p:ph idx="2" type="sldImg"/>
+            <p:ph type="sldImg" idx="2"/>
           </p:nvPr>
         </p:nvSpPr>
         <p:spPr>
@@ -313,9 +320,13 @@
             <a:ext cx="6096075" cy="3429000"/>
           </a:xfrm>
           <a:custGeom>
-            <a:rect b="b" l="l" r="r" t="t"/>
+            <a:avLst/>
+            <a:gdLst/>
+            <a:ahLst/>
+            <a:cxnLst/>
+            <a:rect l="l" t="t" r="r" b="b"/>
             <a:pathLst>
-              <a:path extrusionOk="0" h="120000" w="120000">
+              <a:path w="120000" h="120000" extrusionOk="0">
                 <a:moveTo>
                   <a:pt x="0" y="0"/>
                 </a:moveTo>
@@ -333,23 +344,25 @@
             </a:pathLst>
           </a:custGeom>
           <a:noFill/>
-          <a:ln cap="flat" cmpd="sng" w="9525">
+          <a:ln w="9525" cap="flat" cmpd="sng">
             <a:solidFill>
               <a:srgbClr val="000000"/>
             </a:solidFill>
             <a:prstDash val="solid"/>
             <a:round/>
-            <a:headEnd len="sm" w="sm" type="none"/>
-            <a:tailEnd len="sm" w="sm" type="none"/>
+            <a:headEnd type="none" w="sm" len="sm"/>
+            <a:tailEnd type="none" w="sm" len="sm"/>
           </a:ln>
         </p:spPr>
       </p:sp>
       <p:sp>
         <p:nvSpPr>
           <p:cNvPr id="4" name="Google Shape;4;n"/>
-          <p:cNvSpPr txBox="1"/>
+          <p:cNvSpPr txBox="1">
+            <a:spLocks noGrp="1"/>
+          </p:cNvSpPr>
           <p:nvPr>
-            <p:ph idx="1" type="body"/>
+            <p:ph type="body" idx="1"/>
           </p:nvPr>
         </p:nvSpPr>
         <p:spPr>
@@ -366,11 +379,11 @@
           </a:ln>
         </p:spPr>
         <p:txBody>
-          <a:bodyPr anchorCtr="0" anchor="t" bIns="91425" lIns="91425" spcFirstLastPara="1" rIns="91425" wrap="square" tIns="91425">
+          <a:bodyPr spcFirstLastPara="1" wrap="square" lIns="91425" tIns="91425" rIns="91425" bIns="91425" anchor="t" anchorCtr="0">
             <a:noAutofit/>
           </a:bodyPr>
           <a:lstStyle>
-            <a:lvl1pPr indent="-298450" lvl="0" marL="457200">
+            <a:lvl1pPr marL="457200" lvl="0" indent="-298450">
               <a:spcBef>
                 <a:spcPts val="0"/>
               </a:spcBef>
@@ -381,7 +394,7 @@
               <a:buChar char="●"/>
               <a:defRPr sz="1100"/>
             </a:lvl1pPr>
-            <a:lvl2pPr indent="-298450" lvl="1" marL="914400">
+            <a:lvl2pPr marL="914400" lvl="1" indent="-298450">
               <a:spcBef>
                 <a:spcPts val="0"/>
               </a:spcBef>
@@ -392,7 +405,7 @@
               <a:buChar char="○"/>
               <a:defRPr sz="1100"/>
             </a:lvl2pPr>
-            <a:lvl3pPr indent="-298450" lvl="2" marL="1371600">
+            <a:lvl3pPr marL="1371600" lvl="2" indent="-298450">
               <a:spcBef>
                 <a:spcPts val="0"/>
               </a:spcBef>
@@ -403,7 +416,7 @@
               <a:buChar char="■"/>
               <a:defRPr sz="1100"/>
             </a:lvl3pPr>
-            <a:lvl4pPr indent="-298450" lvl="3" marL="1828800">
+            <a:lvl4pPr marL="1828800" lvl="3" indent="-298450">
               <a:spcBef>
                 <a:spcPts val="0"/>
               </a:spcBef>
@@ -414,7 +427,7 @@
               <a:buChar char="●"/>
               <a:defRPr sz="1100"/>
             </a:lvl4pPr>
-            <a:lvl5pPr indent="-298450" lvl="4" marL="2286000">
+            <a:lvl5pPr marL="2286000" lvl="4" indent="-298450">
               <a:spcBef>
                 <a:spcPts val="0"/>
               </a:spcBef>
@@ -425,7 +438,7 @@
               <a:buChar char="○"/>
               <a:defRPr sz="1100"/>
             </a:lvl5pPr>
-            <a:lvl6pPr indent="-298450" lvl="5" marL="2743200">
+            <a:lvl6pPr marL="2743200" lvl="5" indent="-298450">
               <a:spcBef>
                 <a:spcPts val="0"/>
               </a:spcBef>
@@ -436,7 +449,7 @@
               <a:buChar char="■"/>
               <a:defRPr sz="1100"/>
             </a:lvl6pPr>
-            <a:lvl7pPr indent="-298450" lvl="6" marL="3200400">
+            <a:lvl7pPr marL="3200400" lvl="6" indent="-298450">
               <a:spcBef>
                 <a:spcPts val="0"/>
               </a:spcBef>
@@ -447,7 +460,7 @@
               <a:buChar char="●"/>
               <a:defRPr sz="1100"/>
             </a:lvl7pPr>
-            <a:lvl8pPr indent="-298450" lvl="7" marL="3657600">
+            <a:lvl8pPr marL="3657600" lvl="7" indent="-298450">
               <a:spcBef>
                 <a:spcPts val="0"/>
               </a:spcBef>
@@ -458,7 +471,7 @@
               <a:buChar char="○"/>
               <a:defRPr sz="1100"/>
             </a:lvl8pPr>
-            <a:lvl9pPr indent="-298450" lvl="8" marL="4114800">
+            <a:lvl9pPr marL="4114800" lvl="8" indent="-298450">
               <a:spcBef>
                 <a:spcPts val="0"/>
               </a:spcBef>
@@ -470,14 +483,16 @@
               <a:defRPr sz="1100"/>
             </a:lvl9pPr>
           </a:lstStyle>
-          <a:p/>
+          <a:p>
+            <a:endParaRPr/>
+          </a:p>
         </p:txBody>
       </p:sp>
     </p:spTree>
   </p:cSld>
-  <p:clrMap accent1="accent1" accent2="accent2" accent3="accent3" accent4="accent4" accent5="accent5" accent6="accent6" bg1="lt1" bg2="dk2" tx1="dk1" tx2="lt2" folHlink="folHlink" hlink="hlink"/>
+  <p:clrMap bg1="lt1" tx1="dk1" bg2="dk2" tx2="lt2" accent1="accent1" accent2="accent2" accent3="accent3" accent4="accent4" accent5="accent5" accent6="accent6" hlink="hlink" folHlink="folHlink"/>
   <p:notesStyle>
-    <a:defPPr lvl="0" marR="0" rtl="0" algn="l">
+    <a:defPPr marR="0" lvl="0" algn="l" rtl="0">
       <a:lnSpc>
         <a:spcPct val="100000"/>
       </a:lnSpc>
@@ -488,7 +503,7 @@
         <a:spcPts val="0"/>
       </a:spcAft>
     </a:defPPr>
-    <a:lvl1pPr lvl="0" marR="0" rtl="0" algn="l">
+    <a:lvl1pPr marR="0" lvl="0" algn="l" rtl="0">
       <a:lnSpc>
         <a:spcPct val="100000"/>
       </a:lnSpc>
@@ -502,7 +517,7 @@
         <a:srgbClr val="000000"/>
       </a:buClr>
       <a:buFont typeface="Arial"/>
-      <a:defRPr b="0" i="0" sz="1400" u="none" cap="none" strike="noStrike">
+      <a:defRPr sz="1400" b="0" i="0" u="none" strike="noStrike" cap="none">
         <a:solidFill>
           <a:srgbClr val="000000"/>
         </a:solidFill>
@@ -512,7 +527,7 @@
         <a:sym typeface="Arial"/>
       </a:defRPr>
     </a:lvl1pPr>
-    <a:lvl2pPr lvl="1" marR="0" rtl="0" algn="l">
+    <a:lvl2pPr marR="0" lvl="1" algn="l" rtl="0">
       <a:lnSpc>
         <a:spcPct val="100000"/>
       </a:lnSpc>
@@ -526,7 +541,7 @@
         <a:srgbClr val="000000"/>
       </a:buClr>
       <a:buFont typeface="Arial"/>
-      <a:defRPr b="0" i="0" sz="1400" u="none" cap="none" strike="noStrike">
+      <a:defRPr sz="1400" b="0" i="0" u="none" strike="noStrike" cap="none">
         <a:solidFill>
           <a:srgbClr val="000000"/>
         </a:solidFill>
@@ -536,7 +551,7 @@
         <a:sym typeface="Arial"/>
       </a:defRPr>
     </a:lvl2pPr>
-    <a:lvl3pPr lvl="2" marR="0" rtl="0" algn="l">
+    <a:lvl3pPr marR="0" lvl="2" algn="l" rtl="0">
       <a:lnSpc>
         <a:spcPct val="100000"/>
       </a:lnSpc>
@@ -550,7 +565,7 @@
         <a:srgbClr val="000000"/>
       </a:buClr>
       <a:buFont typeface="Arial"/>
-      <a:defRPr b="0" i="0" sz="1400" u="none" cap="none" strike="noStrike">
+      <a:defRPr sz="1400" b="0" i="0" u="none" strike="noStrike" cap="none">
         <a:solidFill>
           <a:srgbClr val="000000"/>
         </a:solidFill>
@@ -560,7 +575,7 @@
         <a:sym typeface="Arial"/>
       </a:defRPr>
     </a:lvl3pPr>
-    <a:lvl4pPr lvl="3" marR="0" rtl="0" algn="l">
+    <a:lvl4pPr marR="0" lvl="3" algn="l" rtl="0">
       <a:lnSpc>
         <a:spcPct val="100000"/>
       </a:lnSpc>
@@ -574,7 +589,7 @@
         <a:srgbClr val="000000"/>
       </a:buClr>
       <a:buFont typeface="Arial"/>
-      <a:defRPr b="0" i="0" sz="1400" u="none" cap="none" strike="noStrike">
+      <a:defRPr sz="1400" b="0" i="0" u="none" strike="noStrike" cap="none">
         <a:solidFill>
           <a:srgbClr val="000000"/>
         </a:solidFill>
@@ -584,7 +599,7 @@
         <a:sym typeface="Arial"/>
       </a:defRPr>
     </a:lvl4pPr>
-    <a:lvl5pPr lvl="4" marR="0" rtl="0" algn="l">
+    <a:lvl5pPr marR="0" lvl="4" algn="l" rtl="0">
       <a:lnSpc>
         <a:spcPct val="100000"/>
       </a:lnSpc>
@@ -598,7 +613,7 @@
         <a:srgbClr val="000000"/>
       </a:buClr>
       <a:buFont typeface="Arial"/>
-      <a:defRPr b="0" i="0" sz="1400" u="none" cap="none" strike="noStrike">
+      <a:defRPr sz="1400" b="0" i="0" u="none" strike="noStrike" cap="none">
         <a:solidFill>
           <a:srgbClr val="000000"/>
         </a:solidFill>
@@ -608,7 +623,7 @@
         <a:sym typeface="Arial"/>
       </a:defRPr>
     </a:lvl5pPr>
-    <a:lvl6pPr lvl="5" marR="0" rtl="0" algn="l">
+    <a:lvl6pPr marR="0" lvl="5" algn="l" rtl="0">
       <a:lnSpc>
         <a:spcPct val="100000"/>
       </a:lnSpc>
@@ -622,7 +637,7 @@
         <a:srgbClr val="000000"/>
       </a:buClr>
       <a:buFont typeface="Arial"/>
-      <a:defRPr b="0" i="0" sz="1400" u="none" cap="none" strike="noStrike">
+      <a:defRPr sz="1400" b="0" i="0" u="none" strike="noStrike" cap="none">
         <a:solidFill>
           <a:srgbClr val="000000"/>
         </a:solidFill>
@@ -632,7 +647,7 @@
         <a:sym typeface="Arial"/>
       </a:defRPr>
     </a:lvl6pPr>
-    <a:lvl7pPr lvl="6" marR="0" rtl="0" algn="l">
+    <a:lvl7pPr marR="0" lvl="6" algn="l" rtl="0">
       <a:lnSpc>
         <a:spcPct val="100000"/>
       </a:lnSpc>
@@ -646,7 +661,7 @@
         <a:srgbClr val="000000"/>
       </a:buClr>
       <a:buFont typeface="Arial"/>
-      <a:defRPr b="0" i="0" sz="1400" u="none" cap="none" strike="noStrike">
+      <a:defRPr sz="1400" b="0" i="0" u="none" strike="noStrike" cap="none">
         <a:solidFill>
           <a:srgbClr val="000000"/>
         </a:solidFill>
@@ -656,7 +671,7 @@
         <a:sym typeface="Arial"/>
       </a:defRPr>
     </a:lvl7pPr>
-    <a:lvl8pPr lvl="7" marR="0" rtl="0" algn="l">
+    <a:lvl8pPr marR="0" lvl="7" algn="l" rtl="0">
       <a:lnSpc>
         <a:spcPct val="100000"/>
       </a:lnSpc>
@@ -670,7 +685,7 @@
         <a:srgbClr val="000000"/>
       </a:buClr>
       <a:buFont typeface="Arial"/>
-      <a:defRPr b="0" i="0" sz="1400" u="none" cap="none" strike="noStrike">
+      <a:defRPr sz="1400" b="0" i="0" u="none" strike="noStrike" cap="none">
         <a:solidFill>
           <a:srgbClr val="000000"/>
         </a:solidFill>
@@ -680,7 +695,7 @@
         <a:sym typeface="Arial"/>
       </a:defRPr>
     </a:lvl8pPr>
-    <a:lvl9pPr lvl="8" marR="0" rtl="0" algn="l">
+    <a:lvl9pPr marR="0" lvl="8" algn="l" rtl="0">
       <a:lnSpc>
         <a:spcPct val="100000"/>
       </a:lnSpc>
@@ -694,7 +709,7 @@
         <a:srgbClr val="000000"/>
       </a:buClr>
       <a:buFont typeface="Arial"/>
-      <a:defRPr b="0" i="0" sz="1400" u="none" cap="none" strike="noStrike">
+      <a:defRPr sz="1400" b="0" i="0" u="none" strike="noStrike" cap="none">
         <a:solidFill>
           <a:srgbClr val="000000"/>
         </a:solidFill>
@@ -709,11 +724,11 @@
 </file>
 
 <file path=ppt/notesSlides/notesSlide1.xml><?xml version="1.0" encoding="utf-8"?>
-<p:notes xmlns:a="http://schemas.openxmlformats.org/drawingml/2006/main" xmlns:r="http://schemas.openxmlformats.org/officeDocument/2006/relationships" xmlns:mc="http://schemas.openxmlformats.org/markup-compatibility/2006" xmlns:mv="urn:schemas-microsoft-com:mac:vml" xmlns:p="http://schemas.openxmlformats.org/presentationml/2006/main" xmlns:c="http://schemas.openxmlformats.org/drawingml/2006/chart" xmlns:dgm="http://schemas.openxmlformats.org/drawingml/2006/diagram" xmlns:o="urn:schemas-microsoft-com:office:office" xmlns:v="urn:schemas-microsoft-com:vml" xmlns:pvml="urn:schemas-microsoft-com:office:powerpoint" xmlns:com="http://schemas.openxmlformats.org/drawingml/2006/compatibility" xmlns:p14="http://schemas.microsoft.com/office/powerpoint/2010/main" xmlns:p15="http://schemas.microsoft.com/office/powerpoint/2012/main" showMasterPhAnim="0" showMasterSp="0">
+<p:notes xmlns:a="http://schemas.openxmlformats.org/drawingml/2006/main" xmlns:r="http://schemas.openxmlformats.org/officeDocument/2006/relationships" xmlns:p="http://schemas.openxmlformats.org/presentationml/2006/main" showMasterSp="0" showMasterPhAnim="0">
   <p:cSld>
     <p:spTree>
       <p:nvGrpSpPr>
-        <p:cNvPr id="62" name="Shape 62"/>
+        <p:cNvPr id="1" name="Shape 62"/>
         <p:cNvGrpSpPr/>
         <p:nvPr/>
       </p:nvGrpSpPr>
@@ -728,9 +743,11 @@
       <p:sp>
         <p:nvSpPr>
           <p:cNvPr id="63" name="Google Shape;63;p:notes"/>
-          <p:cNvSpPr/>
+          <p:cNvSpPr>
+            <a:spLocks noGrp="1" noRot="1" noChangeAspect="1"/>
+          </p:cNvSpPr>
           <p:nvPr>
-            <p:ph idx="2" type="sldImg"/>
+            <p:ph type="sldImg" idx="2"/>
           </p:nvPr>
         </p:nvSpPr>
         <p:spPr>
@@ -739,9 +756,13 @@
             <a:ext cx="6096075" cy="3429000"/>
           </a:xfrm>
           <a:custGeom>
-            <a:rect b="b" l="l" r="r" t="t"/>
+            <a:avLst/>
+            <a:gdLst/>
+            <a:ahLst/>
+            <a:cxnLst/>
+            <a:rect l="l" t="t" r="r" b="b"/>
             <a:pathLst>
-              <a:path extrusionOk="0" h="120000" w="120000">
+              <a:path w="120000" h="120000" extrusionOk="0">
                 <a:moveTo>
                   <a:pt x="0" y="0"/>
                 </a:moveTo>
@@ -763,9 +784,11 @@
       <p:sp>
         <p:nvSpPr>
           <p:cNvPr id="64" name="Google Shape;64;p:notes"/>
-          <p:cNvSpPr txBox="1"/>
+          <p:cNvSpPr txBox="1">
+            <a:spLocks noGrp="1"/>
+          </p:cNvSpPr>
           <p:nvPr>
-            <p:ph idx="1" type="body"/>
+            <p:ph type="body" idx="1"/>
           </p:nvPr>
         </p:nvSpPr>
         <p:spPr>
@@ -778,12 +801,12 @@
           </a:prstGeom>
         </p:spPr>
         <p:txBody>
-          <a:bodyPr anchorCtr="0" anchor="t" bIns="91425" lIns="91425" spcFirstLastPara="1" rIns="91425" wrap="square" tIns="91425">
+          <a:bodyPr spcFirstLastPara="1" wrap="square" lIns="91425" tIns="91425" rIns="91425" bIns="91425" anchor="t" anchorCtr="0">
             <a:noAutofit/>
           </a:bodyPr>
           <a:lstStyle/>
           <a:p>
-            <a:pPr indent="0" lvl="0" marL="0" rtl="0" algn="l">
+            <a:pPr marL="0" lvl="0" indent="0" algn="l" rtl="0">
               <a:spcBef>
                 <a:spcPts val="0"/>
               </a:spcBef>
@@ -792,9 +815,6 @@
               </a:spcAft>
               <a:buNone/>
             </a:pPr>
-            <a:r>
-              <a:t/>
-            </a:r>
             <a:endParaRPr/>
           </a:p>
         </p:txBody>
@@ -808,11 +828,11 @@
 </file>
 
 <file path=ppt/notesSlides/notesSlide2.xml><?xml version="1.0" encoding="utf-8"?>
-<p:notes xmlns:a="http://schemas.openxmlformats.org/drawingml/2006/main" xmlns:r="http://schemas.openxmlformats.org/officeDocument/2006/relationships" xmlns:mc="http://schemas.openxmlformats.org/markup-compatibility/2006" xmlns:mv="urn:schemas-microsoft-com:mac:vml" xmlns:p="http://schemas.openxmlformats.org/presentationml/2006/main" xmlns:c="http://schemas.openxmlformats.org/drawingml/2006/chart" xmlns:dgm="http://schemas.openxmlformats.org/drawingml/2006/diagram" xmlns:o="urn:schemas-microsoft-com:office:office" xmlns:v="urn:schemas-microsoft-com:vml" xmlns:pvml="urn:schemas-microsoft-com:office:powerpoint" xmlns:com="http://schemas.openxmlformats.org/drawingml/2006/compatibility" xmlns:p14="http://schemas.microsoft.com/office/powerpoint/2010/main" xmlns:p15="http://schemas.microsoft.com/office/powerpoint/2012/main" showMasterPhAnim="0" showMasterSp="0">
+<p:notes xmlns:a="http://schemas.openxmlformats.org/drawingml/2006/main" xmlns:r="http://schemas.openxmlformats.org/officeDocument/2006/relationships" xmlns:p="http://schemas.openxmlformats.org/presentationml/2006/main" showMasterSp="0" showMasterPhAnim="0">
   <p:cSld>
     <p:spTree>
       <p:nvGrpSpPr>
-        <p:cNvPr id="69" name="Shape 69"/>
+        <p:cNvPr id="1" name="Shape 69"/>
         <p:cNvGrpSpPr/>
         <p:nvPr/>
       </p:nvGrpSpPr>
@@ -827,20 +847,26 @@
       <p:sp>
         <p:nvSpPr>
           <p:cNvPr id="70" name="Google Shape;70;g6e5d5e1540_0_57:notes"/>
-          <p:cNvSpPr/>
+          <p:cNvSpPr>
+            <a:spLocks noGrp="1" noRot="1" noChangeAspect="1"/>
+          </p:cNvSpPr>
           <p:nvPr>
-            <p:ph idx="2" type="sldImg"/>
+            <p:ph type="sldImg" idx="2"/>
           </p:nvPr>
         </p:nvSpPr>
         <p:spPr>
           <a:xfrm>
-            <a:off x="381300" y="685800"/>
+            <a:off x="381000" y="685800"/>
             <a:ext cx="6096000" cy="3429000"/>
           </a:xfrm>
           <a:custGeom>
-            <a:rect b="b" l="l" r="r" t="t"/>
+            <a:avLst/>
+            <a:gdLst/>
+            <a:ahLst/>
+            <a:cxnLst/>
+            <a:rect l="l" t="t" r="r" b="b"/>
             <a:pathLst>
-              <a:path extrusionOk="0" h="120000" w="120000">
+              <a:path w="120000" h="120000" extrusionOk="0">
                 <a:moveTo>
                   <a:pt x="0" y="0"/>
                 </a:moveTo>
@@ -862,9 +888,11 @@
       <p:sp>
         <p:nvSpPr>
           <p:cNvPr id="71" name="Google Shape;71;g6e5d5e1540_0_57:notes"/>
-          <p:cNvSpPr txBox="1"/>
+          <p:cNvSpPr txBox="1">
+            <a:spLocks noGrp="1"/>
+          </p:cNvSpPr>
           <p:nvPr>
-            <p:ph idx="1" type="body"/>
+            <p:ph type="body" idx="1"/>
           </p:nvPr>
         </p:nvSpPr>
         <p:spPr>
@@ -877,12 +905,12 @@
           </a:prstGeom>
         </p:spPr>
         <p:txBody>
-          <a:bodyPr anchorCtr="0" anchor="t" bIns="91425" lIns="91425" spcFirstLastPara="1" rIns="91425" wrap="square" tIns="91425">
+          <a:bodyPr spcFirstLastPara="1" wrap="square" lIns="91425" tIns="91425" rIns="91425" bIns="91425" anchor="t" anchorCtr="0">
             <a:noAutofit/>
           </a:bodyPr>
           <a:lstStyle/>
           <a:p>
-            <a:pPr indent="0" lvl="0" marL="0" rtl="0" algn="l">
+            <a:pPr marL="0" lvl="0" indent="0" algn="l" rtl="0">
               <a:spcBef>
                 <a:spcPts val="0"/>
               </a:spcBef>
@@ -891,9 +919,6 @@
               </a:spcAft>
               <a:buNone/>
             </a:pPr>
-            <a:r>
-              <a:t/>
-            </a:r>
             <a:endParaRPr/>
           </a:p>
         </p:txBody>
@@ -907,11 +932,11 @@
 </file>
 
 <file path=ppt/notesSlides/notesSlide3.xml><?xml version="1.0" encoding="utf-8"?>
-<p:notes xmlns:a="http://schemas.openxmlformats.org/drawingml/2006/main" xmlns:r="http://schemas.openxmlformats.org/officeDocument/2006/relationships" xmlns:mc="http://schemas.openxmlformats.org/markup-compatibility/2006" xmlns:mv="urn:schemas-microsoft-com:mac:vml" xmlns:p="http://schemas.openxmlformats.org/presentationml/2006/main" xmlns:c="http://schemas.openxmlformats.org/drawingml/2006/chart" xmlns:dgm="http://schemas.openxmlformats.org/drawingml/2006/diagram" xmlns:o="urn:schemas-microsoft-com:office:office" xmlns:v="urn:schemas-microsoft-com:vml" xmlns:pvml="urn:schemas-microsoft-com:office:powerpoint" xmlns:com="http://schemas.openxmlformats.org/drawingml/2006/compatibility" xmlns:p14="http://schemas.microsoft.com/office/powerpoint/2010/main" xmlns:p15="http://schemas.microsoft.com/office/powerpoint/2012/main" showMasterPhAnim="0" showMasterSp="0">
+<p:notes xmlns:a="http://schemas.openxmlformats.org/drawingml/2006/main" xmlns:r="http://schemas.openxmlformats.org/officeDocument/2006/relationships" xmlns:p="http://schemas.openxmlformats.org/presentationml/2006/main" showMasterSp="0" showMasterPhAnim="0">
   <p:cSld>
     <p:spTree>
       <p:nvGrpSpPr>
-        <p:cNvPr id="76" name="Shape 76"/>
+        <p:cNvPr id="1" name="Shape 76"/>
         <p:cNvGrpSpPr/>
         <p:nvPr/>
       </p:nvGrpSpPr>
@@ -926,9 +951,11 @@
       <p:sp>
         <p:nvSpPr>
           <p:cNvPr id="77" name="Google Shape;77;g6e5d5e1540_0_62:notes"/>
-          <p:cNvSpPr/>
+          <p:cNvSpPr>
+            <a:spLocks noGrp="1" noRot="1" noChangeAspect="1"/>
+          </p:cNvSpPr>
           <p:nvPr>
-            <p:ph idx="2" type="sldImg"/>
+            <p:ph type="sldImg" idx="2"/>
           </p:nvPr>
         </p:nvSpPr>
         <p:spPr>
@@ -937,9 +964,13 @@
             <a:ext cx="6096000" cy="3429000"/>
           </a:xfrm>
           <a:custGeom>
-            <a:rect b="b" l="l" r="r" t="t"/>
+            <a:avLst/>
+            <a:gdLst/>
+            <a:ahLst/>
+            <a:cxnLst/>
+            <a:rect l="l" t="t" r="r" b="b"/>
             <a:pathLst>
-              <a:path extrusionOk="0" h="120000" w="120000">
+              <a:path w="120000" h="120000" extrusionOk="0">
                 <a:moveTo>
                   <a:pt x="0" y="0"/>
                 </a:moveTo>
@@ -961,9 +992,11 @@
       <p:sp>
         <p:nvSpPr>
           <p:cNvPr id="78" name="Google Shape;78;g6e5d5e1540_0_62:notes"/>
-          <p:cNvSpPr txBox="1"/>
+          <p:cNvSpPr txBox="1">
+            <a:spLocks noGrp="1"/>
+          </p:cNvSpPr>
           <p:nvPr>
-            <p:ph idx="1" type="body"/>
+            <p:ph type="body" idx="1"/>
           </p:nvPr>
         </p:nvSpPr>
         <p:spPr>
@@ -976,12 +1009,12 @@
           </a:prstGeom>
         </p:spPr>
         <p:txBody>
-          <a:bodyPr anchorCtr="0" anchor="t" bIns="91425" lIns="91425" spcFirstLastPara="1" rIns="91425" wrap="square" tIns="91425">
+          <a:bodyPr spcFirstLastPara="1" wrap="square" lIns="91425" tIns="91425" rIns="91425" bIns="91425" anchor="t" anchorCtr="0">
             <a:noAutofit/>
           </a:bodyPr>
           <a:lstStyle/>
           <a:p>
-            <a:pPr indent="0" lvl="0" marL="0" rtl="0" algn="l">
+            <a:pPr marL="0" lvl="0" indent="0" algn="l" rtl="0">
               <a:spcBef>
                 <a:spcPts val="0"/>
               </a:spcBef>
@@ -990,9 +1023,6 @@
               </a:spcAft>
               <a:buNone/>
             </a:pPr>
-            <a:r>
-              <a:t/>
-            </a:r>
             <a:endParaRPr/>
           </a:p>
         </p:txBody>
@@ -1006,11 +1036,11 @@
 </file>
 
 <file path=ppt/notesSlides/notesSlide4.xml><?xml version="1.0" encoding="utf-8"?>
-<p:notes xmlns:a="http://schemas.openxmlformats.org/drawingml/2006/main" xmlns:r="http://schemas.openxmlformats.org/officeDocument/2006/relationships" xmlns:mc="http://schemas.openxmlformats.org/markup-compatibility/2006" xmlns:mv="urn:schemas-microsoft-com:mac:vml" xmlns:p="http://schemas.openxmlformats.org/presentationml/2006/main" xmlns:c="http://schemas.openxmlformats.org/drawingml/2006/chart" xmlns:dgm="http://schemas.openxmlformats.org/drawingml/2006/diagram" xmlns:o="urn:schemas-microsoft-com:office:office" xmlns:v="urn:schemas-microsoft-com:vml" xmlns:pvml="urn:schemas-microsoft-com:office:powerpoint" xmlns:com="http://schemas.openxmlformats.org/drawingml/2006/compatibility" xmlns:p14="http://schemas.microsoft.com/office/powerpoint/2010/main" xmlns:p15="http://schemas.microsoft.com/office/powerpoint/2012/main" showMasterPhAnim="0" showMasterSp="0">
+<p:notes xmlns:a="http://schemas.openxmlformats.org/drawingml/2006/main" xmlns:r="http://schemas.openxmlformats.org/officeDocument/2006/relationships" xmlns:p="http://schemas.openxmlformats.org/presentationml/2006/main" showMasterSp="0" showMasterPhAnim="0">
   <p:cSld>
     <p:spTree>
       <p:nvGrpSpPr>
-        <p:cNvPr id="83" name="Shape 83"/>
+        <p:cNvPr id="1" name="Shape 83"/>
         <p:cNvGrpSpPr/>
         <p:nvPr/>
       </p:nvGrpSpPr>
@@ -1025,9 +1055,11 @@
       <p:sp>
         <p:nvSpPr>
           <p:cNvPr id="84" name="Google Shape;84;g6e5d5e1540_0_67:notes"/>
-          <p:cNvSpPr/>
+          <p:cNvSpPr>
+            <a:spLocks noGrp="1" noRot="1" noChangeAspect="1"/>
+          </p:cNvSpPr>
           <p:nvPr>
-            <p:ph idx="2" type="sldImg"/>
+            <p:ph type="sldImg" idx="2"/>
           </p:nvPr>
         </p:nvSpPr>
         <p:spPr>
@@ -1036,9 +1068,13 @@
             <a:ext cx="6096000" cy="3429000"/>
           </a:xfrm>
           <a:custGeom>
-            <a:rect b="b" l="l" r="r" t="t"/>
+            <a:avLst/>
+            <a:gdLst/>
+            <a:ahLst/>
+            <a:cxnLst/>
+            <a:rect l="l" t="t" r="r" b="b"/>
             <a:pathLst>
-              <a:path extrusionOk="0" h="120000" w="120000">
+              <a:path w="120000" h="120000" extrusionOk="0">
                 <a:moveTo>
                   <a:pt x="0" y="0"/>
                 </a:moveTo>
@@ -1060,9 +1096,11 @@
       <p:sp>
         <p:nvSpPr>
           <p:cNvPr id="85" name="Google Shape;85;g6e5d5e1540_0_67:notes"/>
-          <p:cNvSpPr txBox="1"/>
+          <p:cNvSpPr txBox="1">
+            <a:spLocks noGrp="1"/>
+          </p:cNvSpPr>
           <p:nvPr>
-            <p:ph idx="1" type="body"/>
+            <p:ph type="body" idx="1"/>
           </p:nvPr>
         </p:nvSpPr>
         <p:spPr>
@@ -1075,12 +1113,12 @@
           </a:prstGeom>
         </p:spPr>
         <p:txBody>
-          <a:bodyPr anchorCtr="0" anchor="t" bIns="91425" lIns="91425" spcFirstLastPara="1" rIns="91425" wrap="square" tIns="91425">
+          <a:bodyPr spcFirstLastPara="1" wrap="square" lIns="91425" tIns="91425" rIns="91425" bIns="91425" anchor="t" anchorCtr="0">
             <a:noAutofit/>
           </a:bodyPr>
           <a:lstStyle/>
           <a:p>
-            <a:pPr indent="0" lvl="0" marL="0" rtl="0" algn="l">
+            <a:pPr marL="0" lvl="0" indent="0" algn="l" rtl="0">
               <a:spcBef>
                 <a:spcPts val="0"/>
               </a:spcBef>
@@ -1089,9 +1127,6 @@
               </a:spcAft>
               <a:buNone/>
             </a:pPr>
-            <a:r>
-              <a:t/>
-            </a:r>
             <a:endParaRPr/>
           </a:p>
         </p:txBody>
@@ -1105,11 +1140,11 @@
 </file>
 
 <file path=ppt/notesSlides/notesSlide5.xml><?xml version="1.0" encoding="utf-8"?>
-<p:notes xmlns:a="http://schemas.openxmlformats.org/drawingml/2006/main" xmlns:r="http://schemas.openxmlformats.org/officeDocument/2006/relationships" xmlns:mc="http://schemas.openxmlformats.org/markup-compatibility/2006" xmlns:mv="urn:schemas-microsoft-com:mac:vml" xmlns:p="http://schemas.openxmlformats.org/presentationml/2006/main" xmlns:c="http://schemas.openxmlformats.org/drawingml/2006/chart" xmlns:dgm="http://schemas.openxmlformats.org/drawingml/2006/diagram" xmlns:o="urn:schemas-microsoft-com:office:office" xmlns:v="urn:schemas-microsoft-com:vml" xmlns:pvml="urn:schemas-microsoft-com:office:powerpoint" xmlns:com="http://schemas.openxmlformats.org/drawingml/2006/compatibility" xmlns:p14="http://schemas.microsoft.com/office/powerpoint/2010/main" xmlns:p15="http://schemas.microsoft.com/office/powerpoint/2012/main" showMasterPhAnim="0" showMasterSp="0">
+<p:notes xmlns:a="http://schemas.openxmlformats.org/drawingml/2006/main" xmlns:r="http://schemas.openxmlformats.org/officeDocument/2006/relationships" xmlns:p="http://schemas.openxmlformats.org/presentationml/2006/main" showMasterSp="0" showMasterPhAnim="0">
   <p:cSld>
     <p:spTree>
       <p:nvGrpSpPr>
-        <p:cNvPr id="91" name="Shape 91"/>
+        <p:cNvPr id="1" name="Shape 91"/>
         <p:cNvGrpSpPr/>
         <p:nvPr/>
       </p:nvGrpSpPr>
@@ -1124,9 +1159,11 @@
       <p:sp>
         <p:nvSpPr>
           <p:cNvPr id="92" name="Google Shape;92;g6e5d5e1540_0_72:notes"/>
-          <p:cNvSpPr/>
+          <p:cNvSpPr>
+            <a:spLocks noGrp="1" noRot="1" noChangeAspect="1"/>
+          </p:cNvSpPr>
           <p:nvPr>
-            <p:ph idx="2" type="sldImg"/>
+            <p:ph type="sldImg" idx="2"/>
           </p:nvPr>
         </p:nvSpPr>
         <p:spPr>
@@ -1135,9 +1172,13 @@
             <a:ext cx="6096000" cy="3429000"/>
           </a:xfrm>
           <a:custGeom>
-            <a:rect b="b" l="l" r="r" t="t"/>
+            <a:avLst/>
+            <a:gdLst/>
+            <a:ahLst/>
+            <a:cxnLst/>
+            <a:rect l="l" t="t" r="r" b="b"/>
             <a:pathLst>
-              <a:path extrusionOk="0" h="120000" w="120000">
+              <a:path w="120000" h="120000" extrusionOk="0">
                 <a:moveTo>
                   <a:pt x="0" y="0"/>
                 </a:moveTo>
@@ -1159,9 +1200,11 @@
       <p:sp>
         <p:nvSpPr>
           <p:cNvPr id="93" name="Google Shape;93;g6e5d5e1540_0_72:notes"/>
-          <p:cNvSpPr txBox="1"/>
+          <p:cNvSpPr txBox="1">
+            <a:spLocks noGrp="1"/>
+          </p:cNvSpPr>
           <p:nvPr>
-            <p:ph idx="1" type="body"/>
+            <p:ph type="body" idx="1"/>
           </p:nvPr>
         </p:nvSpPr>
         <p:spPr>
@@ -1174,12 +1217,12 @@
           </a:prstGeom>
         </p:spPr>
         <p:txBody>
-          <a:bodyPr anchorCtr="0" anchor="t" bIns="91425" lIns="91425" spcFirstLastPara="1" rIns="91425" wrap="square" tIns="91425">
+          <a:bodyPr spcFirstLastPara="1" wrap="square" lIns="91425" tIns="91425" rIns="91425" bIns="91425" anchor="t" anchorCtr="0">
             <a:noAutofit/>
           </a:bodyPr>
           <a:lstStyle/>
           <a:p>
-            <a:pPr indent="0" lvl="0" marL="0" rtl="0" algn="l">
+            <a:pPr marL="0" lvl="0" indent="0" algn="l" rtl="0">
               <a:spcBef>
                 <a:spcPts val="0"/>
               </a:spcBef>
@@ -1188,9 +1231,6 @@
               </a:spcAft>
               <a:buNone/>
             </a:pPr>
-            <a:r>
-              <a:t/>
-            </a:r>
             <a:endParaRPr/>
           </a:p>
         </p:txBody>
@@ -1204,11 +1244,11 @@
 </file>
 
 <file path=ppt/notesSlides/notesSlide6.xml><?xml version="1.0" encoding="utf-8"?>
-<p:notes xmlns:a="http://schemas.openxmlformats.org/drawingml/2006/main" xmlns:r="http://schemas.openxmlformats.org/officeDocument/2006/relationships" xmlns:mc="http://schemas.openxmlformats.org/markup-compatibility/2006" xmlns:mv="urn:schemas-microsoft-com:mac:vml" xmlns:p="http://schemas.openxmlformats.org/presentationml/2006/main" xmlns:c="http://schemas.openxmlformats.org/drawingml/2006/chart" xmlns:dgm="http://schemas.openxmlformats.org/drawingml/2006/diagram" xmlns:o="urn:schemas-microsoft-com:office:office" xmlns:v="urn:schemas-microsoft-com:vml" xmlns:pvml="urn:schemas-microsoft-com:office:powerpoint" xmlns:com="http://schemas.openxmlformats.org/drawingml/2006/compatibility" xmlns:p14="http://schemas.microsoft.com/office/powerpoint/2010/main" xmlns:p15="http://schemas.microsoft.com/office/powerpoint/2012/main" showMasterPhAnim="0" showMasterSp="0">
+<p:notes xmlns:a="http://schemas.openxmlformats.org/drawingml/2006/main" xmlns:r="http://schemas.openxmlformats.org/officeDocument/2006/relationships" xmlns:p="http://schemas.openxmlformats.org/presentationml/2006/main" showMasterSp="0" showMasterPhAnim="0">
   <p:cSld>
     <p:spTree>
       <p:nvGrpSpPr>
-        <p:cNvPr id="98" name="Shape 98"/>
+        <p:cNvPr id="1" name="Shape 98"/>
         <p:cNvGrpSpPr/>
         <p:nvPr/>
       </p:nvGrpSpPr>
@@ -1223,9 +1263,11 @@
       <p:sp>
         <p:nvSpPr>
           <p:cNvPr id="99" name="Google Shape;99;g6e5d5e1540_0_82:notes"/>
-          <p:cNvSpPr/>
+          <p:cNvSpPr>
+            <a:spLocks noGrp="1" noRot="1" noChangeAspect="1"/>
+          </p:cNvSpPr>
           <p:nvPr>
-            <p:ph idx="2" type="sldImg"/>
+            <p:ph type="sldImg" idx="2"/>
           </p:nvPr>
         </p:nvSpPr>
         <p:spPr>
@@ -1234,9 +1276,13 @@
             <a:ext cx="6096000" cy="3429000"/>
           </a:xfrm>
           <a:custGeom>
-            <a:rect b="b" l="l" r="r" t="t"/>
+            <a:avLst/>
+            <a:gdLst/>
+            <a:ahLst/>
+            <a:cxnLst/>
+            <a:rect l="l" t="t" r="r" b="b"/>
             <a:pathLst>
-              <a:path extrusionOk="0" h="120000" w="120000">
+              <a:path w="120000" h="120000" extrusionOk="0">
                 <a:moveTo>
                   <a:pt x="0" y="0"/>
                 </a:moveTo>
@@ -1258,9 +1304,11 @@
       <p:sp>
         <p:nvSpPr>
           <p:cNvPr id="100" name="Google Shape;100;g6e5d5e1540_0_82:notes"/>
-          <p:cNvSpPr txBox="1"/>
+          <p:cNvSpPr txBox="1">
+            <a:spLocks noGrp="1"/>
+          </p:cNvSpPr>
           <p:nvPr>
-            <p:ph idx="1" type="body"/>
+            <p:ph type="body" idx="1"/>
           </p:nvPr>
         </p:nvSpPr>
         <p:spPr>
@@ -1273,12 +1321,12 @@
           </a:prstGeom>
         </p:spPr>
         <p:txBody>
-          <a:bodyPr anchorCtr="0" anchor="t" bIns="91425" lIns="91425" spcFirstLastPara="1" rIns="91425" wrap="square" tIns="91425">
+          <a:bodyPr spcFirstLastPara="1" wrap="square" lIns="91425" tIns="91425" rIns="91425" bIns="91425" anchor="t" anchorCtr="0">
             <a:noAutofit/>
           </a:bodyPr>
           <a:lstStyle/>
           <a:p>
-            <a:pPr indent="0" lvl="0" marL="0" rtl="0" algn="l">
+            <a:pPr marL="0" lvl="0" indent="0" algn="l" rtl="0">
               <a:spcBef>
                 <a:spcPts val="0"/>
               </a:spcBef>
@@ -1287,9 +1335,6 @@
               </a:spcAft>
               <a:buNone/>
             </a:pPr>
-            <a:r>
-              <a:t/>
-            </a:r>
             <a:endParaRPr/>
           </a:p>
         </p:txBody>
@@ -1303,11 +1348,11 @@
 </file>
 
 <file path=ppt/notesSlides/notesSlide7.xml><?xml version="1.0" encoding="utf-8"?>
-<p:notes xmlns:a="http://schemas.openxmlformats.org/drawingml/2006/main" xmlns:r="http://schemas.openxmlformats.org/officeDocument/2006/relationships" xmlns:mc="http://schemas.openxmlformats.org/markup-compatibility/2006" xmlns:mv="urn:schemas-microsoft-com:mac:vml" xmlns:p="http://schemas.openxmlformats.org/presentationml/2006/main" xmlns:c="http://schemas.openxmlformats.org/drawingml/2006/chart" xmlns:dgm="http://schemas.openxmlformats.org/drawingml/2006/diagram" xmlns:o="urn:schemas-microsoft-com:office:office" xmlns:v="urn:schemas-microsoft-com:vml" xmlns:pvml="urn:schemas-microsoft-com:office:powerpoint" xmlns:com="http://schemas.openxmlformats.org/drawingml/2006/compatibility" xmlns:p14="http://schemas.microsoft.com/office/powerpoint/2010/main" xmlns:p15="http://schemas.microsoft.com/office/powerpoint/2012/main" showMasterPhAnim="0" showMasterSp="0">
+<p:notes xmlns:a="http://schemas.openxmlformats.org/drawingml/2006/main" xmlns:r="http://schemas.openxmlformats.org/officeDocument/2006/relationships" xmlns:p="http://schemas.openxmlformats.org/presentationml/2006/main" showMasterSp="0" showMasterPhAnim="0">
   <p:cSld>
     <p:spTree>
       <p:nvGrpSpPr>
-        <p:cNvPr id="107" name="Shape 107"/>
+        <p:cNvPr id="1" name="Shape 107"/>
         <p:cNvGrpSpPr/>
         <p:nvPr/>
       </p:nvGrpSpPr>
@@ -1322,20 +1367,26 @@
       <p:sp>
         <p:nvSpPr>
           <p:cNvPr id="108" name="Google Shape;108;g6e5d5e1540_0_77:notes"/>
-          <p:cNvSpPr/>
+          <p:cNvSpPr>
+            <a:spLocks noGrp="1" noRot="1" noChangeAspect="1"/>
+          </p:cNvSpPr>
           <p:nvPr>
-            <p:ph idx="2" type="sldImg"/>
+            <p:ph type="sldImg" idx="2"/>
           </p:nvPr>
         </p:nvSpPr>
         <p:spPr>
           <a:xfrm>
-            <a:off x="381300" y="685800"/>
+            <a:off x="381000" y="685800"/>
             <a:ext cx="6096000" cy="3429000"/>
           </a:xfrm>
           <a:custGeom>
-            <a:rect b="b" l="l" r="r" t="t"/>
+            <a:avLst/>
+            <a:gdLst/>
+            <a:ahLst/>
+            <a:cxnLst/>
+            <a:rect l="l" t="t" r="r" b="b"/>
             <a:pathLst>
-              <a:path extrusionOk="0" h="120000" w="120000">
+              <a:path w="120000" h="120000" extrusionOk="0">
                 <a:moveTo>
                   <a:pt x="0" y="0"/>
                 </a:moveTo>
@@ -1357,9 +1408,11 @@
       <p:sp>
         <p:nvSpPr>
           <p:cNvPr id="109" name="Google Shape;109;g6e5d5e1540_0_77:notes"/>
-          <p:cNvSpPr txBox="1"/>
+          <p:cNvSpPr txBox="1">
+            <a:spLocks noGrp="1"/>
+          </p:cNvSpPr>
           <p:nvPr>
-            <p:ph idx="1" type="body"/>
+            <p:ph type="body" idx="1"/>
           </p:nvPr>
         </p:nvSpPr>
         <p:spPr>
@@ -1372,12 +1425,12 @@
           </a:prstGeom>
         </p:spPr>
         <p:txBody>
-          <a:bodyPr anchorCtr="0" anchor="t" bIns="91425" lIns="91425" spcFirstLastPara="1" rIns="91425" wrap="square" tIns="91425">
+          <a:bodyPr spcFirstLastPara="1" wrap="square" lIns="91425" tIns="91425" rIns="91425" bIns="91425" anchor="t" anchorCtr="0">
             <a:noAutofit/>
           </a:bodyPr>
           <a:lstStyle/>
           <a:p>
-            <a:pPr indent="0" lvl="0" marL="0" rtl="0" algn="l">
+            <a:pPr marL="0" lvl="0" indent="0" algn="l" rtl="0">
               <a:spcBef>
                 <a:spcPts val="0"/>
               </a:spcBef>
@@ -1386,9 +1439,6 @@
               </a:spcAft>
               <a:buNone/>
             </a:pPr>
-            <a:r>
-              <a:t/>
-            </a:r>
             <a:endParaRPr/>
           </a:p>
         </p:txBody>
@@ -1402,11 +1452,11 @@
 </file>
 
 <file path=ppt/notesSlides/notesSlide8.xml><?xml version="1.0" encoding="utf-8"?>
-<p:notes xmlns:a="http://schemas.openxmlformats.org/drawingml/2006/main" xmlns:r="http://schemas.openxmlformats.org/officeDocument/2006/relationships" xmlns:mc="http://schemas.openxmlformats.org/markup-compatibility/2006" xmlns:mv="urn:schemas-microsoft-com:mac:vml" xmlns:p="http://schemas.openxmlformats.org/presentationml/2006/main" xmlns:c="http://schemas.openxmlformats.org/drawingml/2006/chart" xmlns:dgm="http://schemas.openxmlformats.org/drawingml/2006/diagram" xmlns:o="urn:schemas-microsoft-com:office:office" xmlns:v="urn:schemas-microsoft-com:vml" xmlns:pvml="urn:schemas-microsoft-com:office:powerpoint" xmlns:com="http://schemas.openxmlformats.org/drawingml/2006/compatibility" xmlns:p14="http://schemas.microsoft.com/office/powerpoint/2010/main" xmlns:p15="http://schemas.microsoft.com/office/powerpoint/2012/main" showMasterPhAnim="0" showMasterSp="0">
+<p:notes xmlns:a="http://schemas.openxmlformats.org/drawingml/2006/main" xmlns:r="http://schemas.openxmlformats.org/officeDocument/2006/relationships" xmlns:p="http://schemas.openxmlformats.org/presentationml/2006/main" showMasterSp="0" showMasterPhAnim="0">
   <p:cSld>
     <p:spTree>
       <p:nvGrpSpPr>
-        <p:cNvPr id="114" name="Shape 114"/>
+        <p:cNvPr id="1" name="Shape 114"/>
         <p:cNvGrpSpPr/>
         <p:nvPr/>
       </p:nvGrpSpPr>
@@ -1421,9 +1471,11 @@
       <p:sp>
         <p:nvSpPr>
           <p:cNvPr id="115" name="Google Shape;115;g6e5d5e1540_0_87:notes"/>
-          <p:cNvSpPr/>
+          <p:cNvSpPr>
+            <a:spLocks noGrp="1" noRot="1" noChangeAspect="1"/>
+          </p:cNvSpPr>
           <p:nvPr>
-            <p:ph idx="2" type="sldImg"/>
+            <p:ph type="sldImg" idx="2"/>
           </p:nvPr>
         </p:nvSpPr>
         <p:spPr>
@@ -1432,9 +1484,13 @@
             <a:ext cx="6096000" cy="3429000"/>
           </a:xfrm>
           <a:custGeom>
-            <a:rect b="b" l="l" r="r" t="t"/>
+            <a:avLst/>
+            <a:gdLst/>
+            <a:ahLst/>
+            <a:cxnLst/>
+            <a:rect l="l" t="t" r="r" b="b"/>
             <a:pathLst>
-              <a:path extrusionOk="0" h="120000" w="120000">
+              <a:path w="120000" h="120000" extrusionOk="0">
                 <a:moveTo>
                   <a:pt x="0" y="0"/>
                 </a:moveTo>
@@ -1456,9 +1512,11 @@
       <p:sp>
         <p:nvSpPr>
           <p:cNvPr id="116" name="Google Shape;116;g6e5d5e1540_0_87:notes"/>
-          <p:cNvSpPr txBox="1"/>
+          <p:cNvSpPr txBox="1">
+            <a:spLocks noGrp="1"/>
+          </p:cNvSpPr>
           <p:nvPr>
-            <p:ph idx="1" type="body"/>
+            <p:ph type="body" idx="1"/>
           </p:nvPr>
         </p:nvSpPr>
         <p:spPr>
@@ -1471,12 +1529,12 @@
           </a:prstGeom>
         </p:spPr>
         <p:txBody>
-          <a:bodyPr anchorCtr="0" anchor="t" bIns="91425" lIns="91425" spcFirstLastPara="1" rIns="91425" wrap="square" tIns="91425">
+          <a:bodyPr spcFirstLastPara="1" wrap="square" lIns="91425" tIns="91425" rIns="91425" bIns="91425" anchor="t" anchorCtr="0">
             <a:noAutofit/>
           </a:bodyPr>
           <a:lstStyle/>
           <a:p>
-            <a:pPr indent="0" lvl="0" marL="0" rtl="0" algn="l">
+            <a:pPr marL="0" lvl="0" indent="0" algn="l" rtl="0">
               <a:spcBef>
                 <a:spcPts val="0"/>
               </a:spcBef>
@@ -1485,9 +1543,6 @@
               </a:spcAft>
               <a:buNone/>
             </a:pPr>
-            <a:r>
-              <a:t/>
-            </a:r>
             <a:endParaRPr/>
           </a:p>
         </p:txBody>
@@ -1501,11 +1556,11 @@
 </file>
 
 <file path=ppt/notesSlides/notesSlide9.xml><?xml version="1.0" encoding="utf-8"?>
-<p:notes xmlns:a="http://schemas.openxmlformats.org/drawingml/2006/main" xmlns:r="http://schemas.openxmlformats.org/officeDocument/2006/relationships" xmlns:mc="http://schemas.openxmlformats.org/markup-compatibility/2006" xmlns:mv="urn:schemas-microsoft-com:mac:vml" xmlns:p="http://schemas.openxmlformats.org/presentationml/2006/main" xmlns:c="http://schemas.openxmlformats.org/drawingml/2006/chart" xmlns:dgm="http://schemas.openxmlformats.org/drawingml/2006/diagram" xmlns:o="urn:schemas-microsoft-com:office:office" xmlns:v="urn:schemas-microsoft-com:vml" xmlns:pvml="urn:schemas-microsoft-com:office:powerpoint" xmlns:com="http://schemas.openxmlformats.org/drawingml/2006/compatibility" xmlns:p14="http://schemas.microsoft.com/office/powerpoint/2010/main" xmlns:p15="http://schemas.microsoft.com/office/powerpoint/2012/main" showMasterPhAnim="0" showMasterSp="0">
+<p:notes xmlns:a="http://schemas.openxmlformats.org/drawingml/2006/main" xmlns:r="http://schemas.openxmlformats.org/officeDocument/2006/relationships" xmlns:p="http://schemas.openxmlformats.org/presentationml/2006/main" showMasterSp="0" showMasterPhAnim="0">
   <p:cSld>
     <p:spTree>
       <p:nvGrpSpPr>
-        <p:cNvPr id="120" name="Shape 120"/>
+        <p:cNvPr id="1" name="Shape 120"/>
         <p:cNvGrpSpPr/>
         <p:nvPr/>
       </p:nvGrpSpPr>
@@ -1520,9 +1575,11 @@
       <p:sp>
         <p:nvSpPr>
           <p:cNvPr id="121" name="Google Shape;121;g6e5d5e1540_0_98:notes"/>
-          <p:cNvSpPr/>
+          <p:cNvSpPr>
+            <a:spLocks noGrp="1" noRot="1" noChangeAspect="1"/>
+          </p:cNvSpPr>
           <p:nvPr>
-            <p:ph idx="2" type="sldImg"/>
+            <p:ph type="sldImg" idx="2"/>
           </p:nvPr>
         </p:nvSpPr>
         <p:spPr>
@@ -1531,9 +1588,13 @@
             <a:ext cx="6096000" cy="3429000"/>
           </a:xfrm>
           <a:custGeom>
-            <a:rect b="b" l="l" r="r" t="t"/>
+            <a:avLst/>
+            <a:gdLst/>
+            <a:ahLst/>
+            <a:cxnLst/>
+            <a:rect l="l" t="t" r="r" b="b"/>
             <a:pathLst>
-              <a:path extrusionOk="0" h="120000" w="120000">
+              <a:path w="120000" h="120000" extrusionOk="0">
                 <a:moveTo>
                   <a:pt x="0" y="0"/>
                 </a:moveTo>
@@ -1555,9 +1616,11 @@
       <p:sp>
         <p:nvSpPr>
           <p:cNvPr id="122" name="Google Shape;122;g6e5d5e1540_0_98:notes"/>
-          <p:cNvSpPr txBox="1"/>
+          <p:cNvSpPr txBox="1">
+            <a:spLocks noGrp="1"/>
+          </p:cNvSpPr>
           <p:nvPr>
-            <p:ph idx="1" type="body"/>
+            <p:ph type="body" idx="1"/>
           </p:nvPr>
         </p:nvSpPr>
         <p:spPr>
@@ -1570,12 +1633,12 @@
           </a:prstGeom>
         </p:spPr>
         <p:txBody>
-          <a:bodyPr anchorCtr="0" anchor="t" bIns="91425" lIns="91425" spcFirstLastPara="1" rIns="91425" wrap="square" tIns="91425">
+          <a:bodyPr spcFirstLastPara="1" wrap="square" lIns="91425" tIns="91425" rIns="91425" bIns="91425" anchor="t" anchorCtr="0">
             <a:noAutofit/>
           </a:bodyPr>
           <a:lstStyle/>
           <a:p>
-            <a:pPr indent="0" lvl="0" marL="0" rtl="0" algn="l">
+            <a:pPr marL="0" lvl="0" indent="0" algn="l" rtl="0">
               <a:spcBef>
                 <a:spcPts val="0"/>
               </a:spcBef>
@@ -1584,9 +1647,6 @@
               </a:spcAft>
               <a:buNone/>
             </a:pPr>
-            <a:r>
-              <a:t/>
-            </a:r>
             <a:endParaRPr/>
           </a:p>
         </p:txBody>
@@ -1600,11 +1660,11 @@
 </file>
 
 <file path=ppt/slideLayouts/slideLayout1.xml><?xml version="1.0" encoding="utf-8"?>
-<p:sldLayout xmlns:a="http://schemas.openxmlformats.org/drawingml/2006/main" xmlns:r="http://schemas.openxmlformats.org/officeDocument/2006/relationships" xmlns:mc="http://schemas.openxmlformats.org/markup-compatibility/2006" xmlns:mv="urn:schemas-microsoft-com:mac:vml" xmlns:p="http://schemas.openxmlformats.org/presentationml/2006/main" xmlns:c="http://schemas.openxmlformats.org/drawingml/2006/chart" xmlns:dgm="http://schemas.openxmlformats.org/drawingml/2006/diagram" xmlns:o="urn:schemas-microsoft-com:office:office" xmlns:v="urn:schemas-microsoft-com:vml" xmlns:pvml="urn:schemas-microsoft-com:office:powerpoint" xmlns:com="http://schemas.openxmlformats.org/drawingml/2006/compatibility" xmlns:p14="http://schemas.microsoft.com/office/powerpoint/2010/main" xmlns:p15="http://schemas.microsoft.com/office/powerpoint/2012/main" matchingName="Title slide" type="title">
+<p:sldLayout xmlns:a="http://schemas.openxmlformats.org/drawingml/2006/main" xmlns:r="http://schemas.openxmlformats.org/officeDocument/2006/relationships" xmlns:p="http://schemas.openxmlformats.org/presentationml/2006/main" matchingName="Title slide" type="title">
   <p:cSld name="TITLE">
     <p:spTree>
       <p:nvGrpSpPr>
-        <p:cNvPr id="9" name="Shape 9"/>
+        <p:cNvPr id="1" name="Shape 9"/>
         <p:cNvGrpSpPr/>
         <p:nvPr/>
       </p:nvGrpSpPr>
@@ -1631,14 +1691,14 @@
             <a:avLst/>
           </a:prstGeom>
           <a:noFill/>
-          <a:ln cap="flat" cmpd="sng" w="76200">
+          <a:ln w="76200" cap="flat" cmpd="sng">
             <a:solidFill>
               <a:schemeClr val="lt2"/>
             </a:solidFill>
             <a:prstDash val="solid"/>
             <a:round/>
-            <a:headEnd len="sm" w="sm" type="none"/>
-            <a:tailEnd len="sm" w="sm" type="none"/>
+            <a:headEnd type="none" w="sm" len="sm"/>
+            <a:tailEnd type="none" w="sm" len="sm"/>
           </a:ln>
         </p:spPr>
       </p:cxnSp>
@@ -1657,14 +1717,14 @@
             <a:avLst/>
           </a:prstGeom>
           <a:noFill/>
-          <a:ln cap="flat" cmpd="sng" w="76200">
+          <a:ln w="76200" cap="flat" cmpd="sng">
             <a:solidFill>
               <a:schemeClr val="lt2"/>
             </a:solidFill>
             <a:prstDash val="solid"/>
             <a:round/>
-            <a:headEnd len="sm" w="sm" type="none"/>
-            <a:tailEnd len="sm" w="sm" type="none"/>
+            <a:headEnd type="none" w="sm" len="sm"/>
+            <a:tailEnd type="none" w="sm" len="sm"/>
           </a:ln>
         </p:spPr>
       </p:cxnSp>
@@ -1697,14 +1757,14 @@
               <a:avLst/>
             </a:prstGeom>
             <a:noFill/>
-            <a:ln cap="flat" cmpd="sng" w="76200">
+            <a:ln w="76200" cap="flat" cmpd="sng">
               <a:solidFill>
                 <a:schemeClr val="accent3"/>
               </a:solidFill>
               <a:prstDash val="solid"/>
               <a:round/>
-              <a:headEnd len="sm" w="sm" type="none"/>
-              <a:tailEnd len="sm" w="sm" type="none"/>
+              <a:headEnd type="none" w="sm" len="sm"/>
+              <a:tailEnd type="none" w="sm" len="sm"/>
             </a:ln>
           </p:spPr>
         </p:cxnSp>
@@ -1723,14 +1783,14 @@
               <a:avLst/>
             </a:prstGeom>
             <a:noFill/>
-            <a:ln cap="flat" cmpd="sng" w="9525">
+            <a:ln w="9525" cap="flat" cmpd="sng">
               <a:solidFill>
                 <a:schemeClr val="accent3"/>
               </a:solidFill>
               <a:prstDash val="solid"/>
               <a:round/>
-              <a:headEnd len="sm" w="sm" type="none"/>
-              <a:tailEnd len="sm" w="sm" type="none"/>
+              <a:headEnd type="none" w="sm" len="sm"/>
+              <a:tailEnd type="none" w="sm" len="sm"/>
             </a:ln>
           </p:spPr>
         </p:cxnSp>
@@ -1764,14 +1824,14 @@
               <a:avLst/>
             </a:prstGeom>
             <a:noFill/>
-            <a:ln cap="flat" cmpd="sng" w="76200">
+            <a:ln w="76200" cap="flat" cmpd="sng">
               <a:solidFill>
                 <a:schemeClr val="accent3"/>
               </a:solidFill>
               <a:prstDash val="solid"/>
               <a:round/>
-              <a:headEnd len="sm" w="sm" type="none"/>
-              <a:tailEnd len="sm" w="sm" type="none"/>
+              <a:headEnd type="none" w="sm" len="sm"/>
+              <a:tailEnd type="none" w="sm" len="sm"/>
             </a:ln>
           </p:spPr>
         </p:cxnSp>
@@ -1790,14 +1850,14 @@
               <a:avLst/>
             </a:prstGeom>
             <a:noFill/>
-            <a:ln cap="flat" cmpd="sng" w="9525">
+            <a:ln w="9525" cap="flat" cmpd="sng">
               <a:solidFill>
                 <a:schemeClr val="accent3"/>
               </a:solidFill>
               <a:prstDash val="solid"/>
               <a:round/>
-              <a:headEnd len="sm" w="sm" type="none"/>
-              <a:tailEnd len="sm" w="sm" type="none"/>
+              <a:headEnd type="none" w="sm" len="sm"/>
+              <a:tailEnd type="none" w="sm" len="sm"/>
             </a:ln>
           </p:spPr>
         </p:cxnSp>
@@ -1805,7 +1865,9 @@
       <p:sp>
         <p:nvSpPr>
           <p:cNvPr id="18" name="Google Shape;18;p2"/>
-          <p:cNvSpPr txBox="1"/>
+          <p:cNvSpPr txBox="1">
+            <a:spLocks noGrp="1"/>
+          </p:cNvSpPr>
           <p:nvPr>
             <p:ph type="ctrTitle"/>
           </p:nvPr>
@@ -1820,7 +1882,7 @@
           </a:prstGeom>
         </p:spPr>
         <p:txBody>
-          <a:bodyPr anchorCtr="0" anchor="b" bIns="91425" lIns="91425" spcFirstLastPara="1" rIns="91425" wrap="square" tIns="91425">
+          <a:bodyPr spcFirstLastPara="1" wrap="square" lIns="91425" tIns="91425" rIns="91425" bIns="91425" anchor="b" anchorCtr="0">
             <a:noAutofit/>
           </a:bodyPr>
           <a:lstStyle>
@@ -1924,15 +1986,19 @@
               <a:defRPr sz="5400"/>
             </a:lvl9pPr>
           </a:lstStyle>
-          <a:p/>
+          <a:p>
+            <a:endParaRPr/>
+          </a:p>
         </p:txBody>
       </p:sp>
       <p:sp>
         <p:nvSpPr>
           <p:cNvPr id="19" name="Google Shape;19;p2"/>
-          <p:cNvSpPr txBox="1"/>
+          <p:cNvSpPr txBox="1">
+            <a:spLocks noGrp="1"/>
+          </p:cNvSpPr>
           <p:nvPr>
-            <p:ph idx="1" type="subTitle"/>
+            <p:ph type="subTitle" idx="1"/>
           </p:nvPr>
         </p:nvSpPr>
         <p:spPr>
@@ -1945,7 +2011,7 @@
           </a:prstGeom>
         </p:spPr>
         <p:txBody>
-          <a:bodyPr anchorCtr="0" anchor="t" bIns="91425" lIns="91425" spcFirstLastPara="1" rIns="91425" wrap="square" tIns="91425">
+          <a:bodyPr spcFirstLastPara="1" wrap="square" lIns="91425" tIns="91425" rIns="91425" bIns="91425" anchor="t" anchorCtr="0">
             <a:noAutofit/>
           </a:bodyPr>
           <a:lstStyle>
@@ -2076,15 +2142,19 @@
               <a:defRPr sz="2400"/>
             </a:lvl9pPr>
           </a:lstStyle>
-          <a:p/>
+          <a:p>
+            <a:endParaRPr/>
+          </a:p>
         </p:txBody>
       </p:sp>
       <p:sp>
         <p:nvSpPr>
           <p:cNvPr id="20" name="Google Shape;20;p2"/>
-          <p:cNvSpPr txBox="1"/>
+          <p:cNvSpPr txBox="1">
+            <a:spLocks noGrp="1"/>
+          </p:cNvSpPr>
           <p:nvPr>
-            <p:ph idx="12" type="sldNum"/>
+            <p:ph type="sldNum" idx="12"/>
           </p:nvPr>
         </p:nvSpPr>
         <p:spPr>
@@ -2097,7 +2167,7 @@
           </a:prstGeom>
         </p:spPr>
         <p:txBody>
-          <a:bodyPr anchorCtr="0" anchor="ctr" bIns="91425" lIns="91425" spcFirstLastPara="1" rIns="91425" wrap="square" tIns="91425">
+          <a:bodyPr spcFirstLastPara="1" wrap="square" lIns="91425" tIns="91425" rIns="91425" bIns="91425" anchor="ctr" anchorCtr="0">
             <a:noAutofit/>
           </a:bodyPr>
           <a:lstStyle>
@@ -2139,7 +2209,7 @@
             </a:lvl9pPr>
           </a:lstStyle>
           <a:p>
-            <a:pPr indent="0" lvl="0" marL="0" rtl="0" algn="r">
+            <a:pPr marL="0" lvl="0" indent="0" algn="r" rtl="0">
               <a:spcBef>
                 <a:spcPts val="0"/>
               </a:spcBef>
@@ -2165,11 +2235,11 @@
 </file>
 
 <file path=ppt/slideLayouts/slideLayout10.xml><?xml version="1.0" encoding="utf-8"?>
-<p:sldLayout xmlns:a="http://schemas.openxmlformats.org/drawingml/2006/main" xmlns:r="http://schemas.openxmlformats.org/officeDocument/2006/relationships" xmlns:mc="http://schemas.openxmlformats.org/markup-compatibility/2006" xmlns:mv="urn:schemas-microsoft-com:mac:vml" xmlns:p="http://schemas.openxmlformats.org/presentationml/2006/main" xmlns:c="http://schemas.openxmlformats.org/drawingml/2006/chart" xmlns:dgm="http://schemas.openxmlformats.org/drawingml/2006/diagram" xmlns:o="urn:schemas-microsoft-com:office:office" xmlns:v="urn:schemas-microsoft-com:vml" xmlns:pvml="urn:schemas-microsoft-com:office:powerpoint" xmlns:com="http://schemas.openxmlformats.org/drawingml/2006/compatibility" xmlns:p14="http://schemas.microsoft.com/office/powerpoint/2010/main" xmlns:p15="http://schemas.microsoft.com/office/powerpoint/2012/main" matchingName="Big number">
+<p:sldLayout xmlns:a="http://schemas.openxmlformats.org/drawingml/2006/main" xmlns:r="http://schemas.openxmlformats.org/officeDocument/2006/relationships" xmlns:p="http://schemas.openxmlformats.org/presentationml/2006/main" matchingName="Big number">
   <p:cSld name="BIG_NUMBER">
     <p:spTree>
       <p:nvGrpSpPr>
-        <p:cNvPr id="55" name="Shape 55"/>
+        <p:cNvPr id="1" name="Shape 55"/>
         <p:cNvGrpSpPr/>
         <p:nvPr/>
       </p:nvGrpSpPr>
@@ -2203,12 +2273,12 @@
           </a:ln>
         </p:spPr>
         <p:txBody>
-          <a:bodyPr anchorCtr="0" anchor="ctr" bIns="91425" lIns="91425" spcFirstLastPara="1" rIns="91425" wrap="square" tIns="91425">
+          <a:bodyPr spcFirstLastPara="1" wrap="square" lIns="91425" tIns="91425" rIns="91425" bIns="91425" anchor="ctr" anchorCtr="0">
             <a:noAutofit/>
           </a:bodyPr>
           <a:lstStyle/>
           <a:p>
-            <a:pPr indent="0" lvl="0" marL="0" rtl="0" algn="l">
+            <a:pPr marL="0" lvl="0" indent="0" algn="l" rtl="0">
               <a:spcBef>
                 <a:spcPts val="0"/>
               </a:spcBef>
@@ -2217,9 +2287,6 @@
               </a:spcAft>
               <a:buNone/>
             </a:pPr>
-            <a:r>
-              <a:t/>
-            </a:r>
             <a:endParaRPr/>
           </a:p>
         </p:txBody>
@@ -2227,9 +2294,11 @@
       <p:sp>
         <p:nvSpPr>
           <p:cNvPr id="57" name="Google Shape;57;p11"/>
-          <p:cNvSpPr txBox="1"/>
+          <p:cNvSpPr txBox="1">
+            <a:spLocks noGrp="1"/>
+          </p:cNvSpPr>
           <p:nvPr>
-            <p:ph hasCustomPrompt="1" type="title"/>
+            <p:ph type="title" hasCustomPrompt="1"/>
           </p:nvPr>
         </p:nvSpPr>
         <p:spPr>
@@ -2242,7 +2311,7 @@
           </a:prstGeom>
         </p:spPr>
         <p:txBody>
-          <a:bodyPr anchorCtr="0" anchor="ctr" bIns="91425" lIns="91425" spcFirstLastPara="1" rIns="91425" wrap="square" tIns="91425">
+          <a:bodyPr spcFirstLastPara="1" wrap="square" lIns="91425" tIns="91425" rIns="91425" bIns="91425" anchor="ctr" anchorCtr="0">
             <a:noAutofit/>
           </a:bodyPr>
           <a:lstStyle>
@@ -2419,9 +2488,11 @@
       <p:sp>
         <p:nvSpPr>
           <p:cNvPr id="58" name="Google Shape;58;p11"/>
-          <p:cNvSpPr txBox="1"/>
+          <p:cNvSpPr txBox="1">
+            <a:spLocks noGrp="1"/>
+          </p:cNvSpPr>
           <p:nvPr>
-            <p:ph idx="1" type="body"/>
+            <p:ph type="body" idx="1"/>
           </p:nvPr>
         </p:nvSpPr>
         <p:spPr>
@@ -2434,11 +2505,11 @@
           </a:prstGeom>
         </p:spPr>
         <p:txBody>
-          <a:bodyPr anchorCtr="0" anchor="t" bIns="91425" lIns="91425" spcFirstLastPara="1" rIns="91425" wrap="square" tIns="91425">
+          <a:bodyPr spcFirstLastPara="1" wrap="square" lIns="91425" tIns="91425" rIns="91425" bIns="91425" anchor="t" anchorCtr="0">
             <a:noAutofit/>
           </a:bodyPr>
           <a:lstStyle>
-            <a:lvl1pPr indent="-342900" lvl="0" marL="457200" algn="ctr">
+            <a:lvl1pPr marL="457200" lvl="0" indent="-342900" algn="ctr">
               <a:spcBef>
                 <a:spcPts val="0"/>
               </a:spcBef>
@@ -2449,7 +2520,7 @@
               <a:buChar char="●"/>
               <a:defRPr/>
             </a:lvl1pPr>
-            <a:lvl2pPr indent="-317500" lvl="1" marL="914400" algn="ctr">
+            <a:lvl2pPr marL="914400" lvl="1" indent="-317500" algn="ctr">
               <a:spcBef>
                 <a:spcPts val="1600"/>
               </a:spcBef>
@@ -2460,7 +2531,7 @@
               <a:buChar char="○"/>
               <a:defRPr/>
             </a:lvl2pPr>
-            <a:lvl3pPr indent="-317500" lvl="2" marL="1371600" algn="ctr">
+            <a:lvl3pPr marL="1371600" lvl="2" indent="-317500" algn="ctr">
               <a:spcBef>
                 <a:spcPts val="1600"/>
               </a:spcBef>
@@ -2471,7 +2542,7 @@
               <a:buChar char="■"/>
               <a:defRPr/>
             </a:lvl3pPr>
-            <a:lvl4pPr indent="-317500" lvl="3" marL="1828800" algn="ctr">
+            <a:lvl4pPr marL="1828800" lvl="3" indent="-317500" algn="ctr">
               <a:spcBef>
                 <a:spcPts val="1600"/>
               </a:spcBef>
@@ -2482,7 +2553,7 @@
               <a:buChar char="●"/>
               <a:defRPr/>
             </a:lvl4pPr>
-            <a:lvl5pPr indent="-317500" lvl="4" marL="2286000" algn="ctr">
+            <a:lvl5pPr marL="2286000" lvl="4" indent="-317500" algn="ctr">
               <a:spcBef>
                 <a:spcPts val="1600"/>
               </a:spcBef>
@@ -2493,7 +2564,7 @@
               <a:buChar char="○"/>
               <a:defRPr/>
             </a:lvl5pPr>
-            <a:lvl6pPr indent="-317500" lvl="5" marL="2743200" algn="ctr">
+            <a:lvl6pPr marL="2743200" lvl="5" indent="-317500" algn="ctr">
               <a:spcBef>
                 <a:spcPts val="1600"/>
               </a:spcBef>
@@ -2504,7 +2575,7 @@
               <a:buChar char="■"/>
               <a:defRPr/>
             </a:lvl6pPr>
-            <a:lvl7pPr indent="-317500" lvl="6" marL="3200400" algn="ctr">
+            <a:lvl7pPr marL="3200400" lvl="6" indent="-317500" algn="ctr">
               <a:spcBef>
                 <a:spcPts val="1600"/>
               </a:spcBef>
@@ -2515,7 +2586,7 @@
               <a:buChar char="●"/>
               <a:defRPr/>
             </a:lvl7pPr>
-            <a:lvl8pPr indent="-317500" lvl="7" marL="3657600" algn="ctr">
+            <a:lvl8pPr marL="3657600" lvl="7" indent="-317500" algn="ctr">
               <a:spcBef>
                 <a:spcPts val="1600"/>
               </a:spcBef>
@@ -2526,7 +2597,7 @@
               <a:buChar char="○"/>
               <a:defRPr/>
             </a:lvl8pPr>
-            <a:lvl9pPr indent="-317500" lvl="8" marL="4114800" algn="ctr">
+            <a:lvl9pPr marL="4114800" lvl="8" indent="-317500" algn="ctr">
               <a:spcBef>
                 <a:spcPts val="1600"/>
               </a:spcBef>
@@ -2538,15 +2609,19 @@
               <a:defRPr/>
             </a:lvl9pPr>
           </a:lstStyle>
-          <a:p/>
+          <a:p>
+            <a:endParaRPr/>
+          </a:p>
         </p:txBody>
       </p:sp>
       <p:sp>
         <p:nvSpPr>
           <p:cNvPr id="59" name="Google Shape;59;p11"/>
-          <p:cNvSpPr txBox="1"/>
+          <p:cNvSpPr txBox="1">
+            <a:spLocks noGrp="1"/>
+          </p:cNvSpPr>
           <p:nvPr>
-            <p:ph idx="12" type="sldNum"/>
+            <p:ph type="sldNum" idx="12"/>
           </p:nvPr>
         </p:nvSpPr>
         <p:spPr>
@@ -2559,7 +2634,7 @@
           </a:prstGeom>
         </p:spPr>
         <p:txBody>
-          <a:bodyPr anchorCtr="0" anchor="ctr" bIns="91425" lIns="91425" spcFirstLastPara="1" rIns="91425" wrap="square" tIns="91425">
+          <a:bodyPr spcFirstLastPara="1" wrap="square" lIns="91425" tIns="91425" rIns="91425" bIns="91425" anchor="ctr" anchorCtr="0">
             <a:noAutofit/>
           </a:bodyPr>
           <a:lstStyle>
@@ -2601,7 +2676,7 @@
             </a:lvl9pPr>
           </a:lstStyle>
           <a:p>
-            <a:pPr indent="0" lvl="0" marL="0" rtl="0" algn="r">
+            <a:pPr marL="0" lvl="0" indent="0" algn="r" rtl="0">
               <a:spcBef>
                 <a:spcPts val="0"/>
               </a:spcBef>
@@ -2627,11 +2702,11 @@
 </file>
 
 <file path=ppt/slideLayouts/slideLayout11.xml><?xml version="1.0" encoding="utf-8"?>
-<p:sldLayout xmlns:a="http://schemas.openxmlformats.org/drawingml/2006/main" xmlns:r="http://schemas.openxmlformats.org/officeDocument/2006/relationships" xmlns:mc="http://schemas.openxmlformats.org/markup-compatibility/2006" xmlns:mv="urn:schemas-microsoft-com:mac:vml" xmlns:p="http://schemas.openxmlformats.org/presentationml/2006/main" xmlns:c="http://schemas.openxmlformats.org/drawingml/2006/chart" xmlns:dgm="http://schemas.openxmlformats.org/drawingml/2006/diagram" xmlns:o="urn:schemas-microsoft-com:office:office" xmlns:v="urn:schemas-microsoft-com:vml" xmlns:pvml="urn:schemas-microsoft-com:office:powerpoint" xmlns:com="http://schemas.openxmlformats.org/drawingml/2006/compatibility" xmlns:p14="http://schemas.microsoft.com/office/powerpoint/2010/main" xmlns:p15="http://schemas.microsoft.com/office/powerpoint/2012/main" matchingName="Blank" type="blank">
+<p:sldLayout xmlns:a="http://schemas.openxmlformats.org/drawingml/2006/main" xmlns:r="http://schemas.openxmlformats.org/officeDocument/2006/relationships" xmlns:p="http://schemas.openxmlformats.org/presentationml/2006/main" matchingName="Blank" type="blank">
   <p:cSld name="BLANK">
     <p:spTree>
       <p:nvGrpSpPr>
-        <p:cNvPr id="60" name="Shape 60"/>
+        <p:cNvPr id="1" name="Shape 60"/>
         <p:cNvGrpSpPr/>
         <p:nvPr/>
       </p:nvGrpSpPr>
@@ -2646,9 +2721,11 @@
       <p:sp>
         <p:nvSpPr>
           <p:cNvPr id="61" name="Google Shape;61;p12"/>
-          <p:cNvSpPr txBox="1"/>
+          <p:cNvSpPr txBox="1">
+            <a:spLocks noGrp="1"/>
+          </p:cNvSpPr>
           <p:nvPr>
-            <p:ph idx="12" type="sldNum"/>
+            <p:ph type="sldNum" idx="12"/>
           </p:nvPr>
         </p:nvSpPr>
         <p:spPr>
@@ -2661,7 +2738,7 @@
           </a:prstGeom>
         </p:spPr>
         <p:txBody>
-          <a:bodyPr anchorCtr="0" anchor="ctr" bIns="91425" lIns="91425" spcFirstLastPara="1" rIns="91425" wrap="square" tIns="91425">
+          <a:bodyPr spcFirstLastPara="1" wrap="square" lIns="91425" tIns="91425" rIns="91425" bIns="91425" anchor="ctr" anchorCtr="0">
             <a:noAutofit/>
           </a:bodyPr>
           <a:lstStyle>
@@ -2703,7 +2780,7 @@
             </a:lvl9pPr>
           </a:lstStyle>
           <a:p>
-            <a:pPr indent="0" lvl="0" marL="0" rtl="0" algn="r">
+            <a:pPr marL="0" lvl="0" indent="0" algn="r" rtl="0">
               <a:spcBef>
                 <a:spcPts val="0"/>
               </a:spcBef>
@@ -2729,11 +2806,11 @@
 </file>
 
 <file path=ppt/slideLayouts/slideLayout2.xml><?xml version="1.0" encoding="utf-8"?>
-<p:sldLayout xmlns:a="http://schemas.openxmlformats.org/drawingml/2006/main" xmlns:r="http://schemas.openxmlformats.org/officeDocument/2006/relationships" xmlns:mc="http://schemas.openxmlformats.org/markup-compatibility/2006" xmlns:mv="urn:schemas-microsoft-com:mac:vml" xmlns:p="http://schemas.openxmlformats.org/presentationml/2006/main" xmlns:c="http://schemas.openxmlformats.org/drawingml/2006/chart" xmlns:dgm="http://schemas.openxmlformats.org/drawingml/2006/diagram" xmlns:o="urn:schemas-microsoft-com:office:office" xmlns:v="urn:schemas-microsoft-com:vml" xmlns:pvml="urn:schemas-microsoft-com:office:powerpoint" xmlns:com="http://schemas.openxmlformats.org/drawingml/2006/compatibility" xmlns:p14="http://schemas.microsoft.com/office/powerpoint/2010/main" xmlns:p15="http://schemas.microsoft.com/office/powerpoint/2012/main" matchingName="Section header" type="secHead">
+<p:sldLayout xmlns:a="http://schemas.openxmlformats.org/drawingml/2006/main" xmlns:r="http://schemas.openxmlformats.org/officeDocument/2006/relationships" xmlns:p="http://schemas.openxmlformats.org/presentationml/2006/main" matchingName="Section header" type="secHead">
   <p:cSld name="SECTION_HEADER">
     <p:spTree>
       <p:nvGrpSpPr>
-        <p:cNvPr id="21" name="Shape 21"/>
+        <p:cNvPr id="1" name="Shape 21"/>
         <p:cNvGrpSpPr/>
         <p:nvPr/>
       </p:nvGrpSpPr>
@@ -2767,12 +2844,12 @@
           </a:ln>
         </p:spPr>
         <p:txBody>
-          <a:bodyPr anchorCtr="0" anchor="ctr" bIns="91425" lIns="91425" spcFirstLastPara="1" rIns="91425" wrap="square" tIns="91425">
+          <a:bodyPr spcFirstLastPara="1" wrap="square" lIns="91425" tIns="91425" rIns="91425" bIns="91425" anchor="ctr" anchorCtr="0">
             <a:noAutofit/>
           </a:bodyPr>
           <a:lstStyle/>
           <a:p>
-            <a:pPr indent="0" lvl="0" marL="0" rtl="0" algn="l">
+            <a:pPr marL="0" lvl="0" indent="0" algn="l" rtl="0">
               <a:spcBef>
                 <a:spcPts val="0"/>
               </a:spcBef>
@@ -2781,9 +2858,6 @@
               </a:spcAft>
               <a:buNone/>
             </a:pPr>
-            <a:r>
-              <a:t/>
-            </a:r>
             <a:endParaRPr/>
           </a:p>
         </p:txBody>
@@ -2791,7 +2865,9 @@
       <p:sp>
         <p:nvSpPr>
           <p:cNvPr id="23" name="Google Shape;23;p3"/>
-          <p:cNvSpPr txBox="1"/>
+          <p:cNvSpPr txBox="1">
+            <a:spLocks noGrp="1"/>
+          </p:cNvSpPr>
           <p:nvPr>
             <p:ph type="title"/>
           </p:nvPr>
@@ -2806,7 +2882,7 @@
           </a:prstGeom>
         </p:spPr>
         <p:txBody>
-          <a:bodyPr anchorCtr="0" anchor="ctr" bIns="91425" lIns="91425" spcFirstLastPara="1" rIns="91425" wrap="square" tIns="91425">
+          <a:bodyPr spcFirstLastPara="1" wrap="square" lIns="91425" tIns="91425" rIns="91425" bIns="91425" anchor="ctr" anchorCtr="0">
             <a:noAutofit/>
           </a:bodyPr>
           <a:lstStyle>
@@ -2910,15 +2986,19 @@
               <a:defRPr/>
             </a:lvl9pPr>
           </a:lstStyle>
-          <a:p/>
+          <a:p>
+            <a:endParaRPr/>
+          </a:p>
         </p:txBody>
       </p:sp>
       <p:sp>
         <p:nvSpPr>
           <p:cNvPr id="24" name="Google Shape;24;p3"/>
-          <p:cNvSpPr txBox="1"/>
+          <p:cNvSpPr txBox="1">
+            <a:spLocks noGrp="1"/>
+          </p:cNvSpPr>
           <p:nvPr>
-            <p:ph idx="12" type="sldNum"/>
+            <p:ph type="sldNum" idx="12"/>
           </p:nvPr>
         </p:nvSpPr>
         <p:spPr>
@@ -2931,7 +3011,7 @@
           </a:prstGeom>
         </p:spPr>
         <p:txBody>
-          <a:bodyPr anchorCtr="0" anchor="ctr" bIns="91425" lIns="91425" spcFirstLastPara="1" rIns="91425" wrap="square" tIns="91425">
+          <a:bodyPr spcFirstLastPara="1" wrap="square" lIns="91425" tIns="91425" rIns="91425" bIns="91425" anchor="ctr" anchorCtr="0">
             <a:noAutofit/>
           </a:bodyPr>
           <a:lstStyle>
@@ -3009,7 +3089,7 @@
             </a:lvl9pPr>
           </a:lstStyle>
           <a:p>
-            <a:pPr indent="0" lvl="0" marL="0" rtl="0" algn="r">
+            <a:pPr marL="0" lvl="0" indent="0" algn="r" rtl="0">
               <a:spcBef>
                 <a:spcPts val="0"/>
               </a:spcBef>
@@ -3035,11 +3115,11 @@
 </file>
 
 <file path=ppt/slideLayouts/slideLayout3.xml><?xml version="1.0" encoding="utf-8"?>
-<p:sldLayout xmlns:a="http://schemas.openxmlformats.org/drawingml/2006/main" xmlns:r="http://schemas.openxmlformats.org/officeDocument/2006/relationships" xmlns:mc="http://schemas.openxmlformats.org/markup-compatibility/2006" xmlns:mv="urn:schemas-microsoft-com:mac:vml" xmlns:p="http://schemas.openxmlformats.org/presentationml/2006/main" xmlns:c="http://schemas.openxmlformats.org/drawingml/2006/chart" xmlns:dgm="http://schemas.openxmlformats.org/drawingml/2006/diagram" xmlns:o="urn:schemas-microsoft-com:office:office" xmlns:v="urn:schemas-microsoft-com:vml" xmlns:pvml="urn:schemas-microsoft-com:office:powerpoint" xmlns:com="http://schemas.openxmlformats.org/drawingml/2006/compatibility" xmlns:p14="http://schemas.microsoft.com/office/powerpoint/2010/main" xmlns:p15="http://schemas.microsoft.com/office/powerpoint/2012/main" matchingName="Title and body" type="tx">
+<p:sldLayout xmlns:a="http://schemas.openxmlformats.org/drawingml/2006/main" xmlns:r="http://schemas.openxmlformats.org/officeDocument/2006/relationships" xmlns:p="http://schemas.openxmlformats.org/presentationml/2006/main" matchingName="Title and body" type="tx">
   <p:cSld name="TITLE_AND_BODY">
     <p:spTree>
       <p:nvGrpSpPr>
-        <p:cNvPr id="25" name="Shape 25"/>
+        <p:cNvPr id="1" name="Shape 25"/>
         <p:cNvGrpSpPr/>
         <p:nvPr/>
       </p:nvGrpSpPr>
@@ -3073,12 +3153,12 @@
           </a:ln>
         </p:spPr>
         <p:txBody>
-          <a:bodyPr anchorCtr="0" anchor="ctr" bIns="91425" lIns="91425" spcFirstLastPara="1" rIns="91425" wrap="square" tIns="91425">
+          <a:bodyPr spcFirstLastPara="1" wrap="square" lIns="91425" tIns="91425" rIns="91425" bIns="91425" anchor="ctr" anchorCtr="0">
             <a:noAutofit/>
           </a:bodyPr>
           <a:lstStyle/>
           <a:p>
-            <a:pPr indent="0" lvl="0" marL="0" rtl="0" algn="l">
+            <a:pPr marL="0" lvl="0" indent="0" algn="l" rtl="0">
               <a:spcBef>
                 <a:spcPts val="0"/>
               </a:spcBef>
@@ -3087,9 +3167,6 @@
               </a:spcAft>
               <a:buNone/>
             </a:pPr>
-            <a:r>
-              <a:t/>
-            </a:r>
             <a:endParaRPr/>
           </a:p>
         </p:txBody>
@@ -3097,7 +3174,9 @@
       <p:sp>
         <p:nvSpPr>
           <p:cNvPr id="27" name="Google Shape;27;p4"/>
-          <p:cNvSpPr txBox="1"/>
+          <p:cNvSpPr txBox="1">
+            <a:spLocks noGrp="1"/>
+          </p:cNvSpPr>
           <p:nvPr>
             <p:ph type="title"/>
           </p:nvPr>
@@ -3112,7 +3191,7 @@
           </a:prstGeom>
         </p:spPr>
         <p:txBody>
-          <a:bodyPr anchorCtr="0" anchor="t" bIns="91425" lIns="91425" spcFirstLastPara="1" rIns="91425" wrap="square" tIns="91425">
+          <a:bodyPr spcFirstLastPara="1" wrap="square" lIns="91425" tIns="91425" rIns="91425" bIns="91425" anchor="t" anchorCtr="0">
             <a:noAutofit/>
           </a:bodyPr>
           <a:lstStyle>
@@ -3216,15 +3295,19 @@
               <a:defRPr/>
             </a:lvl9pPr>
           </a:lstStyle>
-          <a:p/>
+          <a:p>
+            <a:endParaRPr/>
+          </a:p>
         </p:txBody>
       </p:sp>
       <p:sp>
         <p:nvSpPr>
           <p:cNvPr id="28" name="Google Shape;28;p4"/>
-          <p:cNvSpPr txBox="1"/>
+          <p:cNvSpPr txBox="1">
+            <a:spLocks noGrp="1"/>
+          </p:cNvSpPr>
           <p:nvPr>
-            <p:ph idx="1" type="body"/>
+            <p:ph type="body" idx="1"/>
           </p:nvPr>
         </p:nvSpPr>
         <p:spPr>
@@ -3237,11 +3320,11 @@
           </a:prstGeom>
         </p:spPr>
         <p:txBody>
-          <a:bodyPr anchorCtr="0" anchor="t" bIns="91425" lIns="91425" spcFirstLastPara="1" rIns="91425" wrap="square" tIns="91425">
+          <a:bodyPr spcFirstLastPara="1" wrap="square" lIns="91425" tIns="91425" rIns="91425" bIns="91425" anchor="t" anchorCtr="0">
             <a:noAutofit/>
           </a:bodyPr>
           <a:lstStyle>
-            <a:lvl1pPr indent="-342900" lvl="0" marL="457200">
+            <a:lvl1pPr marL="457200" lvl="0" indent="-342900">
               <a:spcBef>
                 <a:spcPts val="0"/>
               </a:spcBef>
@@ -3252,7 +3335,7 @@
               <a:buChar char="●"/>
               <a:defRPr/>
             </a:lvl1pPr>
-            <a:lvl2pPr indent="-317500" lvl="1" marL="914400">
+            <a:lvl2pPr marL="914400" lvl="1" indent="-317500">
               <a:spcBef>
                 <a:spcPts val="1600"/>
               </a:spcBef>
@@ -3263,7 +3346,7 @@
               <a:buChar char="○"/>
               <a:defRPr/>
             </a:lvl2pPr>
-            <a:lvl3pPr indent="-317500" lvl="2" marL="1371600">
+            <a:lvl3pPr marL="1371600" lvl="2" indent="-317500">
               <a:spcBef>
                 <a:spcPts val="1600"/>
               </a:spcBef>
@@ -3274,7 +3357,7 @@
               <a:buChar char="■"/>
               <a:defRPr/>
             </a:lvl3pPr>
-            <a:lvl4pPr indent="-317500" lvl="3" marL="1828800">
+            <a:lvl4pPr marL="1828800" lvl="3" indent="-317500">
               <a:spcBef>
                 <a:spcPts val="1600"/>
               </a:spcBef>
@@ -3285,7 +3368,7 @@
               <a:buChar char="●"/>
               <a:defRPr/>
             </a:lvl4pPr>
-            <a:lvl5pPr indent="-317500" lvl="4" marL="2286000">
+            <a:lvl5pPr marL="2286000" lvl="4" indent="-317500">
               <a:spcBef>
                 <a:spcPts val="1600"/>
               </a:spcBef>
@@ -3296,7 +3379,7 @@
               <a:buChar char="○"/>
               <a:defRPr/>
             </a:lvl5pPr>
-            <a:lvl6pPr indent="-317500" lvl="5" marL="2743200">
+            <a:lvl6pPr marL="2743200" lvl="5" indent="-317500">
               <a:spcBef>
                 <a:spcPts val="1600"/>
               </a:spcBef>
@@ -3307,7 +3390,7 @@
               <a:buChar char="■"/>
               <a:defRPr/>
             </a:lvl6pPr>
-            <a:lvl7pPr indent="-317500" lvl="6" marL="3200400">
+            <a:lvl7pPr marL="3200400" lvl="6" indent="-317500">
               <a:spcBef>
                 <a:spcPts val="1600"/>
               </a:spcBef>
@@ -3318,7 +3401,7 @@
               <a:buChar char="●"/>
               <a:defRPr/>
             </a:lvl7pPr>
-            <a:lvl8pPr indent="-317500" lvl="7" marL="3657600">
+            <a:lvl8pPr marL="3657600" lvl="7" indent="-317500">
               <a:spcBef>
                 <a:spcPts val="1600"/>
               </a:spcBef>
@@ -3329,7 +3412,7 @@
               <a:buChar char="○"/>
               <a:defRPr/>
             </a:lvl8pPr>
-            <a:lvl9pPr indent="-317500" lvl="8" marL="4114800">
+            <a:lvl9pPr marL="4114800" lvl="8" indent="-317500">
               <a:spcBef>
                 <a:spcPts val="1600"/>
               </a:spcBef>
@@ -3341,15 +3424,19 @@
               <a:defRPr/>
             </a:lvl9pPr>
           </a:lstStyle>
-          <a:p/>
+          <a:p>
+            <a:endParaRPr/>
+          </a:p>
         </p:txBody>
       </p:sp>
       <p:sp>
         <p:nvSpPr>
           <p:cNvPr id="29" name="Google Shape;29;p4"/>
-          <p:cNvSpPr txBox="1"/>
+          <p:cNvSpPr txBox="1">
+            <a:spLocks noGrp="1"/>
+          </p:cNvSpPr>
           <p:nvPr>
-            <p:ph idx="12" type="sldNum"/>
+            <p:ph type="sldNum" idx="12"/>
           </p:nvPr>
         </p:nvSpPr>
         <p:spPr>
@@ -3362,7 +3449,7 @@
           </a:prstGeom>
         </p:spPr>
         <p:txBody>
-          <a:bodyPr anchorCtr="0" anchor="ctr" bIns="91425" lIns="91425" spcFirstLastPara="1" rIns="91425" wrap="square" tIns="91425">
+          <a:bodyPr spcFirstLastPara="1" wrap="square" lIns="91425" tIns="91425" rIns="91425" bIns="91425" anchor="ctr" anchorCtr="0">
             <a:noAutofit/>
           </a:bodyPr>
           <a:lstStyle>
@@ -3404,7 +3491,7 @@
             </a:lvl9pPr>
           </a:lstStyle>
           <a:p>
-            <a:pPr indent="0" lvl="0" marL="0" rtl="0" algn="r">
+            <a:pPr marL="0" lvl="0" indent="0" algn="r" rtl="0">
               <a:spcBef>
                 <a:spcPts val="0"/>
               </a:spcBef>
@@ -3430,11 +3517,11 @@
 </file>
 
 <file path=ppt/slideLayouts/slideLayout4.xml><?xml version="1.0" encoding="utf-8"?>
-<p:sldLayout xmlns:a="http://schemas.openxmlformats.org/drawingml/2006/main" xmlns:r="http://schemas.openxmlformats.org/officeDocument/2006/relationships" xmlns:mc="http://schemas.openxmlformats.org/markup-compatibility/2006" xmlns:mv="urn:schemas-microsoft-com:mac:vml" xmlns:p="http://schemas.openxmlformats.org/presentationml/2006/main" xmlns:c="http://schemas.openxmlformats.org/drawingml/2006/chart" xmlns:dgm="http://schemas.openxmlformats.org/drawingml/2006/diagram" xmlns:o="urn:schemas-microsoft-com:office:office" xmlns:v="urn:schemas-microsoft-com:vml" xmlns:pvml="urn:schemas-microsoft-com:office:powerpoint" xmlns:com="http://schemas.openxmlformats.org/drawingml/2006/compatibility" xmlns:p14="http://schemas.microsoft.com/office/powerpoint/2010/main" xmlns:p15="http://schemas.microsoft.com/office/powerpoint/2012/main" matchingName="Title and two columns" type="twoColTx">
+<p:sldLayout xmlns:a="http://schemas.openxmlformats.org/drawingml/2006/main" xmlns:r="http://schemas.openxmlformats.org/officeDocument/2006/relationships" xmlns:p="http://schemas.openxmlformats.org/presentationml/2006/main" matchingName="Title and two columns" type="twoColTx">
   <p:cSld name="TITLE_AND_TWO_COLUMNS">
     <p:spTree>
       <p:nvGrpSpPr>
-        <p:cNvPr id="30" name="Shape 30"/>
+        <p:cNvPr id="1" name="Shape 30"/>
         <p:cNvGrpSpPr/>
         <p:nvPr/>
       </p:nvGrpSpPr>
@@ -3449,7 +3536,9 @@
       <p:sp>
         <p:nvSpPr>
           <p:cNvPr id="31" name="Google Shape;31;p5"/>
-          <p:cNvSpPr txBox="1"/>
+          <p:cNvSpPr txBox="1">
+            <a:spLocks noGrp="1"/>
+          </p:cNvSpPr>
           <p:nvPr>
             <p:ph type="title"/>
           </p:nvPr>
@@ -3464,7 +3553,7 @@
           </a:prstGeom>
         </p:spPr>
         <p:txBody>
-          <a:bodyPr anchorCtr="0" anchor="t" bIns="91425" lIns="91425" spcFirstLastPara="1" rIns="91425" wrap="square" tIns="91425">
+          <a:bodyPr spcFirstLastPara="1" wrap="square" lIns="91425" tIns="91425" rIns="91425" bIns="91425" anchor="t" anchorCtr="0">
             <a:noAutofit/>
           </a:bodyPr>
           <a:lstStyle>
@@ -3568,15 +3657,19 @@
               <a:defRPr/>
             </a:lvl9pPr>
           </a:lstStyle>
-          <a:p/>
+          <a:p>
+            <a:endParaRPr/>
+          </a:p>
         </p:txBody>
       </p:sp>
       <p:sp>
         <p:nvSpPr>
           <p:cNvPr id="32" name="Google Shape;32;p5"/>
-          <p:cNvSpPr txBox="1"/>
+          <p:cNvSpPr txBox="1">
+            <a:spLocks noGrp="1"/>
+          </p:cNvSpPr>
           <p:nvPr>
-            <p:ph idx="1" type="body"/>
+            <p:ph type="body" idx="1"/>
           </p:nvPr>
         </p:nvSpPr>
         <p:spPr>
@@ -3589,11 +3682,11 @@
           </a:prstGeom>
         </p:spPr>
         <p:txBody>
-          <a:bodyPr anchorCtr="0" anchor="t" bIns="91425" lIns="91425" spcFirstLastPara="1" rIns="91425" wrap="square" tIns="91425">
+          <a:bodyPr spcFirstLastPara="1" wrap="square" lIns="91425" tIns="91425" rIns="91425" bIns="91425" anchor="t" anchorCtr="0">
             <a:noAutofit/>
           </a:bodyPr>
           <a:lstStyle>
-            <a:lvl1pPr indent="-317500" lvl="0" marL="457200">
+            <a:lvl1pPr marL="457200" lvl="0" indent="-317500">
               <a:spcBef>
                 <a:spcPts val="0"/>
               </a:spcBef>
@@ -3604,7 +3697,7 @@
               <a:buChar char="●"/>
               <a:defRPr sz="1400"/>
             </a:lvl1pPr>
-            <a:lvl2pPr indent="-304800" lvl="1" marL="914400">
+            <a:lvl2pPr marL="914400" lvl="1" indent="-304800">
               <a:spcBef>
                 <a:spcPts val="1600"/>
               </a:spcBef>
@@ -3615,7 +3708,7 @@
               <a:buChar char="○"/>
               <a:defRPr sz="1200"/>
             </a:lvl2pPr>
-            <a:lvl3pPr indent="-304800" lvl="2" marL="1371600">
+            <a:lvl3pPr marL="1371600" lvl="2" indent="-304800">
               <a:spcBef>
                 <a:spcPts val="1600"/>
               </a:spcBef>
@@ -3626,7 +3719,7 @@
               <a:buChar char="■"/>
               <a:defRPr sz="1200"/>
             </a:lvl3pPr>
-            <a:lvl4pPr indent="-304800" lvl="3" marL="1828800">
+            <a:lvl4pPr marL="1828800" lvl="3" indent="-304800">
               <a:spcBef>
                 <a:spcPts val="1600"/>
               </a:spcBef>
@@ -3637,7 +3730,7 @@
               <a:buChar char="●"/>
               <a:defRPr sz="1200"/>
             </a:lvl4pPr>
-            <a:lvl5pPr indent="-304800" lvl="4" marL="2286000">
+            <a:lvl5pPr marL="2286000" lvl="4" indent="-304800">
               <a:spcBef>
                 <a:spcPts val="1600"/>
               </a:spcBef>
@@ -3648,7 +3741,7 @@
               <a:buChar char="○"/>
               <a:defRPr sz="1200"/>
             </a:lvl5pPr>
-            <a:lvl6pPr indent="-304800" lvl="5" marL="2743200">
+            <a:lvl6pPr marL="2743200" lvl="5" indent="-304800">
               <a:spcBef>
                 <a:spcPts val="1600"/>
               </a:spcBef>
@@ -3659,7 +3752,7 @@
               <a:buChar char="■"/>
               <a:defRPr sz="1200"/>
             </a:lvl6pPr>
-            <a:lvl7pPr indent="-304800" lvl="6" marL="3200400">
+            <a:lvl7pPr marL="3200400" lvl="6" indent="-304800">
               <a:spcBef>
                 <a:spcPts val="1600"/>
               </a:spcBef>
@@ -3670,7 +3763,7 @@
               <a:buChar char="●"/>
               <a:defRPr sz="1200"/>
             </a:lvl7pPr>
-            <a:lvl8pPr indent="-304800" lvl="7" marL="3657600">
+            <a:lvl8pPr marL="3657600" lvl="7" indent="-304800">
               <a:spcBef>
                 <a:spcPts val="1600"/>
               </a:spcBef>
@@ -3681,7 +3774,7 @@
               <a:buChar char="○"/>
               <a:defRPr sz="1200"/>
             </a:lvl8pPr>
-            <a:lvl9pPr indent="-304800" lvl="8" marL="4114800">
+            <a:lvl9pPr marL="4114800" lvl="8" indent="-304800">
               <a:spcBef>
                 <a:spcPts val="1600"/>
               </a:spcBef>
@@ -3693,15 +3786,19 @@
               <a:defRPr sz="1200"/>
             </a:lvl9pPr>
           </a:lstStyle>
-          <a:p/>
+          <a:p>
+            <a:endParaRPr/>
+          </a:p>
         </p:txBody>
       </p:sp>
       <p:sp>
         <p:nvSpPr>
           <p:cNvPr id="33" name="Google Shape;33;p5"/>
-          <p:cNvSpPr txBox="1"/>
+          <p:cNvSpPr txBox="1">
+            <a:spLocks noGrp="1"/>
+          </p:cNvSpPr>
           <p:nvPr>
-            <p:ph idx="2" type="body"/>
+            <p:ph type="body" idx="2"/>
           </p:nvPr>
         </p:nvSpPr>
         <p:spPr>
@@ -3714,11 +3811,11 @@
           </a:prstGeom>
         </p:spPr>
         <p:txBody>
-          <a:bodyPr anchorCtr="0" anchor="t" bIns="91425" lIns="91425" spcFirstLastPara="1" rIns="91425" wrap="square" tIns="91425">
+          <a:bodyPr spcFirstLastPara="1" wrap="square" lIns="91425" tIns="91425" rIns="91425" bIns="91425" anchor="t" anchorCtr="0">
             <a:noAutofit/>
           </a:bodyPr>
           <a:lstStyle>
-            <a:lvl1pPr indent="-317500" lvl="0" marL="457200">
+            <a:lvl1pPr marL="457200" lvl="0" indent="-317500">
               <a:spcBef>
                 <a:spcPts val="0"/>
               </a:spcBef>
@@ -3729,7 +3826,7 @@
               <a:buChar char="●"/>
               <a:defRPr sz="1400"/>
             </a:lvl1pPr>
-            <a:lvl2pPr indent="-304800" lvl="1" marL="914400">
+            <a:lvl2pPr marL="914400" lvl="1" indent="-304800">
               <a:spcBef>
                 <a:spcPts val="1600"/>
               </a:spcBef>
@@ -3740,7 +3837,7 @@
               <a:buChar char="○"/>
               <a:defRPr sz="1200"/>
             </a:lvl2pPr>
-            <a:lvl3pPr indent="-304800" lvl="2" marL="1371600">
+            <a:lvl3pPr marL="1371600" lvl="2" indent="-304800">
               <a:spcBef>
                 <a:spcPts val="1600"/>
               </a:spcBef>
@@ -3751,7 +3848,7 @@
               <a:buChar char="■"/>
               <a:defRPr sz="1200"/>
             </a:lvl3pPr>
-            <a:lvl4pPr indent="-304800" lvl="3" marL="1828800">
+            <a:lvl4pPr marL="1828800" lvl="3" indent="-304800">
               <a:spcBef>
                 <a:spcPts val="1600"/>
               </a:spcBef>
@@ -3762,7 +3859,7 @@
               <a:buChar char="●"/>
               <a:defRPr sz="1200"/>
             </a:lvl4pPr>
-            <a:lvl5pPr indent="-304800" lvl="4" marL="2286000">
+            <a:lvl5pPr marL="2286000" lvl="4" indent="-304800">
               <a:spcBef>
                 <a:spcPts val="1600"/>
               </a:spcBef>
@@ -3773,7 +3870,7 @@
               <a:buChar char="○"/>
               <a:defRPr sz="1200"/>
             </a:lvl5pPr>
-            <a:lvl6pPr indent="-304800" lvl="5" marL="2743200">
+            <a:lvl6pPr marL="2743200" lvl="5" indent="-304800">
               <a:spcBef>
                 <a:spcPts val="1600"/>
               </a:spcBef>
@@ -3784,7 +3881,7 @@
               <a:buChar char="■"/>
               <a:defRPr sz="1200"/>
             </a:lvl6pPr>
-            <a:lvl7pPr indent="-304800" lvl="6" marL="3200400">
+            <a:lvl7pPr marL="3200400" lvl="6" indent="-304800">
               <a:spcBef>
                 <a:spcPts val="1600"/>
               </a:spcBef>
@@ -3795,7 +3892,7 @@
               <a:buChar char="●"/>
               <a:defRPr sz="1200"/>
             </a:lvl7pPr>
-            <a:lvl8pPr indent="-304800" lvl="7" marL="3657600">
+            <a:lvl8pPr marL="3657600" lvl="7" indent="-304800">
               <a:spcBef>
                 <a:spcPts val="1600"/>
               </a:spcBef>
@@ -3806,7 +3903,7 @@
               <a:buChar char="○"/>
               <a:defRPr sz="1200"/>
             </a:lvl8pPr>
-            <a:lvl9pPr indent="-304800" lvl="8" marL="4114800">
+            <a:lvl9pPr marL="4114800" lvl="8" indent="-304800">
               <a:spcBef>
                 <a:spcPts val="1600"/>
               </a:spcBef>
@@ -3818,15 +3915,19 @@
               <a:defRPr sz="1200"/>
             </a:lvl9pPr>
           </a:lstStyle>
-          <a:p/>
+          <a:p>
+            <a:endParaRPr/>
+          </a:p>
         </p:txBody>
       </p:sp>
       <p:sp>
         <p:nvSpPr>
           <p:cNvPr id="34" name="Google Shape;34;p5"/>
-          <p:cNvSpPr txBox="1"/>
+          <p:cNvSpPr txBox="1">
+            <a:spLocks noGrp="1"/>
+          </p:cNvSpPr>
           <p:nvPr>
-            <p:ph idx="12" type="sldNum"/>
+            <p:ph type="sldNum" idx="12"/>
           </p:nvPr>
         </p:nvSpPr>
         <p:spPr>
@@ -3839,7 +3940,7 @@
           </a:prstGeom>
         </p:spPr>
         <p:txBody>
-          <a:bodyPr anchorCtr="0" anchor="ctr" bIns="91425" lIns="91425" spcFirstLastPara="1" rIns="91425" wrap="square" tIns="91425">
+          <a:bodyPr spcFirstLastPara="1" wrap="square" lIns="91425" tIns="91425" rIns="91425" bIns="91425" anchor="ctr" anchorCtr="0">
             <a:noAutofit/>
           </a:bodyPr>
           <a:lstStyle>
@@ -3881,7 +3982,7 @@
             </a:lvl9pPr>
           </a:lstStyle>
           <a:p>
-            <a:pPr indent="0" lvl="0" marL="0" rtl="0" algn="r">
+            <a:pPr marL="0" lvl="0" indent="0" algn="r" rtl="0">
               <a:spcBef>
                 <a:spcPts val="0"/>
               </a:spcBef>
@@ -3907,11 +4008,11 @@
 </file>
 
 <file path=ppt/slideLayouts/slideLayout5.xml><?xml version="1.0" encoding="utf-8"?>
-<p:sldLayout xmlns:a="http://schemas.openxmlformats.org/drawingml/2006/main" xmlns:r="http://schemas.openxmlformats.org/officeDocument/2006/relationships" xmlns:mc="http://schemas.openxmlformats.org/markup-compatibility/2006" xmlns:mv="urn:schemas-microsoft-com:mac:vml" xmlns:p="http://schemas.openxmlformats.org/presentationml/2006/main" xmlns:c="http://schemas.openxmlformats.org/drawingml/2006/chart" xmlns:dgm="http://schemas.openxmlformats.org/drawingml/2006/diagram" xmlns:o="urn:schemas-microsoft-com:office:office" xmlns:v="urn:schemas-microsoft-com:vml" xmlns:pvml="urn:schemas-microsoft-com:office:powerpoint" xmlns:com="http://schemas.openxmlformats.org/drawingml/2006/compatibility" xmlns:p14="http://schemas.microsoft.com/office/powerpoint/2010/main" xmlns:p15="http://schemas.microsoft.com/office/powerpoint/2012/main" matchingName="Title only" type="titleOnly">
+<p:sldLayout xmlns:a="http://schemas.openxmlformats.org/drawingml/2006/main" xmlns:r="http://schemas.openxmlformats.org/officeDocument/2006/relationships" xmlns:p="http://schemas.openxmlformats.org/presentationml/2006/main" matchingName="Title only" type="titleOnly">
   <p:cSld name="TITLE_ONLY">
     <p:spTree>
       <p:nvGrpSpPr>
-        <p:cNvPr id="35" name="Shape 35"/>
+        <p:cNvPr id="1" name="Shape 35"/>
         <p:cNvGrpSpPr/>
         <p:nvPr/>
       </p:nvGrpSpPr>
@@ -3926,7 +4027,9 @@
       <p:sp>
         <p:nvSpPr>
           <p:cNvPr id="36" name="Google Shape;36;p6"/>
-          <p:cNvSpPr txBox="1"/>
+          <p:cNvSpPr txBox="1">
+            <a:spLocks noGrp="1"/>
+          </p:cNvSpPr>
           <p:nvPr>
             <p:ph type="title"/>
           </p:nvPr>
@@ -3941,7 +4044,7 @@
           </a:prstGeom>
         </p:spPr>
         <p:txBody>
-          <a:bodyPr anchorCtr="0" anchor="t" bIns="91425" lIns="91425" spcFirstLastPara="1" rIns="91425" wrap="square" tIns="91425">
+          <a:bodyPr spcFirstLastPara="1" wrap="square" lIns="91425" tIns="91425" rIns="91425" bIns="91425" anchor="t" anchorCtr="0">
             <a:noAutofit/>
           </a:bodyPr>
           <a:lstStyle>
@@ -4045,15 +4148,19 @@
               <a:defRPr/>
             </a:lvl9pPr>
           </a:lstStyle>
-          <a:p/>
+          <a:p>
+            <a:endParaRPr/>
+          </a:p>
         </p:txBody>
       </p:sp>
       <p:sp>
         <p:nvSpPr>
           <p:cNvPr id="37" name="Google Shape;37;p6"/>
-          <p:cNvSpPr txBox="1"/>
+          <p:cNvSpPr txBox="1">
+            <a:spLocks noGrp="1"/>
+          </p:cNvSpPr>
           <p:nvPr>
-            <p:ph idx="12" type="sldNum"/>
+            <p:ph type="sldNum" idx="12"/>
           </p:nvPr>
         </p:nvSpPr>
         <p:spPr>
@@ -4066,7 +4173,7 @@
           </a:prstGeom>
         </p:spPr>
         <p:txBody>
-          <a:bodyPr anchorCtr="0" anchor="ctr" bIns="91425" lIns="91425" spcFirstLastPara="1" rIns="91425" wrap="square" tIns="91425">
+          <a:bodyPr spcFirstLastPara="1" wrap="square" lIns="91425" tIns="91425" rIns="91425" bIns="91425" anchor="ctr" anchorCtr="0">
             <a:noAutofit/>
           </a:bodyPr>
           <a:lstStyle>
@@ -4108,7 +4215,7 @@
             </a:lvl9pPr>
           </a:lstStyle>
           <a:p>
-            <a:pPr indent="0" lvl="0" marL="0" rtl="0" algn="r">
+            <a:pPr marL="0" lvl="0" indent="0" algn="r" rtl="0">
               <a:spcBef>
                 <a:spcPts val="0"/>
               </a:spcBef>
@@ -4134,11 +4241,11 @@
 </file>
 
 <file path=ppt/slideLayouts/slideLayout6.xml><?xml version="1.0" encoding="utf-8"?>
-<p:sldLayout xmlns:a="http://schemas.openxmlformats.org/drawingml/2006/main" xmlns:r="http://schemas.openxmlformats.org/officeDocument/2006/relationships" xmlns:mc="http://schemas.openxmlformats.org/markup-compatibility/2006" xmlns:mv="urn:schemas-microsoft-com:mac:vml" xmlns:p="http://schemas.openxmlformats.org/presentationml/2006/main" xmlns:c="http://schemas.openxmlformats.org/drawingml/2006/chart" xmlns:dgm="http://schemas.openxmlformats.org/drawingml/2006/diagram" xmlns:o="urn:schemas-microsoft-com:office:office" xmlns:v="urn:schemas-microsoft-com:vml" xmlns:pvml="urn:schemas-microsoft-com:office:powerpoint" xmlns:com="http://schemas.openxmlformats.org/drawingml/2006/compatibility" xmlns:p14="http://schemas.microsoft.com/office/powerpoint/2010/main" xmlns:p15="http://schemas.microsoft.com/office/powerpoint/2012/main" matchingName="One column text">
+<p:sldLayout xmlns:a="http://schemas.openxmlformats.org/drawingml/2006/main" xmlns:r="http://schemas.openxmlformats.org/officeDocument/2006/relationships" xmlns:p="http://schemas.openxmlformats.org/presentationml/2006/main" matchingName="One column text">
   <p:cSld name="ONE_COLUMN_TEXT">
     <p:spTree>
       <p:nvGrpSpPr>
-        <p:cNvPr id="38" name="Shape 38"/>
+        <p:cNvPr id="1" name="Shape 38"/>
         <p:cNvGrpSpPr/>
         <p:nvPr/>
       </p:nvGrpSpPr>
@@ -4153,7 +4260,9 @@
       <p:sp>
         <p:nvSpPr>
           <p:cNvPr id="39" name="Google Shape;39;p7"/>
-          <p:cNvSpPr txBox="1"/>
+          <p:cNvSpPr txBox="1">
+            <a:spLocks noGrp="1"/>
+          </p:cNvSpPr>
           <p:nvPr>
             <p:ph type="title"/>
           </p:nvPr>
@@ -4168,7 +4277,7 @@
           </a:prstGeom>
         </p:spPr>
         <p:txBody>
-          <a:bodyPr anchorCtr="0" anchor="b" bIns="91425" lIns="91425" spcFirstLastPara="1" rIns="91425" wrap="square" tIns="91425">
+          <a:bodyPr spcFirstLastPara="1" wrap="square" lIns="91425" tIns="91425" rIns="91425" bIns="91425" anchor="b" anchorCtr="0">
             <a:noAutofit/>
           </a:bodyPr>
           <a:lstStyle>
@@ -4272,15 +4381,19 @@
               <a:defRPr sz="2400"/>
             </a:lvl9pPr>
           </a:lstStyle>
-          <a:p/>
+          <a:p>
+            <a:endParaRPr/>
+          </a:p>
         </p:txBody>
       </p:sp>
       <p:sp>
         <p:nvSpPr>
           <p:cNvPr id="40" name="Google Shape;40;p7"/>
-          <p:cNvSpPr txBox="1"/>
+          <p:cNvSpPr txBox="1">
+            <a:spLocks noGrp="1"/>
+          </p:cNvSpPr>
           <p:nvPr>
-            <p:ph idx="1" type="body"/>
+            <p:ph type="body" idx="1"/>
           </p:nvPr>
         </p:nvSpPr>
         <p:spPr>
@@ -4293,11 +4406,11 @@
           </a:prstGeom>
         </p:spPr>
         <p:txBody>
-          <a:bodyPr anchorCtr="0" anchor="t" bIns="91425" lIns="91425" spcFirstLastPara="1" rIns="91425" wrap="square" tIns="91425">
+          <a:bodyPr spcFirstLastPara="1" wrap="square" lIns="91425" tIns="91425" rIns="91425" bIns="91425" anchor="t" anchorCtr="0">
             <a:noAutofit/>
           </a:bodyPr>
           <a:lstStyle>
-            <a:lvl1pPr indent="-304800" lvl="0" marL="457200">
+            <a:lvl1pPr marL="457200" lvl="0" indent="-304800">
               <a:spcBef>
                 <a:spcPts val="0"/>
               </a:spcBef>
@@ -4308,7 +4421,7 @@
               <a:buChar char="●"/>
               <a:defRPr sz="1200"/>
             </a:lvl1pPr>
-            <a:lvl2pPr indent="-304800" lvl="1" marL="914400">
+            <a:lvl2pPr marL="914400" lvl="1" indent="-304800">
               <a:spcBef>
                 <a:spcPts val="1600"/>
               </a:spcBef>
@@ -4319,7 +4432,7 @@
               <a:buChar char="○"/>
               <a:defRPr sz="1200"/>
             </a:lvl2pPr>
-            <a:lvl3pPr indent="-304800" lvl="2" marL="1371600">
+            <a:lvl3pPr marL="1371600" lvl="2" indent="-304800">
               <a:spcBef>
                 <a:spcPts val="1600"/>
               </a:spcBef>
@@ -4330,7 +4443,7 @@
               <a:buChar char="■"/>
               <a:defRPr sz="1200"/>
             </a:lvl3pPr>
-            <a:lvl4pPr indent="-304800" lvl="3" marL="1828800">
+            <a:lvl4pPr marL="1828800" lvl="3" indent="-304800">
               <a:spcBef>
                 <a:spcPts val="1600"/>
               </a:spcBef>
@@ -4341,7 +4454,7 @@
               <a:buChar char="●"/>
               <a:defRPr sz="1200"/>
             </a:lvl4pPr>
-            <a:lvl5pPr indent="-304800" lvl="4" marL="2286000">
+            <a:lvl5pPr marL="2286000" lvl="4" indent="-304800">
               <a:spcBef>
                 <a:spcPts val="1600"/>
               </a:spcBef>
@@ -4352,7 +4465,7 @@
               <a:buChar char="○"/>
               <a:defRPr sz="1200"/>
             </a:lvl5pPr>
-            <a:lvl6pPr indent="-304800" lvl="5" marL="2743200">
+            <a:lvl6pPr marL="2743200" lvl="5" indent="-304800">
               <a:spcBef>
                 <a:spcPts val="1600"/>
               </a:spcBef>
@@ -4363,7 +4476,7 @@
               <a:buChar char="■"/>
               <a:defRPr sz="1200"/>
             </a:lvl6pPr>
-            <a:lvl7pPr indent="-304800" lvl="6" marL="3200400">
+            <a:lvl7pPr marL="3200400" lvl="6" indent="-304800">
               <a:spcBef>
                 <a:spcPts val="1600"/>
               </a:spcBef>
@@ -4374,7 +4487,7 @@
               <a:buChar char="●"/>
               <a:defRPr sz="1200"/>
             </a:lvl7pPr>
-            <a:lvl8pPr indent="-304800" lvl="7" marL="3657600">
+            <a:lvl8pPr marL="3657600" lvl="7" indent="-304800">
               <a:spcBef>
                 <a:spcPts val="1600"/>
               </a:spcBef>
@@ -4385,7 +4498,7 @@
               <a:buChar char="○"/>
               <a:defRPr sz="1200"/>
             </a:lvl8pPr>
-            <a:lvl9pPr indent="-304800" lvl="8" marL="4114800">
+            <a:lvl9pPr marL="4114800" lvl="8" indent="-304800">
               <a:spcBef>
                 <a:spcPts val="1600"/>
               </a:spcBef>
@@ -4397,15 +4510,19 @@
               <a:defRPr sz="1200"/>
             </a:lvl9pPr>
           </a:lstStyle>
-          <a:p/>
+          <a:p>
+            <a:endParaRPr/>
+          </a:p>
         </p:txBody>
       </p:sp>
       <p:sp>
         <p:nvSpPr>
           <p:cNvPr id="41" name="Google Shape;41;p7"/>
-          <p:cNvSpPr txBox="1"/>
+          <p:cNvSpPr txBox="1">
+            <a:spLocks noGrp="1"/>
+          </p:cNvSpPr>
           <p:nvPr>
-            <p:ph idx="12" type="sldNum"/>
+            <p:ph type="sldNum" idx="12"/>
           </p:nvPr>
         </p:nvSpPr>
         <p:spPr>
@@ -4418,7 +4535,7 @@
           </a:prstGeom>
         </p:spPr>
         <p:txBody>
-          <a:bodyPr anchorCtr="0" anchor="ctr" bIns="91425" lIns="91425" spcFirstLastPara="1" rIns="91425" wrap="square" tIns="91425">
+          <a:bodyPr spcFirstLastPara="1" wrap="square" lIns="91425" tIns="91425" rIns="91425" bIns="91425" anchor="ctr" anchorCtr="0">
             <a:noAutofit/>
           </a:bodyPr>
           <a:lstStyle>
@@ -4460,7 +4577,7 @@
             </a:lvl9pPr>
           </a:lstStyle>
           <a:p>
-            <a:pPr indent="0" lvl="0" marL="0" rtl="0" algn="r">
+            <a:pPr marL="0" lvl="0" indent="0" algn="r" rtl="0">
               <a:spcBef>
                 <a:spcPts val="0"/>
               </a:spcBef>
@@ -4486,18 +4603,19 @@
 </file>
 
 <file path=ppt/slideLayouts/slideLayout7.xml><?xml version="1.0" encoding="utf-8"?>
-<p:sldLayout xmlns:a="http://schemas.openxmlformats.org/drawingml/2006/main" xmlns:r="http://schemas.openxmlformats.org/officeDocument/2006/relationships" xmlns:mc="http://schemas.openxmlformats.org/markup-compatibility/2006" xmlns:mv="urn:schemas-microsoft-com:mac:vml" xmlns:p="http://schemas.openxmlformats.org/presentationml/2006/main" xmlns:c="http://schemas.openxmlformats.org/drawingml/2006/chart" xmlns:dgm="http://schemas.openxmlformats.org/drawingml/2006/diagram" xmlns:o="urn:schemas-microsoft-com:office:office" xmlns:v="urn:schemas-microsoft-com:vml" xmlns:pvml="urn:schemas-microsoft-com:office:powerpoint" xmlns:com="http://schemas.openxmlformats.org/drawingml/2006/compatibility" xmlns:p14="http://schemas.microsoft.com/office/powerpoint/2010/main" xmlns:p15="http://schemas.microsoft.com/office/powerpoint/2012/main" matchingName="Main point">
+<p:sldLayout xmlns:a="http://schemas.openxmlformats.org/drawingml/2006/main" xmlns:r="http://schemas.openxmlformats.org/officeDocument/2006/relationships" xmlns:p="http://schemas.openxmlformats.org/presentationml/2006/main" matchingName="Main point">
   <p:cSld name="MAIN_POINT">
     <p:bg>
       <p:bgPr>
         <a:solidFill>
           <a:schemeClr val="accent6"/>
         </a:solidFill>
+        <a:effectLst/>
       </p:bgPr>
     </p:bg>
     <p:spTree>
       <p:nvGrpSpPr>
-        <p:cNvPr id="42" name="Shape 42"/>
+        <p:cNvPr id="1" name="Shape 42"/>
         <p:cNvGrpSpPr/>
         <p:nvPr/>
       </p:nvGrpSpPr>
@@ -4512,7 +4630,9 @@
       <p:sp>
         <p:nvSpPr>
           <p:cNvPr id="43" name="Google Shape;43;p8"/>
-          <p:cNvSpPr txBox="1"/>
+          <p:cNvSpPr txBox="1">
+            <a:spLocks noGrp="1"/>
+          </p:cNvSpPr>
           <p:nvPr>
             <p:ph type="title"/>
           </p:nvPr>
@@ -4527,7 +4647,7 @@
           </a:prstGeom>
         </p:spPr>
         <p:txBody>
-          <a:bodyPr anchorCtr="0" anchor="ctr" bIns="91425" lIns="91425" spcFirstLastPara="1" rIns="91425" wrap="square" tIns="91425">
+          <a:bodyPr spcFirstLastPara="1" wrap="square" lIns="91425" tIns="91425" rIns="91425" bIns="91425" anchor="ctr" anchorCtr="0">
             <a:noAutofit/>
           </a:bodyPr>
           <a:lstStyle>
@@ -4543,7 +4663,7 @@
               </a:buClr>
               <a:buSzPts val="5400"/>
               <a:buNone/>
-              <a:defRPr b="0" sz="5400">
+              <a:defRPr sz="5400" b="0">
                 <a:solidFill>
                   <a:schemeClr val="dk2"/>
                 </a:solidFill>
@@ -4561,7 +4681,7 @@
               </a:buClr>
               <a:buSzPts val="5400"/>
               <a:buNone/>
-              <a:defRPr b="0" sz="5400">
+              <a:defRPr sz="5400" b="0">
                 <a:solidFill>
                   <a:schemeClr val="dk2"/>
                 </a:solidFill>
@@ -4579,7 +4699,7 @@
               </a:buClr>
               <a:buSzPts val="5400"/>
               <a:buNone/>
-              <a:defRPr b="0" sz="5400">
+              <a:defRPr sz="5400" b="0">
                 <a:solidFill>
                   <a:schemeClr val="dk2"/>
                 </a:solidFill>
@@ -4597,7 +4717,7 @@
               </a:buClr>
               <a:buSzPts val="5400"/>
               <a:buNone/>
-              <a:defRPr b="0" sz="5400">
+              <a:defRPr sz="5400" b="0">
                 <a:solidFill>
                   <a:schemeClr val="dk2"/>
                 </a:solidFill>
@@ -4615,7 +4735,7 @@
               </a:buClr>
               <a:buSzPts val="5400"/>
               <a:buNone/>
-              <a:defRPr b="0" sz="5400">
+              <a:defRPr sz="5400" b="0">
                 <a:solidFill>
                   <a:schemeClr val="dk2"/>
                 </a:solidFill>
@@ -4633,7 +4753,7 @@
               </a:buClr>
               <a:buSzPts val="5400"/>
               <a:buNone/>
-              <a:defRPr b="0" sz="5400">
+              <a:defRPr sz="5400" b="0">
                 <a:solidFill>
                   <a:schemeClr val="dk2"/>
                 </a:solidFill>
@@ -4651,7 +4771,7 @@
               </a:buClr>
               <a:buSzPts val="5400"/>
               <a:buNone/>
-              <a:defRPr b="0" sz="5400">
+              <a:defRPr sz="5400" b="0">
                 <a:solidFill>
                   <a:schemeClr val="dk2"/>
                 </a:solidFill>
@@ -4669,7 +4789,7 @@
               </a:buClr>
               <a:buSzPts val="5400"/>
               <a:buNone/>
-              <a:defRPr b="0" sz="5400">
+              <a:defRPr sz="5400" b="0">
                 <a:solidFill>
                   <a:schemeClr val="dk2"/>
                 </a:solidFill>
@@ -4687,22 +4807,26 @@
               </a:buClr>
               <a:buSzPts val="5400"/>
               <a:buNone/>
-              <a:defRPr b="0" sz="5400">
+              <a:defRPr sz="5400" b="0">
                 <a:solidFill>
                   <a:schemeClr val="dk2"/>
                 </a:solidFill>
               </a:defRPr>
             </a:lvl9pPr>
           </a:lstStyle>
-          <a:p/>
+          <a:p>
+            <a:endParaRPr/>
+          </a:p>
         </p:txBody>
       </p:sp>
       <p:sp>
         <p:nvSpPr>
           <p:cNvPr id="44" name="Google Shape;44;p8"/>
-          <p:cNvSpPr txBox="1"/>
+          <p:cNvSpPr txBox="1">
+            <a:spLocks noGrp="1"/>
+          </p:cNvSpPr>
           <p:nvPr>
-            <p:ph idx="12" type="sldNum"/>
+            <p:ph type="sldNum" idx="12"/>
           </p:nvPr>
         </p:nvSpPr>
         <p:spPr>
@@ -4715,7 +4839,7 @@
           </a:prstGeom>
         </p:spPr>
         <p:txBody>
-          <a:bodyPr anchorCtr="0" anchor="ctr" bIns="91425" lIns="91425" spcFirstLastPara="1" rIns="91425" wrap="square" tIns="91425">
+          <a:bodyPr spcFirstLastPara="1" wrap="square" lIns="91425" tIns="91425" rIns="91425" bIns="91425" anchor="ctr" anchorCtr="0">
             <a:noAutofit/>
           </a:bodyPr>
           <a:lstStyle>
@@ -4757,7 +4881,7 @@
             </a:lvl9pPr>
           </a:lstStyle>
           <a:p>
-            <a:pPr indent="0" lvl="0" marL="0" rtl="0" algn="r">
+            <a:pPr marL="0" lvl="0" indent="0" algn="r" rtl="0">
               <a:spcBef>
                 <a:spcPts val="0"/>
               </a:spcBef>
@@ -4783,11 +4907,11 @@
 </file>
 
 <file path=ppt/slideLayouts/slideLayout8.xml><?xml version="1.0" encoding="utf-8"?>
-<p:sldLayout xmlns:a="http://schemas.openxmlformats.org/drawingml/2006/main" xmlns:r="http://schemas.openxmlformats.org/officeDocument/2006/relationships" xmlns:mc="http://schemas.openxmlformats.org/markup-compatibility/2006" xmlns:mv="urn:schemas-microsoft-com:mac:vml" xmlns:p="http://schemas.openxmlformats.org/presentationml/2006/main" xmlns:c="http://schemas.openxmlformats.org/drawingml/2006/chart" xmlns:dgm="http://schemas.openxmlformats.org/drawingml/2006/diagram" xmlns:o="urn:schemas-microsoft-com:office:office" xmlns:v="urn:schemas-microsoft-com:vml" xmlns:pvml="urn:schemas-microsoft-com:office:powerpoint" xmlns:com="http://schemas.openxmlformats.org/drawingml/2006/compatibility" xmlns:p14="http://schemas.microsoft.com/office/powerpoint/2010/main" xmlns:p15="http://schemas.microsoft.com/office/powerpoint/2012/main" matchingName="Section title and description">
+<p:sldLayout xmlns:a="http://schemas.openxmlformats.org/drawingml/2006/main" xmlns:r="http://schemas.openxmlformats.org/officeDocument/2006/relationships" xmlns:p="http://schemas.openxmlformats.org/presentationml/2006/main" matchingName="Section title and description">
   <p:cSld name="SECTION_TITLE_AND_DESCRIPTION">
     <p:spTree>
       <p:nvGrpSpPr>
-        <p:cNvPr id="45" name="Shape 45"/>
+        <p:cNvPr id="1" name="Shape 45"/>
         <p:cNvGrpSpPr/>
         <p:nvPr/>
       </p:nvGrpSpPr>
@@ -4821,12 +4945,12 @@
           </a:ln>
         </p:spPr>
         <p:txBody>
-          <a:bodyPr anchorCtr="0" anchor="ctr" bIns="91425" lIns="91425" spcFirstLastPara="1" rIns="91425" wrap="square" tIns="91425">
+          <a:bodyPr spcFirstLastPara="1" wrap="square" lIns="91425" tIns="91425" rIns="91425" bIns="91425" anchor="ctr" anchorCtr="0">
             <a:noAutofit/>
           </a:bodyPr>
           <a:lstStyle/>
           <a:p>
-            <a:pPr indent="0" lvl="0" marL="0" rtl="0" algn="l">
+            <a:pPr marL="0" lvl="0" indent="0" algn="l" rtl="0">
               <a:spcBef>
                 <a:spcPts val="0"/>
               </a:spcBef>
@@ -4835,9 +4959,6 @@
               </a:spcAft>
               <a:buNone/>
             </a:pPr>
-            <a:r>
-              <a:t/>
-            </a:r>
             <a:endParaRPr/>
           </a:p>
         </p:txBody>
@@ -4857,21 +4978,23 @@
             <a:avLst/>
           </a:prstGeom>
           <a:noFill/>
-          <a:ln cap="flat" cmpd="sng" w="19050">
+          <a:ln w="19050" cap="flat" cmpd="sng">
             <a:solidFill>
               <a:schemeClr val="lt1"/>
             </a:solidFill>
             <a:prstDash val="solid"/>
             <a:round/>
-            <a:headEnd len="sm" w="sm" type="none"/>
-            <a:tailEnd len="sm" w="sm" type="none"/>
+            <a:headEnd type="none" w="sm" len="sm"/>
+            <a:tailEnd type="none" w="sm" len="sm"/>
           </a:ln>
         </p:spPr>
       </p:cxnSp>
       <p:sp>
         <p:nvSpPr>
           <p:cNvPr id="48" name="Google Shape;48;p9"/>
-          <p:cNvSpPr txBox="1"/>
+          <p:cNvSpPr txBox="1">
+            <a:spLocks noGrp="1"/>
+          </p:cNvSpPr>
           <p:nvPr>
             <p:ph type="title"/>
           </p:nvPr>
@@ -4886,7 +5009,7 @@
           </a:prstGeom>
         </p:spPr>
         <p:txBody>
-          <a:bodyPr anchorCtr="0" anchor="b" bIns="91425" lIns="91425" spcFirstLastPara="1" rIns="91425" wrap="square" tIns="91425">
+          <a:bodyPr spcFirstLastPara="1" wrap="square" lIns="91425" tIns="91425" rIns="91425" bIns="91425" anchor="b" anchorCtr="0">
             <a:noAutofit/>
           </a:bodyPr>
           <a:lstStyle>
@@ -4990,15 +5113,19 @@
               <a:defRPr sz="4200"/>
             </a:lvl9pPr>
           </a:lstStyle>
-          <a:p/>
+          <a:p>
+            <a:endParaRPr/>
+          </a:p>
         </p:txBody>
       </p:sp>
       <p:sp>
         <p:nvSpPr>
           <p:cNvPr id="49" name="Google Shape;49;p9"/>
-          <p:cNvSpPr txBox="1"/>
+          <p:cNvSpPr txBox="1">
+            <a:spLocks noGrp="1"/>
+          </p:cNvSpPr>
           <p:nvPr>
-            <p:ph idx="1" type="subTitle"/>
+            <p:ph type="subTitle" idx="1"/>
           </p:nvPr>
         </p:nvSpPr>
         <p:spPr>
@@ -5011,7 +5138,7 @@
           </a:prstGeom>
         </p:spPr>
         <p:txBody>
-          <a:bodyPr anchorCtr="0" anchor="t" bIns="91425" lIns="91425" spcFirstLastPara="1" rIns="91425" wrap="square" tIns="91425">
+          <a:bodyPr spcFirstLastPara="1" wrap="square" lIns="91425" tIns="91425" rIns="91425" bIns="91425" anchor="t" anchorCtr="0">
             <a:noAutofit/>
           </a:bodyPr>
           <a:lstStyle>
@@ -5142,15 +5269,19 @@
               <a:defRPr sz="2100"/>
             </a:lvl9pPr>
           </a:lstStyle>
-          <a:p/>
+          <a:p>
+            <a:endParaRPr/>
+          </a:p>
         </p:txBody>
       </p:sp>
       <p:sp>
         <p:nvSpPr>
           <p:cNvPr id="50" name="Google Shape;50;p9"/>
-          <p:cNvSpPr txBox="1"/>
+          <p:cNvSpPr txBox="1">
+            <a:spLocks noGrp="1"/>
+          </p:cNvSpPr>
           <p:nvPr>
-            <p:ph idx="2" type="body"/>
+            <p:ph type="body" idx="2"/>
           </p:nvPr>
         </p:nvSpPr>
         <p:spPr>
@@ -5163,11 +5294,11 @@
           </a:prstGeom>
         </p:spPr>
         <p:txBody>
-          <a:bodyPr anchorCtr="0" anchor="ctr" bIns="91425" lIns="91425" spcFirstLastPara="1" rIns="91425" wrap="square" tIns="91425">
+          <a:bodyPr spcFirstLastPara="1" wrap="square" lIns="91425" tIns="91425" rIns="91425" bIns="91425" anchor="ctr" anchorCtr="0">
             <a:noAutofit/>
           </a:bodyPr>
           <a:lstStyle>
-            <a:lvl1pPr indent="-342900" lvl="0" marL="457200">
+            <a:lvl1pPr marL="457200" lvl="0" indent="-342900">
               <a:spcBef>
                 <a:spcPts val="0"/>
               </a:spcBef>
@@ -5185,7 +5316,7 @@
                 </a:solidFill>
               </a:defRPr>
             </a:lvl1pPr>
-            <a:lvl2pPr indent="-317500" lvl="1" marL="914400">
+            <a:lvl2pPr marL="914400" lvl="1" indent="-317500">
               <a:spcBef>
                 <a:spcPts val="1600"/>
               </a:spcBef>
@@ -5203,7 +5334,7 @@
                 </a:solidFill>
               </a:defRPr>
             </a:lvl2pPr>
-            <a:lvl3pPr indent="-317500" lvl="2" marL="1371600">
+            <a:lvl3pPr marL="1371600" lvl="2" indent="-317500">
               <a:spcBef>
                 <a:spcPts val="1600"/>
               </a:spcBef>
@@ -5221,7 +5352,7 @@
                 </a:solidFill>
               </a:defRPr>
             </a:lvl3pPr>
-            <a:lvl4pPr indent="-317500" lvl="3" marL="1828800">
+            <a:lvl4pPr marL="1828800" lvl="3" indent="-317500">
               <a:spcBef>
                 <a:spcPts val="1600"/>
               </a:spcBef>
@@ -5239,7 +5370,7 @@
                 </a:solidFill>
               </a:defRPr>
             </a:lvl4pPr>
-            <a:lvl5pPr indent="-317500" lvl="4" marL="2286000">
+            <a:lvl5pPr marL="2286000" lvl="4" indent="-317500">
               <a:spcBef>
                 <a:spcPts val="1600"/>
               </a:spcBef>
@@ -5257,7 +5388,7 @@
                 </a:solidFill>
               </a:defRPr>
             </a:lvl5pPr>
-            <a:lvl6pPr indent="-317500" lvl="5" marL="2743200">
+            <a:lvl6pPr marL="2743200" lvl="5" indent="-317500">
               <a:spcBef>
                 <a:spcPts val="1600"/>
               </a:spcBef>
@@ -5275,7 +5406,7 @@
                 </a:solidFill>
               </a:defRPr>
             </a:lvl6pPr>
-            <a:lvl7pPr indent="-317500" lvl="6" marL="3200400">
+            <a:lvl7pPr marL="3200400" lvl="6" indent="-317500">
               <a:spcBef>
                 <a:spcPts val="1600"/>
               </a:spcBef>
@@ -5293,7 +5424,7 @@
                 </a:solidFill>
               </a:defRPr>
             </a:lvl7pPr>
-            <a:lvl8pPr indent="-317500" lvl="7" marL="3657600">
+            <a:lvl8pPr marL="3657600" lvl="7" indent="-317500">
               <a:spcBef>
                 <a:spcPts val="1600"/>
               </a:spcBef>
@@ -5311,7 +5442,7 @@
                 </a:solidFill>
               </a:defRPr>
             </a:lvl8pPr>
-            <a:lvl9pPr indent="-317500" lvl="8" marL="4114800">
+            <a:lvl9pPr marL="4114800" lvl="8" indent="-317500">
               <a:spcBef>
                 <a:spcPts val="1600"/>
               </a:spcBef>
@@ -5330,15 +5461,19 @@
               </a:defRPr>
             </a:lvl9pPr>
           </a:lstStyle>
-          <a:p/>
+          <a:p>
+            <a:endParaRPr/>
+          </a:p>
         </p:txBody>
       </p:sp>
       <p:sp>
         <p:nvSpPr>
           <p:cNvPr id="51" name="Google Shape;51;p9"/>
-          <p:cNvSpPr txBox="1"/>
+          <p:cNvSpPr txBox="1">
+            <a:spLocks noGrp="1"/>
+          </p:cNvSpPr>
           <p:nvPr>
-            <p:ph idx="12" type="sldNum"/>
+            <p:ph type="sldNum" idx="12"/>
           </p:nvPr>
         </p:nvSpPr>
         <p:spPr>
@@ -5351,7 +5486,7 @@
           </a:prstGeom>
         </p:spPr>
         <p:txBody>
-          <a:bodyPr anchorCtr="0" anchor="ctr" bIns="91425" lIns="91425" spcFirstLastPara="1" rIns="91425" wrap="square" tIns="91425">
+          <a:bodyPr spcFirstLastPara="1" wrap="square" lIns="91425" tIns="91425" rIns="91425" bIns="91425" anchor="ctr" anchorCtr="0">
             <a:noAutofit/>
           </a:bodyPr>
           <a:lstStyle>
@@ -5429,7 +5564,7 @@
             </a:lvl9pPr>
           </a:lstStyle>
           <a:p>
-            <a:pPr indent="0" lvl="0" marL="0" rtl="0" algn="r">
+            <a:pPr marL="0" lvl="0" indent="0" algn="r" rtl="0">
               <a:spcBef>
                 <a:spcPts val="0"/>
               </a:spcBef>
@@ -5455,11 +5590,11 @@
 </file>
 
 <file path=ppt/slideLayouts/slideLayout9.xml><?xml version="1.0" encoding="utf-8"?>
-<p:sldLayout xmlns:a="http://schemas.openxmlformats.org/drawingml/2006/main" xmlns:r="http://schemas.openxmlformats.org/officeDocument/2006/relationships" xmlns:mc="http://schemas.openxmlformats.org/markup-compatibility/2006" xmlns:mv="urn:schemas-microsoft-com:mac:vml" xmlns:p="http://schemas.openxmlformats.org/presentationml/2006/main" xmlns:c="http://schemas.openxmlformats.org/drawingml/2006/chart" xmlns:dgm="http://schemas.openxmlformats.org/drawingml/2006/diagram" xmlns:o="urn:schemas-microsoft-com:office:office" xmlns:v="urn:schemas-microsoft-com:vml" xmlns:pvml="urn:schemas-microsoft-com:office:powerpoint" xmlns:com="http://schemas.openxmlformats.org/drawingml/2006/compatibility" xmlns:p14="http://schemas.microsoft.com/office/powerpoint/2010/main" xmlns:p15="http://schemas.microsoft.com/office/powerpoint/2012/main" matchingName="Caption">
+<p:sldLayout xmlns:a="http://schemas.openxmlformats.org/drawingml/2006/main" xmlns:r="http://schemas.openxmlformats.org/officeDocument/2006/relationships" xmlns:p="http://schemas.openxmlformats.org/presentationml/2006/main" matchingName="Caption">
   <p:cSld name="CAPTION_ONLY">
     <p:spTree>
       <p:nvGrpSpPr>
-        <p:cNvPr id="52" name="Shape 52"/>
+        <p:cNvPr id="1" name="Shape 52"/>
         <p:cNvGrpSpPr/>
         <p:nvPr/>
       </p:nvGrpSpPr>
@@ -5474,9 +5609,11 @@
       <p:sp>
         <p:nvSpPr>
           <p:cNvPr id="53" name="Google Shape;53;p10"/>
-          <p:cNvSpPr txBox="1"/>
+          <p:cNvSpPr txBox="1">
+            <a:spLocks noGrp="1"/>
+          </p:cNvSpPr>
           <p:nvPr>
-            <p:ph idx="1" type="body"/>
+            <p:ph type="body" idx="1"/>
           </p:nvPr>
         </p:nvSpPr>
         <p:spPr>
@@ -5489,11 +5626,11 @@
           </a:prstGeom>
         </p:spPr>
         <p:txBody>
-          <a:bodyPr anchorCtr="0" anchor="ctr" bIns="91425" lIns="91425" spcFirstLastPara="1" rIns="91425" wrap="square" tIns="91425">
+          <a:bodyPr spcFirstLastPara="1" wrap="square" lIns="91425" tIns="91425" rIns="91425" bIns="91425" anchor="ctr" anchorCtr="0">
             <a:noAutofit/>
           </a:bodyPr>
           <a:lstStyle>
-            <a:lvl1pPr indent="-228600" lvl="0" marL="457200">
+            <a:lvl1pPr marL="457200" lvl="0" indent="-228600">
               <a:lnSpc>
                 <a:spcPct val="100000"/>
               </a:lnSpc>
@@ -5514,15 +5651,19 @@
               </a:defRPr>
             </a:lvl1pPr>
           </a:lstStyle>
-          <a:p/>
+          <a:p>
+            <a:endParaRPr/>
+          </a:p>
         </p:txBody>
       </p:sp>
       <p:sp>
         <p:nvSpPr>
           <p:cNvPr id="54" name="Google Shape;54;p10"/>
-          <p:cNvSpPr txBox="1"/>
+          <p:cNvSpPr txBox="1">
+            <a:spLocks noGrp="1"/>
+          </p:cNvSpPr>
           <p:nvPr>
-            <p:ph idx="12" type="sldNum"/>
+            <p:ph type="sldNum" idx="12"/>
           </p:nvPr>
         </p:nvSpPr>
         <p:spPr>
@@ -5535,7 +5676,7 @@
           </a:prstGeom>
         </p:spPr>
         <p:txBody>
-          <a:bodyPr anchorCtr="0" anchor="ctr" bIns="91425" lIns="91425" spcFirstLastPara="1" rIns="91425" wrap="square" tIns="91425">
+          <a:bodyPr spcFirstLastPara="1" wrap="square" lIns="91425" tIns="91425" rIns="91425" bIns="91425" anchor="ctr" anchorCtr="0">
             <a:noAutofit/>
           </a:bodyPr>
           <a:lstStyle>
@@ -5577,7 +5718,7 @@
             </a:lvl9pPr>
           </a:lstStyle>
           <a:p>
-            <a:pPr indent="0" lvl="0" marL="0" rtl="0" algn="r">
+            <a:pPr marL="0" lvl="0" indent="0" algn="r" rtl="0">
               <a:spcBef>
                 <a:spcPts val="0"/>
               </a:spcBef>
@@ -5603,18 +5744,19 @@
 </file>
 
 <file path=ppt/slideMasters/slideMaster1.xml><?xml version="1.0" encoding="utf-8"?>
-<p:sldMaster xmlns:a="http://schemas.openxmlformats.org/drawingml/2006/main" xmlns:r="http://schemas.openxmlformats.org/officeDocument/2006/relationships" xmlns:mc="http://schemas.openxmlformats.org/markup-compatibility/2006" xmlns:mv="urn:schemas-microsoft-com:mac:vml" xmlns:p="http://schemas.openxmlformats.org/presentationml/2006/main" xmlns:c="http://schemas.openxmlformats.org/drawingml/2006/chart" xmlns:dgm="http://schemas.openxmlformats.org/drawingml/2006/diagram" xmlns:o="urn:schemas-microsoft-com:office:office" xmlns:v="urn:schemas-microsoft-com:vml" xmlns:pvml="urn:schemas-microsoft-com:office:powerpoint" xmlns:com="http://schemas.openxmlformats.org/drawingml/2006/compatibility" xmlns:p14="http://schemas.microsoft.com/office/powerpoint/2010/main" xmlns:p15="http://schemas.microsoft.com/office/powerpoint/2012/main">
+<p:sldMaster xmlns:a="http://schemas.openxmlformats.org/drawingml/2006/main" xmlns:r="http://schemas.openxmlformats.org/officeDocument/2006/relationships" xmlns:p="http://schemas.openxmlformats.org/presentationml/2006/main">
   <p:cSld name="tropic">
     <p:bg>
       <p:bgPr>
         <a:solidFill>
           <a:schemeClr val="lt1"/>
         </a:solidFill>
+        <a:effectLst/>
       </p:bgPr>
     </p:bg>
     <p:spTree>
       <p:nvGrpSpPr>
-        <p:cNvPr id="5" name="Shape 5"/>
+        <p:cNvPr id="1" name="Shape 5"/>
         <p:cNvGrpSpPr/>
         <p:nvPr/>
       </p:nvGrpSpPr>
@@ -5629,7 +5771,9 @@
       <p:sp>
         <p:nvSpPr>
           <p:cNvPr id="6" name="Google Shape;6;p1"/>
-          <p:cNvSpPr txBox="1"/>
+          <p:cNvSpPr txBox="1">
+            <a:spLocks noGrp="1"/>
+          </p:cNvSpPr>
           <p:nvPr>
             <p:ph type="title"/>
           </p:nvPr>
@@ -5648,7 +5792,7 @@
           </a:ln>
         </p:spPr>
         <p:txBody>
-          <a:bodyPr anchorCtr="0" anchor="t" bIns="91425" lIns="91425" spcFirstLastPara="1" rIns="91425" wrap="square" tIns="91425">
+          <a:bodyPr spcFirstLastPara="1" wrap="square" lIns="91425" tIns="91425" rIns="91425" bIns="91425" anchor="t" anchorCtr="0">
             <a:noAutofit/>
           </a:bodyPr>
           <a:lstStyle>
@@ -5665,7 +5809,7 @@
               <a:buSzPts val="3600"/>
               <a:buFont typeface="PT Sans Narrow"/>
               <a:buNone/>
-              <a:defRPr b="1" sz="3600">
+              <a:defRPr sz="3600" b="1">
                 <a:solidFill>
                   <a:schemeClr val="accent1"/>
                 </a:solidFill>
@@ -5688,7 +5832,7 @@
               <a:buSzPts val="3600"/>
               <a:buFont typeface="PT Sans Narrow"/>
               <a:buNone/>
-              <a:defRPr b="1" sz="3600">
+              <a:defRPr sz="3600" b="1">
                 <a:solidFill>
                   <a:schemeClr val="accent1"/>
                 </a:solidFill>
@@ -5711,7 +5855,7 @@
               <a:buSzPts val="3600"/>
               <a:buFont typeface="PT Sans Narrow"/>
               <a:buNone/>
-              <a:defRPr b="1" sz="3600">
+              <a:defRPr sz="3600" b="1">
                 <a:solidFill>
                   <a:schemeClr val="accent1"/>
                 </a:solidFill>
@@ -5734,7 +5878,7 @@
               <a:buSzPts val="3600"/>
               <a:buFont typeface="PT Sans Narrow"/>
               <a:buNone/>
-              <a:defRPr b="1" sz="3600">
+              <a:defRPr sz="3600" b="1">
                 <a:solidFill>
                   <a:schemeClr val="accent1"/>
                 </a:solidFill>
@@ -5757,7 +5901,7 @@
               <a:buSzPts val="3600"/>
               <a:buFont typeface="PT Sans Narrow"/>
               <a:buNone/>
-              <a:defRPr b="1" sz="3600">
+              <a:defRPr sz="3600" b="1">
                 <a:solidFill>
                   <a:schemeClr val="accent1"/>
                 </a:solidFill>
@@ -5780,7 +5924,7 @@
               <a:buSzPts val="3600"/>
               <a:buFont typeface="PT Sans Narrow"/>
               <a:buNone/>
-              <a:defRPr b="1" sz="3600">
+              <a:defRPr sz="3600" b="1">
                 <a:solidFill>
                   <a:schemeClr val="accent1"/>
                 </a:solidFill>
@@ -5803,7 +5947,7 @@
               <a:buSzPts val="3600"/>
               <a:buFont typeface="PT Sans Narrow"/>
               <a:buNone/>
-              <a:defRPr b="1" sz="3600">
+              <a:defRPr sz="3600" b="1">
                 <a:solidFill>
                   <a:schemeClr val="accent1"/>
                 </a:solidFill>
@@ -5826,7 +5970,7 @@
               <a:buSzPts val="3600"/>
               <a:buFont typeface="PT Sans Narrow"/>
               <a:buNone/>
-              <a:defRPr b="1" sz="3600">
+              <a:defRPr sz="3600" b="1">
                 <a:solidFill>
                   <a:schemeClr val="accent1"/>
                 </a:solidFill>
@@ -5849,7 +5993,7 @@
               <a:buSzPts val="3600"/>
               <a:buFont typeface="PT Sans Narrow"/>
               <a:buNone/>
-              <a:defRPr b="1" sz="3600">
+              <a:defRPr sz="3600" b="1">
                 <a:solidFill>
                   <a:schemeClr val="accent1"/>
                 </a:solidFill>
@@ -5860,15 +6004,19 @@
               </a:defRPr>
             </a:lvl9pPr>
           </a:lstStyle>
-          <a:p/>
+          <a:p>
+            <a:endParaRPr/>
+          </a:p>
         </p:txBody>
       </p:sp>
       <p:sp>
         <p:nvSpPr>
           <p:cNvPr id="7" name="Google Shape;7;p1"/>
-          <p:cNvSpPr txBox="1"/>
+          <p:cNvSpPr txBox="1">
+            <a:spLocks noGrp="1"/>
+          </p:cNvSpPr>
           <p:nvPr>
-            <p:ph idx="1" type="body"/>
+            <p:ph type="body" idx="1"/>
           </p:nvPr>
         </p:nvSpPr>
         <p:spPr>
@@ -5885,11 +6033,11 @@
           </a:ln>
         </p:spPr>
         <p:txBody>
-          <a:bodyPr anchorCtr="0" anchor="t" bIns="91425" lIns="91425" spcFirstLastPara="1" rIns="91425" wrap="square" tIns="91425">
+          <a:bodyPr spcFirstLastPara="1" wrap="square" lIns="91425" tIns="91425" rIns="91425" bIns="91425" anchor="t" anchorCtr="0">
             <a:noAutofit/>
           </a:bodyPr>
           <a:lstStyle>
-            <a:lvl1pPr indent="-342900" lvl="0" marL="457200">
+            <a:lvl1pPr marL="457200" lvl="0" indent="-342900">
               <a:lnSpc>
                 <a:spcPct val="115000"/>
               </a:lnSpc>
@@ -5915,7 +6063,7 @@
                 <a:sym typeface="Open Sans"/>
               </a:defRPr>
             </a:lvl1pPr>
-            <a:lvl2pPr indent="-317500" lvl="1" marL="914400">
+            <a:lvl2pPr marL="914400" lvl="1" indent="-317500">
               <a:lnSpc>
                 <a:spcPct val="115000"/>
               </a:lnSpc>
@@ -5941,7 +6089,7 @@
                 <a:sym typeface="Open Sans"/>
               </a:defRPr>
             </a:lvl2pPr>
-            <a:lvl3pPr indent="-317500" lvl="2" marL="1371600">
+            <a:lvl3pPr marL="1371600" lvl="2" indent="-317500">
               <a:lnSpc>
                 <a:spcPct val="115000"/>
               </a:lnSpc>
@@ -5967,7 +6115,7 @@
                 <a:sym typeface="Open Sans"/>
               </a:defRPr>
             </a:lvl3pPr>
-            <a:lvl4pPr indent="-317500" lvl="3" marL="1828800">
+            <a:lvl4pPr marL="1828800" lvl="3" indent="-317500">
               <a:lnSpc>
                 <a:spcPct val="115000"/>
               </a:lnSpc>
@@ -5993,7 +6141,7 @@
                 <a:sym typeface="Open Sans"/>
               </a:defRPr>
             </a:lvl4pPr>
-            <a:lvl5pPr indent="-317500" lvl="4" marL="2286000">
+            <a:lvl5pPr marL="2286000" lvl="4" indent="-317500">
               <a:lnSpc>
                 <a:spcPct val="115000"/>
               </a:lnSpc>
@@ -6019,7 +6167,7 @@
                 <a:sym typeface="Open Sans"/>
               </a:defRPr>
             </a:lvl5pPr>
-            <a:lvl6pPr indent="-317500" lvl="5" marL="2743200">
+            <a:lvl6pPr marL="2743200" lvl="5" indent="-317500">
               <a:lnSpc>
                 <a:spcPct val="115000"/>
               </a:lnSpc>
@@ -6045,7 +6193,7 @@
                 <a:sym typeface="Open Sans"/>
               </a:defRPr>
             </a:lvl6pPr>
-            <a:lvl7pPr indent="-317500" lvl="6" marL="3200400">
+            <a:lvl7pPr marL="3200400" lvl="6" indent="-317500">
               <a:lnSpc>
                 <a:spcPct val="115000"/>
               </a:lnSpc>
@@ -6071,7 +6219,7 @@
                 <a:sym typeface="Open Sans"/>
               </a:defRPr>
             </a:lvl7pPr>
-            <a:lvl8pPr indent="-317500" lvl="7" marL="3657600">
+            <a:lvl8pPr marL="3657600" lvl="7" indent="-317500">
               <a:lnSpc>
                 <a:spcPct val="115000"/>
               </a:lnSpc>
@@ -6097,7 +6245,7 @@
                 <a:sym typeface="Open Sans"/>
               </a:defRPr>
             </a:lvl8pPr>
-            <a:lvl9pPr indent="-317500" lvl="8" marL="4114800">
+            <a:lvl9pPr marL="4114800" lvl="8" indent="-317500">
               <a:lnSpc>
                 <a:spcPct val="115000"/>
               </a:lnSpc>
@@ -6124,15 +6272,19 @@
               </a:defRPr>
             </a:lvl9pPr>
           </a:lstStyle>
-          <a:p/>
+          <a:p>
+            <a:endParaRPr/>
+          </a:p>
         </p:txBody>
       </p:sp>
       <p:sp>
         <p:nvSpPr>
           <p:cNvPr id="8" name="Google Shape;8;p1"/>
-          <p:cNvSpPr txBox="1"/>
+          <p:cNvSpPr txBox="1">
+            <a:spLocks noGrp="1"/>
+          </p:cNvSpPr>
           <p:nvPr>
-            <p:ph idx="12" type="sldNum"/>
+            <p:ph type="sldNum" idx="12"/>
           </p:nvPr>
         </p:nvSpPr>
         <p:spPr>
@@ -6149,7 +6301,7 @@
           </a:ln>
         </p:spPr>
         <p:txBody>
-          <a:bodyPr anchorCtr="0" anchor="ctr" bIns="91425" lIns="91425" spcFirstLastPara="1" rIns="91425" wrap="square" tIns="91425">
+          <a:bodyPr spcFirstLastPara="1" wrap="square" lIns="91425" tIns="91425" rIns="91425" bIns="91425" anchor="ctr" anchorCtr="0">
             <a:noAutofit/>
           </a:bodyPr>
           <a:lstStyle>
@@ -6263,7 +6415,7 @@
             </a:lvl9pPr>
           </a:lstStyle>
           <a:p>
-            <a:pPr indent="0" lvl="0" marL="0" rtl="0" algn="r">
+            <a:pPr marL="0" lvl="0" indent="0" algn="r" rtl="0">
               <a:spcBef>
                 <a:spcPts val="0"/>
               </a:spcBef>
@@ -6282,7 +6434,7 @@
       </p:sp>
     </p:spTree>
   </p:cSld>
-  <p:clrMap accent1="accent1" accent2="accent2" accent3="accent3" accent4="accent4" accent5="accent5" accent6="accent6" bg1="lt1" bg2="dk2" tx1="dk1" tx2="lt2" folHlink="folHlink" hlink="hlink"/>
+  <p:clrMap bg1="lt1" tx1="dk1" bg2="dk2" tx2="lt2" accent1="accent1" accent2="accent2" accent3="accent3" accent4="accent4" accent5="accent5" accent6="accent6" hlink="hlink" folHlink="folHlink"/>
   <p:sldLayoutIdLst>
     <p:sldLayoutId id="2147483648" r:id="rId1"/>
     <p:sldLayoutId id="2147483649" r:id="rId2"/>
@@ -6296,10 +6448,10 @@
     <p:sldLayoutId id="2147483657" r:id="rId10"/>
     <p:sldLayoutId id="2147483658" r:id="rId11"/>
   </p:sldLayoutIdLst>
-  <p:hf dt="0" ftr="0" hdr="0" sldNum="0"/>
+  <p:hf sldNum="0" hdr="0" ftr="0" dt="0"/>
   <p:txStyles>
     <p:titleStyle>
-      <a:defPPr lvl="0" marR="0" rtl="0" algn="l">
+      <a:defPPr marR="0" lvl="0" algn="l" rtl="0">
         <a:lnSpc>
           <a:spcPct val="100000"/>
         </a:lnSpc>
@@ -6310,7 +6462,7 @@
           <a:spcPts val="0"/>
         </a:spcAft>
       </a:defPPr>
-      <a:lvl1pPr lvl="0" marR="0" rtl="0" algn="l">
+      <a:lvl1pPr marR="0" lvl="0" algn="l" rtl="0">
         <a:lnSpc>
           <a:spcPct val="100000"/>
         </a:lnSpc>
@@ -6324,7 +6476,7 @@
           <a:srgbClr val="000000"/>
         </a:buClr>
         <a:buFont typeface="Arial"/>
-        <a:defRPr b="0" i="0" sz="1400" u="none" cap="none" strike="noStrike">
+        <a:defRPr sz="1400" b="0" i="0" u="none" strike="noStrike" cap="none">
           <a:solidFill>
             <a:srgbClr val="000000"/>
           </a:solidFill>
@@ -6334,7 +6486,7 @@
           <a:sym typeface="Arial"/>
         </a:defRPr>
       </a:lvl1pPr>
-      <a:lvl2pPr lvl="1" marR="0" rtl="0" algn="l">
+      <a:lvl2pPr marR="0" lvl="1" algn="l" rtl="0">
         <a:lnSpc>
           <a:spcPct val="100000"/>
         </a:lnSpc>
@@ -6348,7 +6500,7 @@
           <a:srgbClr val="000000"/>
         </a:buClr>
         <a:buFont typeface="Arial"/>
-        <a:defRPr b="0" i="0" sz="1400" u="none" cap="none" strike="noStrike">
+        <a:defRPr sz="1400" b="0" i="0" u="none" strike="noStrike" cap="none">
           <a:solidFill>
             <a:srgbClr val="000000"/>
           </a:solidFill>
@@ -6358,7 +6510,7 @@
           <a:sym typeface="Arial"/>
         </a:defRPr>
       </a:lvl2pPr>
-      <a:lvl3pPr lvl="2" marR="0" rtl="0" algn="l">
+      <a:lvl3pPr marR="0" lvl="2" algn="l" rtl="0">
         <a:lnSpc>
           <a:spcPct val="100000"/>
         </a:lnSpc>
@@ -6372,7 +6524,7 @@
           <a:srgbClr val="000000"/>
         </a:buClr>
         <a:buFont typeface="Arial"/>
-        <a:defRPr b="0" i="0" sz="1400" u="none" cap="none" strike="noStrike">
+        <a:defRPr sz="1400" b="0" i="0" u="none" strike="noStrike" cap="none">
           <a:solidFill>
             <a:srgbClr val="000000"/>
           </a:solidFill>
@@ -6382,7 +6534,7 @@
           <a:sym typeface="Arial"/>
         </a:defRPr>
       </a:lvl3pPr>
-      <a:lvl4pPr lvl="3" marR="0" rtl="0" algn="l">
+      <a:lvl4pPr marR="0" lvl="3" algn="l" rtl="0">
         <a:lnSpc>
           <a:spcPct val="100000"/>
         </a:lnSpc>
@@ -6396,7 +6548,7 @@
           <a:srgbClr val="000000"/>
         </a:buClr>
         <a:buFont typeface="Arial"/>
-        <a:defRPr b="0" i="0" sz="1400" u="none" cap="none" strike="noStrike">
+        <a:defRPr sz="1400" b="0" i="0" u="none" strike="noStrike" cap="none">
           <a:solidFill>
             <a:srgbClr val="000000"/>
           </a:solidFill>
@@ -6406,7 +6558,7 @@
           <a:sym typeface="Arial"/>
         </a:defRPr>
       </a:lvl4pPr>
-      <a:lvl5pPr lvl="4" marR="0" rtl="0" algn="l">
+      <a:lvl5pPr marR="0" lvl="4" algn="l" rtl="0">
         <a:lnSpc>
           <a:spcPct val="100000"/>
         </a:lnSpc>
@@ -6420,7 +6572,7 @@
           <a:srgbClr val="000000"/>
         </a:buClr>
         <a:buFont typeface="Arial"/>
-        <a:defRPr b="0" i="0" sz="1400" u="none" cap="none" strike="noStrike">
+        <a:defRPr sz="1400" b="0" i="0" u="none" strike="noStrike" cap="none">
           <a:solidFill>
             <a:srgbClr val="000000"/>
           </a:solidFill>
@@ -6430,7 +6582,7 @@
           <a:sym typeface="Arial"/>
         </a:defRPr>
       </a:lvl5pPr>
-      <a:lvl6pPr lvl="5" marR="0" rtl="0" algn="l">
+      <a:lvl6pPr marR="0" lvl="5" algn="l" rtl="0">
         <a:lnSpc>
           <a:spcPct val="100000"/>
         </a:lnSpc>
@@ -6444,7 +6596,7 @@
           <a:srgbClr val="000000"/>
         </a:buClr>
         <a:buFont typeface="Arial"/>
-        <a:defRPr b="0" i="0" sz="1400" u="none" cap="none" strike="noStrike">
+        <a:defRPr sz="1400" b="0" i="0" u="none" strike="noStrike" cap="none">
           <a:solidFill>
             <a:srgbClr val="000000"/>
           </a:solidFill>
@@ -6454,7 +6606,7 @@
           <a:sym typeface="Arial"/>
         </a:defRPr>
       </a:lvl6pPr>
-      <a:lvl7pPr lvl="6" marR="0" rtl="0" algn="l">
+      <a:lvl7pPr marR="0" lvl="6" algn="l" rtl="0">
         <a:lnSpc>
           <a:spcPct val="100000"/>
         </a:lnSpc>
@@ -6468,7 +6620,7 @@
           <a:srgbClr val="000000"/>
         </a:buClr>
         <a:buFont typeface="Arial"/>
-        <a:defRPr b="0" i="0" sz="1400" u="none" cap="none" strike="noStrike">
+        <a:defRPr sz="1400" b="0" i="0" u="none" strike="noStrike" cap="none">
           <a:solidFill>
             <a:srgbClr val="000000"/>
           </a:solidFill>
@@ -6478,7 +6630,7 @@
           <a:sym typeface="Arial"/>
         </a:defRPr>
       </a:lvl7pPr>
-      <a:lvl8pPr lvl="7" marR="0" rtl="0" algn="l">
+      <a:lvl8pPr marR="0" lvl="7" algn="l" rtl="0">
         <a:lnSpc>
           <a:spcPct val="100000"/>
         </a:lnSpc>
@@ -6492,7 +6644,7 @@
           <a:srgbClr val="000000"/>
         </a:buClr>
         <a:buFont typeface="Arial"/>
-        <a:defRPr b="0" i="0" sz="1400" u="none" cap="none" strike="noStrike">
+        <a:defRPr sz="1400" b="0" i="0" u="none" strike="noStrike" cap="none">
           <a:solidFill>
             <a:srgbClr val="000000"/>
           </a:solidFill>
@@ -6502,7 +6654,7 @@
           <a:sym typeface="Arial"/>
         </a:defRPr>
       </a:lvl8pPr>
-      <a:lvl9pPr lvl="8" marR="0" rtl="0" algn="l">
+      <a:lvl9pPr marR="0" lvl="8" algn="l" rtl="0">
         <a:lnSpc>
           <a:spcPct val="100000"/>
         </a:lnSpc>
@@ -6516,7 +6668,7 @@
           <a:srgbClr val="000000"/>
         </a:buClr>
         <a:buFont typeface="Arial"/>
-        <a:defRPr b="0" i="0" sz="1400" u="none" cap="none" strike="noStrike">
+        <a:defRPr sz="1400" b="0" i="0" u="none" strike="noStrike" cap="none">
           <a:solidFill>
             <a:srgbClr val="000000"/>
           </a:solidFill>
@@ -6528,7 +6680,7 @@
       </a:lvl9pPr>
     </p:titleStyle>
     <p:bodyStyle>
-      <a:defPPr lvl="0" marR="0" rtl="0" algn="l">
+      <a:defPPr marR="0" lvl="0" algn="l" rtl="0">
         <a:lnSpc>
           <a:spcPct val="100000"/>
         </a:lnSpc>
@@ -6539,7 +6691,7 @@
           <a:spcPts val="0"/>
         </a:spcAft>
       </a:defPPr>
-      <a:lvl1pPr lvl="0" marR="0" rtl="0" algn="l">
+      <a:lvl1pPr marR="0" lvl="0" algn="l" rtl="0">
         <a:lnSpc>
           <a:spcPct val="100000"/>
         </a:lnSpc>
@@ -6553,7 +6705,7 @@
           <a:srgbClr val="000000"/>
         </a:buClr>
         <a:buFont typeface="Arial"/>
-        <a:defRPr b="0" i="0" sz="1400" u="none" cap="none" strike="noStrike">
+        <a:defRPr sz="1400" b="0" i="0" u="none" strike="noStrike" cap="none">
           <a:solidFill>
             <a:srgbClr val="000000"/>
           </a:solidFill>
@@ -6563,7 +6715,7 @@
           <a:sym typeface="Arial"/>
         </a:defRPr>
       </a:lvl1pPr>
-      <a:lvl2pPr lvl="1" marR="0" rtl="0" algn="l">
+      <a:lvl2pPr marR="0" lvl="1" algn="l" rtl="0">
         <a:lnSpc>
           <a:spcPct val="100000"/>
         </a:lnSpc>
@@ -6577,7 +6729,7 @@
           <a:srgbClr val="000000"/>
         </a:buClr>
         <a:buFont typeface="Arial"/>
-        <a:defRPr b="0" i="0" sz="1400" u="none" cap="none" strike="noStrike">
+        <a:defRPr sz="1400" b="0" i="0" u="none" strike="noStrike" cap="none">
           <a:solidFill>
             <a:srgbClr val="000000"/>
           </a:solidFill>
@@ -6587,7 +6739,7 @@
           <a:sym typeface="Arial"/>
         </a:defRPr>
       </a:lvl2pPr>
-      <a:lvl3pPr lvl="2" marR="0" rtl="0" algn="l">
+      <a:lvl3pPr marR="0" lvl="2" algn="l" rtl="0">
         <a:lnSpc>
           <a:spcPct val="100000"/>
         </a:lnSpc>
@@ -6601,7 +6753,7 @@
           <a:srgbClr val="000000"/>
         </a:buClr>
         <a:buFont typeface="Arial"/>
-        <a:defRPr b="0" i="0" sz="1400" u="none" cap="none" strike="noStrike">
+        <a:defRPr sz="1400" b="0" i="0" u="none" strike="noStrike" cap="none">
           <a:solidFill>
             <a:srgbClr val="000000"/>
           </a:solidFill>
@@ -6611,7 +6763,7 @@
           <a:sym typeface="Arial"/>
         </a:defRPr>
       </a:lvl3pPr>
-      <a:lvl4pPr lvl="3" marR="0" rtl="0" algn="l">
+      <a:lvl4pPr marR="0" lvl="3" algn="l" rtl="0">
         <a:lnSpc>
           <a:spcPct val="100000"/>
         </a:lnSpc>
@@ -6625,7 +6777,7 @@
           <a:srgbClr val="000000"/>
         </a:buClr>
         <a:buFont typeface="Arial"/>
-        <a:defRPr b="0" i="0" sz="1400" u="none" cap="none" strike="noStrike">
+        <a:defRPr sz="1400" b="0" i="0" u="none" strike="noStrike" cap="none">
           <a:solidFill>
             <a:srgbClr val="000000"/>
           </a:solidFill>
@@ -6635,7 +6787,7 @@
           <a:sym typeface="Arial"/>
         </a:defRPr>
       </a:lvl4pPr>
-      <a:lvl5pPr lvl="4" marR="0" rtl="0" algn="l">
+      <a:lvl5pPr marR="0" lvl="4" algn="l" rtl="0">
         <a:lnSpc>
           <a:spcPct val="100000"/>
         </a:lnSpc>
@@ -6649,7 +6801,7 @@
           <a:srgbClr val="000000"/>
         </a:buClr>
         <a:buFont typeface="Arial"/>
-        <a:defRPr b="0" i="0" sz="1400" u="none" cap="none" strike="noStrike">
+        <a:defRPr sz="1400" b="0" i="0" u="none" strike="noStrike" cap="none">
           <a:solidFill>
             <a:srgbClr val="000000"/>
           </a:solidFill>
@@ -6659,7 +6811,7 @@
           <a:sym typeface="Arial"/>
         </a:defRPr>
       </a:lvl5pPr>
-      <a:lvl6pPr lvl="5" marR="0" rtl="0" algn="l">
+      <a:lvl6pPr marR="0" lvl="5" algn="l" rtl="0">
         <a:lnSpc>
           <a:spcPct val="100000"/>
         </a:lnSpc>
@@ -6673,7 +6825,7 @@
           <a:srgbClr val="000000"/>
         </a:buClr>
         <a:buFont typeface="Arial"/>
-        <a:defRPr b="0" i="0" sz="1400" u="none" cap="none" strike="noStrike">
+        <a:defRPr sz="1400" b="0" i="0" u="none" strike="noStrike" cap="none">
           <a:solidFill>
             <a:srgbClr val="000000"/>
           </a:solidFill>
@@ -6683,7 +6835,7 @@
           <a:sym typeface="Arial"/>
         </a:defRPr>
       </a:lvl6pPr>
-      <a:lvl7pPr lvl="6" marR="0" rtl="0" algn="l">
+      <a:lvl7pPr marR="0" lvl="6" algn="l" rtl="0">
         <a:lnSpc>
           <a:spcPct val="100000"/>
         </a:lnSpc>
@@ -6697,7 +6849,7 @@
           <a:srgbClr val="000000"/>
         </a:buClr>
         <a:buFont typeface="Arial"/>
-        <a:defRPr b="0" i="0" sz="1400" u="none" cap="none" strike="noStrike">
+        <a:defRPr sz="1400" b="0" i="0" u="none" strike="noStrike" cap="none">
           <a:solidFill>
             <a:srgbClr val="000000"/>
           </a:solidFill>
@@ -6707,7 +6859,7 @@
           <a:sym typeface="Arial"/>
         </a:defRPr>
       </a:lvl7pPr>
-      <a:lvl8pPr lvl="7" marR="0" rtl="0" algn="l">
+      <a:lvl8pPr marR="0" lvl="7" algn="l" rtl="0">
         <a:lnSpc>
           <a:spcPct val="100000"/>
         </a:lnSpc>
@@ -6721,7 +6873,7 @@
           <a:srgbClr val="000000"/>
         </a:buClr>
         <a:buFont typeface="Arial"/>
-        <a:defRPr b="0" i="0" sz="1400" u="none" cap="none" strike="noStrike">
+        <a:defRPr sz="1400" b="0" i="0" u="none" strike="noStrike" cap="none">
           <a:solidFill>
             <a:srgbClr val="000000"/>
           </a:solidFill>
@@ -6731,7 +6883,7 @@
           <a:sym typeface="Arial"/>
         </a:defRPr>
       </a:lvl8pPr>
-      <a:lvl9pPr lvl="8" marR="0" rtl="0" algn="l">
+      <a:lvl9pPr marR="0" lvl="8" algn="l" rtl="0">
         <a:lnSpc>
           <a:spcPct val="100000"/>
         </a:lnSpc>
@@ -6745,7 +6897,7 @@
           <a:srgbClr val="000000"/>
         </a:buClr>
         <a:buFont typeface="Arial"/>
-        <a:defRPr b="0" i="0" sz="1400" u="none" cap="none" strike="noStrike">
+        <a:defRPr sz="1400" b="0" i="0" u="none" strike="noStrike" cap="none">
           <a:solidFill>
             <a:srgbClr val="000000"/>
           </a:solidFill>
@@ -6757,7 +6909,7 @@
       </a:lvl9pPr>
     </p:bodyStyle>
     <p:otherStyle>
-      <a:defPPr lvl="0" marR="0" rtl="0" algn="l">
+      <a:defPPr marR="0" lvl="0" algn="l" rtl="0">
         <a:lnSpc>
           <a:spcPct val="100000"/>
         </a:lnSpc>
@@ -6768,7 +6920,7 @@
           <a:spcPts val="0"/>
         </a:spcAft>
       </a:defPPr>
-      <a:lvl1pPr lvl="0" marR="0" rtl="0" algn="l">
+      <a:lvl1pPr marR="0" lvl="0" algn="l" rtl="0">
         <a:lnSpc>
           <a:spcPct val="100000"/>
         </a:lnSpc>
@@ -6782,7 +6934,7 @@
           <a:srgbClr val="000000"/>
         </a:buClr>
         <a:buFont typeface="Arial"/>
-        <a:defRPr b="0" i="0" sz="1400" u="none" cap="none" strike="noStrike">
+        <a:defRPr sz="1400" b="0" i="0" u="none" strike="noStrike" cap="none">
           <a:solidFill>
             <a:srgbClr val="000000"/>
           </a:solidFill>
@@ -6792,7 +6944,7 @@
           <a:sym typeface="Arial"/>
         </a:defRPr>
       </a:lvl1pPr>
-      <a:lvl2pPr lvl="1" marR="0" rtl="0" algn="l">
+      <a:lvl2pPr marR="0" lvl="1" algn="l" rtl="0">
         <a:lnSpc>
           <a:spcPct val="100000"/>
         </a:lnSpc>
@@ -6806,7 +6958,7 @@
           <a:srgbClr val="000000"/>
         </a:buClr>
         <a:buFont typeface="Arial"/>
-        <a:defRPr b="0" i="0" sz="1400" u="none" cap="none" strike="noStrike">
+        <a:defRPr sz="1400" b="0" i="0" u="none" strike="noStrike" cap="none">
           <a:solidFill>
             <a:srgbClr val="000000"/>
           </a:solidFill>
@@ -6816,7 +6968,7 @@
           <a:sym typeface="Arial"/>
         </a:defRPr>
       </a:lvl2pPr>
-      <a:lvl3pPr lvl="2" marR="0" rtl="0" algn="l">
+      <a:lvl3pPr marR="0" lvl="2" algn="l" rtl="0">
         <a:lnSpc>
           <a:spcPct val="100000"/>
         </a:lnSpc>
@@ -6830,7 +6982,7 @@
           <a:srgbClr val="000000"/>
         </a:buClr>
         <a:buFont typeface="Arial"/>
-        <a:defRPr b="0" i="0" sz="1400" u="none" cap="none" strike="noStrike">
+        <a:defRPr sz="1400" b="0" i="0" u="none" strike="noStrike" cap="none">
           <a:solidFill>
             <a:srgbClr val="000000"/>
           </a:solidFill>
@@ -6840,7 +6992,7 @@
           <a:sym typeface="Arial"/>
         </a:defRPr>
       </a:lvl3pPr>
-      <a:lvl4pPr lvl="3" marR="0" rtl="0" algn="l">
+      <a:lvl4pPr marR="0" lvl="3" algn="l" rtl="0">
         <a:lnSpc>
           <a:spcPct val="100000"/>
         </a:lnSpc>
@@ -6854,7 +7006,7 @@
           <a:srgbClr val="000000"/>
         </a:buClr>
         <a:buFont typeface="Arial"/>
-        <a:defRPr b="0" i="0" sz="1400" u="none" cap="none" strike="noStrike">
+        <a:defRPr sz="1400" b="0" i="0" u="none" strike="noStrike" cap="none">
           <a:solidFill>
             <a:srgbClr val="000000"/>
           </a:solidFill>
@@ -6864,7 +7016,7 @@
           <a:sym typeface="Arial"/>
         </a:defRPr>
       </a:lvl4pPr>
-      <a:lvl5pPr lvl="4" marR="0" rtl="0" algn="l">
+      <a:lvl5pPr marR="0" lvl="4" algn="l" rtl="0">
         <a:lnSpc>
           <a:spcPct val="100000"/>
         </a:lnSpc>
@@ -6878,7 +7030,7 @@
           <a:srgbClr val="000000"/>
         </a:buClr>
         <a:buFont typeface="Arial"/>
-        <a:defRPr b="0" i="0" sz="1400" u="none" cap="none" strike="noStrike">
+        <a:defRPr sz="1400" b="0" i="0" u="none" strike="noStrike" cap="none">
           <a:solidFill>
             <a:srgbClr val="000000"/>
           </a:solidFill>
@@ -6888,7 +7040,7 @@
           <a:sym typeface="Arial"/>
         </a:defRPr>
       </a:lvl5pPr>
-      <a:lvl6pPr lvl="5" marR="0" rtl="0" algn="l">
+      <a:lvl6pPr marR="0" lvl="5" algn="l" rtl="0">
         <a:lnSpc>
           <a:spcPct val="100000"/>
         </a:lnSpc>
@@ -6902,7 +7054,7 @@
           <a:srgbClr val="000000"/>
         </a:buClr>
         <a:buFont typeface="Arial"/>
-        <a:defRPr b="0" i="0" sz="1400" u="none" cap="none" strike="noStrike">
+        <a:defRPr sz="1400" b="0" i="0" u="none" strike="noStrike" cap="none">
           <a:solidFill>
             <a:srgbClr val="000000"/>
           </a:solidFill>
@@ -6912,7 +7064,7 @@
           <a:sym typeface="Arial"/>
         </a:defRPr>
       </a:lvl6pPr>
-      <a:lvl7pPr lvl="6" marR="0" rtl="0" algn="l">
+      <a:lvl7pPr marR="0" lvl="6" algn="l" rtl="0">
         <a:lnSpc>
           <a:spcPct val="100000"/>
         </a:lnSpc>
@@ -6926,7 +7078,7 @@
           <a:srgbClr val="000000"/>
         </a:buClr>
         <a:buFont typeface="Arial"/>
-        <a:defRPr b="0" i="0" sz="1400" u="none" cap="none" strike="noStrike">
+        <a:defRPr sz="1400" b="0" i="0" u="none" strike="noStrike" cap="none">
           <a:solidFill>
             <a:srgbClr val="000000"/>
           </a:solidFill>
@@ -6936,7 +7088,7 @@
           <a:sym typeface="Arial"/>
         </a:defRPr>
       </a:lvl7pPr>
-      <a:lvl8pPr lvl="7" marR="0" rtl="0" algn="l">
+      <a:lvl8pPr marR="0" lvl="7" algn="l" rtl="0">
         <a:lnSpc>
           <a:spcPct val="100000"/>
         </a:lnSpc>
@@ -6950,7 +7102,7 @@
           <a:srgbClr val="000000"/>
         </a:buClr>
         <a:buFont typeface="Arial"/>
-        <a:defRPr b="0" i="0" sz="1400" u="none" cap="none" strike="noStrike">
+        <a:defRPr sz="1400" b="0" i="0" u="none" strike="noStrike" cap="none">
           <a:solidFill>
             <a:srgbClr val="000000"/>
           </a:solidFill>
@@ -6960,7 +7112,7 @@
           <a:sym typeface="Arial"/>
         </a:defRPr>
       </a:lvl8pPr>
-      <a:lvl9pPr lvl="8" marR="0" rtl="0" algn="l">
+      <a:lvl9pPr marR="0" lvl="8" algn="l" rtl="0">
         <a:lnSpc>
           <a:spcPct val="100000"/>
         </a:lnSpc>
@@ -6974,7 +7126,7 @@
           <a:srgbClr val="000000"/>
         </a:buClr>
         <a:buFont typeface="Arial"/>
-        <a:defRPr b="0" i="0" sz="1400" u="none" cap="none" strike="noStrike">
+        <a:defRPr sz="1400" b="0" i="0" u="none" strike="noStrike" cap="none">
           <a:solidFill>
             <a:srgbClr val="000000"/>
           </a:solidFill>
@@ -6990,11 +7142,11 @@
 </file>
 
 <file path=ppt/slides/slide1.xml><?xml version="1.0" encoding="utf-8"?>
-<p:sld xmlns:a="http://schemas.openxmlformats.org/drawingml/2006/main" xmlns:r="http://schemas.openxmlformats.org/officeDocument/2006/relationships" xmlns:mc="http://schemas.openxmlformats.org/markup-compatibility/2006" xmlns:mv="urn:schemas-microsoft-com:mac:vml" xmlns:p="http://schemas.openxmlformats.org/presentationml/2006/main" xmlns:c="http://schemas.openxmlformats.org/drawingml/2006/chart" xmlns:dgm="http://schemas.openxmlformats.org/drawingml/2006/diagram" xmlns:o="urn:schemas-microsoft-com:office:office" xmlns:v="urn:schemas-microsoft-com:vml" xmlns:pvml="urn:schemas-microsoft-com:office:powerpoint" xmlns:com="http://schemas.openxmlformats.org/drawingml/2006/compatibility" xmlns:p14="http://schemas.microsoft.com/office/powerpoint/2010/main" xmlns:p15="http://schemas.microsoft.com/office/powerpoint/2012/main">
+<p:sld xmlns:a="http://schemas.openxmlformats.org/drawingml/2006/main" xmlns:r="http://schemas.openxmlformats.org/officeDocument/2006/relationships" xmlns:p="http://schemas.openxmlformats.org/presentationml/2006/main">
   <p:cSld>
     <p:spTree>
       <p:nvGrpSpPr>
-        <p:cNvPr id="65" name="Shape 65"/>
+        <p:cNvPr id="1" name="Shape 65"/>
         <p:cNvGrpSpPr/>
         <p:nvPr/>
       </p:nvGrpSpPr>
@@ -7009,7 +7161,9 @@
       <p:sp>
         <p:nvSpPr>
           <p:cNvPr id="66" name="Google Shape;66;p13"/>
-          <p:cNvSpPr txBox="1"/>
+          <p:cNvSpPr txBox="1">
+            <a:spLocks noGrp="1"/>
+          </p:cNvSpPr>
           <p:nvPr>
             <p:ph type="ctrTitle"/>
           </p:nvPr>
@@ -7024,12 +7178,12 @@
           </a:prstGeom>
         </p:spPr>
         <p:txBody>
-          <a:bodyPr anchorCtr="0" anchor="b" bIns="91425" lIns="91425" spcFirstLastPara="1" rIns="91425" wrap="square" tIns="91425">
+          <a:bodyPr spcFirstLastPara="1" wrap="square" lIns="91425" tIns="91425" rIns="91425" bIns="91425" anchor="b" anchorCtr="0">
             <a:noAutofit/>
           </a:bodyPr>
           <a:lstStyle/>
           <a:p>
-            <a:pPr indent="0" lvl="0" marL="0" rtl="0" algn="ctr">
+            <a:pPr marL="0" lvl="0" indent="0" algn="ctr" rtl="0">
               <a:spcBef>
                 <a:spcPts val="0"/>
               </a:spcBef>
@@ -7049,9 +7203,11 @@
       <p:sp>
         <p:nvSpPr>
           <p:cNvPr id="67" name="Google Shape;67;p13"/>
-          <p:cNvSpPr txBox="1"/>
+          <p:cNvSpPr txBox="1">
+            <a:spLocks noGrp="1"/>
+          </p:cNvSpPr>
           <p:nvPr>
-            <p:ph idx="1" type="subTitle"/>
+            <p:ph type="subTitle" idx="1"/>
           </p:nvPr>
         </p:nvSpPr>
         <p:spPr>
@@ -7064,12 +7220,12 @@
           </a:prstGeom>
         </p:spPr>
         <p:txBody>
-          <a:bodyPr anchorCtr="0" anchor="t" bIns="91425" lIns="91425" spcFirstLastPara="1" rIns="91425" wrap="square" tIns="91425">
+          <a:bodyPr spcFirstLastPara="1" wrap="square" lIns="91425" tIns="91425" rIns="91425" bIns="91425" anchor="t" anchorCtr="0">
             <a:noAutofit/>
           </a:bodyPr>
           <a:lstStyle/>
           <a:p>
-            <a:pPr indent="0" lvl="0" marL="0" rtl="0" algn="ctr">
+            <a:pPr marL="0" lvl="0" indent="0" algn="ctr" rtl="0">
               <a:spcBef>
                 <a:spcPts val="0"/>
               </a:spcBef>
@@ -7106,12 +7262,12 @@
           </a:ln>
         </p:spPr>
         <p:txBody>
-          <a:bodyPr anchorCtr="0" anchor="t" bIns="91425" lIns="91425" spcFirstLastPara="1" rIns="91425" wrap="square" tIns="91425">
+          <a:bodyPr spcFirstLastPara="1" wrap="square" lIns="91425" tIns="91425" rIns="91425" bIns="91425" anchor="t" anchorCtr="0">
             <a:noAutofit/>
           </a:bodyPr>
           <a:lstStyle/>
           <a:p>
-            <a:pPr indent="0" lvl="0" marL="0" rtl="0" algn="l">
+            <a:pPr marL="0" lvl="0" indent="0" algn="l" rtl="0">
               <a:spcBef>
                 <a:spcPts val="0"/>
               </a:spcBef>
@@ -7147,11 +7303,11 @@
 </file>
 
 <file path=ppt/slides/slide2.xml><?xml version="1.0" encoding="utf-8"?>
-<p:sld xmlns:a="http://schemas.openxmlformats.org/drawingml/2006/main" xmlns:r="http://schemas.openxmlformats.org/officeDocument/2006/relationships" xmlns:mc="http://schemas.openxmlformats.org/markup-compatibility/2006" xmlns:mv="urn:schemas-microsoft-com:mac:vml" xmlns:p="http://schemas.openxmlformats.org/presentationml/2006/main" xmlns:c="http://schemas.openxmlformats.org/drawingml/2006/chart" xmlns:dgm="http://schemas.openxmlformats.org/drawingml/2006/diagram" xmlns:o="urn:schemas-microsoft-com:office:office" xmlns:v="urn:schemas-microsoft-com:vml" xmlns:pvml="urn:schemas-microsoft-com:office:powerpoint" xmlns:com="http://schemas.openxmlformats.org/drawingml/2006/compatibility" xmlns:p14="http://schemas.microsoft.com/office/powerpoint/2010/main" xmlns:p15="http://schemas.microsoft.com/office/powerpoint/2012/main">
+<p:sld xmlns:a="http://schemas.openxmlformats.org/drawingml/2006/main" xmlns:r="http://schemas.openxmlformats.org/officeDocument/2006/relationships" xmlns:p="http://schemas.openxmlformats.org/presentationml/2006/main">
   <p:cSld>
     <p:spTree>
       <p:nvGrpSpPr>
-        <p:cNvPr id="72" name="Shape 72"/>
+        <p:cNvPr id="1" name="Shape 72"/>
         <p:cNvGrpSpPr/>
         <p:nvPr/>
       </p:nvGrpSpPr>
@@ -7166,7 +7322,9 @@
       <p:sp>
         <p:nvSpPr>
           <p:cNvPr id="73" name="Google Shape;73;p14"/>
-          <p:cNvSpPr txBox="1"/>
+          <p:cNvSpPr txBox="1">
+            <a:spLocks noGrp="1"/>
+          </p:cNvSpPr>
           <p:nvPr>
             <p:ph type="title"/>
           </p:nvPr>
@@ -7181,12 +7339,12 @@
           </a:prstGeom>
         </p:spPr>
         <p:txBody>
-          <a:bodyPr anchorCtr="0" anchor="t" bIns="91425" lIns="91425" spcFirstLastPara="1" rIns="91425" wrap="square" tIns="91425">
+          <a:bodyPr spcFirstLastPara="1" wrap="square" lIns="91425" tIns="91425" rIns="91425" bIns="91425" anchor="t" anchorCtr="0">
             <a:noAutofit/>
           </a:bodyPr>
           <a:lstStyle/>
           <a:p>
-            <a:pPr indent="0" lvl="0" marL="0" rtl="0" algn="l">
+            <a:pPr marL="0" lvl="0" indent="0" algn="l" rtl="0">
               <a:spcBef>
                 <a:spcPts val="0"/>
               </a:spcBef>
@@ -7206,9 +7364,11 @@
       <p:sp>
         <p:nvSpPr>
           <p:cNvPr id="74" name="Google Shape;74;p14"/>
-          <p:cNvSpPr txBox="1"/>
+          <p:cNvSpPr txBox="1">
+            <a:spLocks noGrp="1"/>
+          </p:cNvSpPr>
           <p:nvPr>
-            <p:ph idx="1" type="body"/>
+            <p:ph type="body" idx="1"/>
           </p:nvPr>
         </p:nvSpPr>
         <p:spPr>
@@ -7221,12 +7381,12 @@
           </a:prstGeom>
         </p:spPr>
         <p:txBody>
-          <a:bodyPr anchorCtr="0" anchor="t" bIns="91425" lIns="91425" spcFirstLastPara="1" rIns="91425" wrap="square" tIns="91425">
+          <a:bodyPr spcFirstLastPara="1" wrap="square" lIns="91425" tIns="91425" rIns="91425" bIns="91425" anchor="t" anchorCtr="0">
             <a:noAutofit/>
           </a:bodyPr>
           <a:lstStyle/>
           <a:p>
-            <a:pPr indent="0" lvl="0" marL="0" rtl="0" algn="l">
+            <a:pPr marL="0" lvl="0" indent="0" algn="l" rtl="0">
               <a:spcBef>
                 <a:spcPts val="0"/>
               </a:spcBef>
@@ -7236,21 +7396,13 @@
               <a:buNone/>
             </a:pPr>
             <a:r>
-              <a:rPr lang="en"/>
-              <a:t>“Blast Force” is a fast-paced 2D platformer, using </a:t>
+              <a:rPr lang="en" dirty="0"/>
+              <a:t>“Blast Force” is a fast-paced 3D platformer, using rocket jumping mechanics to explore and traverse various areas, grabbing the key object, then racing back to the start against a timer.</a:t>
             </a:r>
-            <a:r>
-              <a:rPr lang="en"/>
-              <a:t>rocket</a:t>
-            </a:r>
-            <a:r>
-              <a:rPr lang="en"/>
-              <a:t> jumping mechanics to explore and traverse various areas, grabbing the key object, then racing back to the start against a timer.</a:t>
-            </a:r>
-            <a:endParaRPr/>
+            <a:endParaRPr dirty="0"/>
           </a:p>
           <a:p>
-            <a:pPr indent="-342900" lvl="0" marL="457200" rtl="0" algn="l">
+            <a:pPr marL="457200" lvl="0" indent="-342900" algn="l" rtl="0">
               <a:spcBef>
                 <a:spcPts val="1600"/>
               </a:spcBef>
@@ -7261,13 +7413,13 @@
               <a:buChar char="●"/>
             </a:pPr>
             <a:r>
-              <a:rPr lang="en"/>
+              <a:rPr lang="en" dirty="0"/>
               <a:t>Key mechanics is 360 degree firing of rockets while platforming to get through enemies, obstacles, or fire yourself to go faster or platform</a:t>
             </a:r>
-            <a:endParaRPr/>
+            <a:endParaRPr dirty="0"/>
           </a:p>
           <a:p>
-            <a:pPr indent="-342900" lvl="0" marL="457200" rtl="0" algn="l">
+            <a:pPr marL="457200" lvl="0" indent="-342900" algn="l" rtl="0">
               <a:spcBef>
                 <a:spcPts val="0"/>
               </a:spcBef>
@@ -7278,10 +7430,10 @@
               <a:buChar char="●"/>
             </a:pPr>
             <a:r>
-              <a:rPr lang="en"/>
+              <a:rPr lang="en" dirty="0"/>
               <a:t>The story is about a walking tank named Sherman and his treasure hunting adventures to find the legendary Chekov’s Firing Pin</a:t>
             </a:r>
-            <a:endParaRPr/>
+            <a:endParaRPr dirty="0"/>
           </a:p>
         </p:txBody>
       </p:sp>
@@ -7322,11 +7474,11 @@
 </file>
 
 <file path=ppt/slides/slide3.xml><?xml version="1.0" encoding="utf-8"?>
-<p:sld xmlns:a="http://schemas.openxmlformats.org/drawingml/2006/main" xmlns:r="http://schemas.openxmlformats.org/officeDocument/2006/relationships" xmlns:mc="http://schemas.openxmlformats.org/markup-compatibility/2006" xmlns:mv="urn:schemas-microsoft-com:mac:vml" xmlns:p="http://schemas.openxmlformats.org/presentationml/2006/main" xmlns:c="http://schemas.openxmlformats.org/drawingml/2006/chart" xmlns:dgm="http://schemas.openxmlformats.org/drawingml/2006/diagram" xmlns:o="urn:schemas-microsoft-com:office:office" xmlns:v="urn:schemas-microsoft-com:vml" xmlns:pvml="urn:schemas-microsoft-com:office:powerpoint" xmlns:com="http://schemas.openxmlformats.org/drawingml/2006/compatibility" xmlns:p14="http://schemas.microsoft.com/office/powerpoint/2010/main" xmlns:p15="http://schemas.microsoft.com/office/powerpoint/2012/main">
+<p:sld xmlns:a="http://schemas.openxmlformats.org/drawingml/2006/main" xmlns:r="http://schemas.openxmlformats.org/officeDocument/2006/relationships" xmlns:p="http://schemas.openxmlformats.org/presentationml/2006/main">
   <p:cSld>
     <p:spTree>
       <p:nvGrpSpPr>
-        <p:cNvPr id="79" name="Shape 79"/>
+        <p:cNvPr id="1" name="Shape 79"/>
         <p:cNvGrpSpPr/>
         <p:nvPr/>
       </p:nvGrpSpPr>
@@ -7341,7 +7493,9 @@
       <p:sp>
         <p:nvSpPr>
           <p:cNvPr id="80" name="Google Shape;80;p15"/>
-          <p:cNvSpPr txBox="1"/>
+          <p:cNvSpPr txBox="1">
+            <a:spLocks noGrp="1"/>
+          </p:cNvSpPr>
           <p:nvPr>
             <p:ph type="title"/>
           </p:nvPr>
@@ -7356,12 +7510,12 @@
           </a:prstGeom>
         </p:spPr>
         <p:txBody>
-          <a:bodyPr anchorCtr="0" anchor="t" bIns="91425" lIns="91425" spcFirstLastPara="1" rIns="91425" wrap="square" tIns="91425">
+          <a:bodyPr spcFirstLastPara="1" wrap="square" lIns="91425" tIns="91425" rIns="91425" bIns="91425" anchor="t" anchorCtr="0">
             <a:noAutofit/>
           </a:bodyPr>
           <a:lstStyle/>
           <a:p>
-            <a:pPr indent="0" lvl="0" marL="0" rtl="0" algn="l">
+            <a:pPr marL="0" lvl="0" indent="0" algn="l" rtl="0">
               <a:spcBef>
                 <a:spcPts val="0"/>
               </a:spcBef>
@@ -7381,9 +7535,11 @@
       <p:sp>
         <p:nvSpPr>
           <p:cNvPr id="81" name="Google Shape;81;p15"/>
-          <p:cNvSpPr txBox="1"/>
+          <p:cNvSpPr txBox="1">
+            <a:spLocks noGrp="1"/>
+          </p:cNvSpPr>
           <p:nvPr>
-            <p:ph idx="1" type="body"/>
+            <p:ph type="body" idx="1"/>
           </p:nvPr>
         </p:nvSpPr>
         <p:spPr>
@@ -7396,12 +7552,12 @@
           </a:prstGeom>
         </p:spPr>
         <p:txBody>
-          <a:bodyPr anchorCtr="0" anchor="t" bIns="91425" lIns="91425" spcFirstLastPara="1" rIns="91425" wrap="square" tIns="91425">
+          <a:bodyPr spcFirstLastPara="1" wrap="square" lIns="91425" tIns="91425" rIns="91425" bIns="91425" anchor="t" anchorCtr="0">
             <a:noAutofit/>
           </a:bodyPr>
           <a:lstStyle/>
           <a:p>
-            <a:pPr indent="0" lvl="0" marL="0" rtl="0" algn="l">
+            <a:pPr marL="0" lvl="0" indent="0" algn="l" rtl="0">
               <a:spcBef>
                 <a:spcPts val="0"/>
               </a:spcBef>
@@ -7412,15 +7568,7 @@
             </a:pPr>
             <a:r>
               <a:rPr lang="en"/>
-              <a:t>Our preferred ESRB rating is E 10+ due to comic </a:t>
-            </a:r>
-            <a:r>
-              <a:rPr lang="en"/>
-              <a:t>mischief</a:t>
-            </a:r>
-            <a:r>
-              <a:rPr lang="en"/>
-              <a:t> and themes of the game, our target audience is everyone above the age 10.</a:t>
+              <a:t>Our preferred ESRB rating is E 10+ due to comic mischief and themes of the game, our target audience is everyone above the age 10.</a:t>
             </a:r>
             <a:endParaRPr/>
           </a:p>
@@ -7436,7 +7584,7 @@
           <a:blip r:embed="rId3">
             <a:alphaModFix/>
           </a:blip>
-          <a:srcRect b="13938" l="0" r="0" t="11921"/>
+          <a:srcRect t="11921" b="13938"/>
           <a:stretch/>
         </p:blipFill>
         <p:spPr>
@@ -7462,11 +7610,11 @@
 </file>
 
 <file path=ppt/slides/slide4.xml><?xml version="1.0" encoding="utf-8"?>
-<p:sld xmlns:a="http://schemas.openxmlformats.org/drawingml/2006/main" xmlns:r="http://schemas.openxmlformats.org/officeDocument/2006/relationships" xmlns:mc="http://schemas.openxmlformats.org/markup-compatibility/2006" xmlns:mv="urn:schemas-microsoft-com:mac:vml" xmlns:p="http://schemas.openxmlformats.org/presentationml/2006/main" xmlns:c="http://schemas.openxmlformats.org/drawingml/2006/chart" xmlns:dgm="http://schemas.openxmlformats.org/drawingml/2006/diagram" xmlns:o="urn:schemas-microsoft-com:office:office" xmlns:v="urn:schemas-microsoft-com:vml" xmlns:pvml="urn:schemas-microsoft-com:office:powerpoint" xmlns:com="http://schemas.openxmlformats.org/drawingml/2006/compatibility" xmlns:p14="http://schemas.microsoft.com/office/powerpoint/2010/main" xmlns:p15="http://schemas.microsoft.com/office/powerpoint/2012/main">
+<p:sld xmlns:a="http://schemas.openxmlformats.org/drawingml/2006/main" xmlns:r="http://schemas.openxmlformats.org/officeDocument/2006/relationships" xmlns:p="http://schemas.openxmlformats.org/presentationml/2006/main">
   <p:cSld>
     <p:spTree>
       <p:nvGrpSpPr>
-        <p:cNvPr id="86" name="Shape 86"/>
+        <p:cNvPr id="1" name="Shape 86"/>
         <p:cNvGrpSpPr/>
         <p:nvPr/>
       </p:nvGrpSpPr>
@@ -7481,7 +7629,9 @@
       <p:sp>
         <p:nvSpPr>
           <p:cNvPr id="87" name="Google Shape;87;p16"/>
-          <p:cNvSpPr txBox="1"/>
+          <p:cNvSpPr txBox="1">
+            <a:spLocks noGrp="1"/>
+          </p:cNvSpPr>
           <p:nvPr>
             <p:ph type="title"/>
           </p:nvPr>
@@ -7496,12 +7646,12 @@
           </a:prstGeom>
         </p:spPr>
         <p:txBody>
-          <a:bodyPr anchorCtr="0" anchor="t" bIns="91425" lIns="91425" spcFirstLastPara="1" rIns="91425" wrap="square" tIns="91425">
+          <a:bodyPr spcFirstLastPara="1" wrap="square" lIns="91425" tIns="91425" rIns="91425" bIns="91425" anchor="t" anchorCtr="0">
             <a:noAutofit/>
           </a:bodyPr>
           <a:lstStyle/>
           <a:p>
-            <a:pPr indent="0" lvl="0" marL="0" rtl="0" algn="l">
+            <a:pPr marL="0" lvl="0" indent="0" algn="l" rtl="0">
               <a:spcBef>
                 <a:spcPts val="0"/>
               </a:spcBef>
@@ -7521,9 +7671,11 @@
       <p:sp>
         <p:nvSpPr>
           <p:cNvPr id="88" name="Google Shape;88;p16"/>
-          <p:cNvSpPr txBox="1"/>
+          <p:cNvSpPr txBox="1">
+            <a:spLocks noGrp="1"/>
+          </p:cNvSpPr>
           <p:nvPr>
-            <p:ph idx="1" type="body"/>
+            <p:ph type="body" idx="1"/>
           </p:nvPr>
         </p:nvSpPr>
         <p:spPr>
@@ -7536,12 +7688,12 @@
           </a:prstGeom>
         </p:spPr>
         <p:txBody>
-          <a:bodyPr anchorCtr="0" anchor="t" bIns="91425" lIns="91425" spcFirstLastPara="1" rIns="91425" wrap="square" tIns="91425">
+          <a:bodyPr spcFirstLastPara="1" wrap="square" lIns="91425" tIns="91425" rIns="91425" bIns="91425" anchor="t" anchorCtr="0">
             <a:noAutofit/>
           </a:bodyPr>
           <a:lstStyle/>
           <a:p>
-            <a:pPr indent="-342900" lvl="0" marL="457200" rtl="0" algn="l">
+            <a:pPr marL="457200" lvl="0" indent="-342900" algn="l" rtl="0">
               <a:spcBef>
                 <a:spcPts val="0"/>
               </a:spcBef>
@@ -7558,7 +7710,7 @@
             <a:endParaRPr/>
           </a:p>
           <a:p>
-            <a:pPr indent="0" lvl="0" marL="0" rtl="0" algn="l">
+            <a:pPr marL="0" lvl="0" indent="0" algn="l" rtl="0">
               <a:spcBef>
                 <a:spcPts val="1600"/>
               </a:spcBef>
@@ -7567,9 +7719,6 @@
               </a:spcAft>
               <a:buNone/>
             </a:pPr>
-            <a:r>
-              <a:t/>
-            </a:r>
             <a:endParaRPr/>
           </a:p>
         </p:txBody>
@@ -7639,11 +7788,11 @@
 </file>
 
 <file path=ppt/slides/slide5.xml><?xml version="1.0" encoding="utf-8"?>
-<p:sld xmlns:a="http://schemas.openxmlformats.org/drawingml/2006/main" xmlns:r="http://schemas.openxmlformats.org/officeDocument/2006/relationships" xmlns:mc="http://schemas.openxmlformats.org/markup-compatibility/2006" xmlns:mv="urn:schemas-microsoft-com:mac:vml" xmlns:p="http://schemas.openxmlformats.org/presentationml/2006/main" xmlns:c="http://schemas.openxmlformats.org/drawingml/2006/chart" xmlns:dgm="http://schemas.openxmlformats.org/drawingml/2006/diagram" xmlns:o="urn:schemas-microsoft-com:office:office" xmlns:v="urn:schemas-microsoft-com:vml" xmlns:pvml="urn:schemas-microsoft-com:office:powerpoint" xmlns:com="http://schemas.openxmlformats.org/drawingml/2006/compatibility" xmlns:p14="http://schemas.microsoft.com/office/powerpoint/2010/main" xmlns:p15="http://schemas.microsoft.com/office/powerpoint/2012/main">
+<p:sld xmlns:a="http://schemas.openxmlformats.org/drawingml/2006/main" xmlns:r="http://schemas.openxmlformats.org/officeDocument/2006/relationships" xmlns:p="http://schemas.openxmlformats.org/presentationml/2006/main">
   <p:cSld>
     <p:spTree>
       <p:nvGrpSpPr>
-        <p:cNvPr id="94" name="Shape 94"/>
+        <p:cNvPr id="1" name="Shape 94"/>
         <p:cNvGrpSpPr/>
         <p:nvPr/>
       </p:nvGrpSpPr>
@@ -7658,7 +7807,9 @@
       <p:sp>
         <p:nvSpPr>
           <p:cNvPr id="95" name="Google Shape;95;p17"/>
-          <p:cNvSpPr txBox="1"/>
+          <p:cNvSpPr txBox="1">
+            <a:spLocks noGrp="1"/>
+          </p:cNvSpPr>
           <p:nvPr>
             <p:ph type="title"/>
           </p:nvPr>
@@ -7673,12 +7824,12 @@
           </a:prstGeom>
         </p:spPr>
         <p:txBody>
-          <a:bodyPr anchorCtr="0" anchor="t" bIns="91425" lIns="91425" spcFirstLastPara="1" rIns="91425" wrap="square" tIns="91425">
+          <a:bodyPr spcFirstLastPara="1" wrap="square" lIns="91425" tIns="91425" rIns="91425" bIns="91425" anchor="t" anchorCtr="0">
             <a:noAutofit/>
           </a:bodyPr>
           <a:lstStyle/>
           <a:p>
-            <a:pPr indent="0" lvl="0" marL="0" rtl="0" algn="l">
+            <a:pPr marL="0" lvl="0" indent="0" algn="l" rtl="0">
               <a:spcBef>
                 <a:spcPts val="0"/>
               </a:spcBef>
@@ -7698,9 +7849,11 @@
       <p:sp>
         <p:nvSpPr>
           <p:cNvPr id="96" name="Google Shape;96;p17"/>
-          <p:cNvSpPr txBox="1"/>
+          <p:cNvSpPr txBox="1">
+            <a:spLocks noGrp="1"/>
+          </p:cNvSpPr>
           <p:nvPr>
-            <p:ph idx="1" type="body"/>
+            <p:ph type="body" idx="1"/>
           </p:nvPr>
         </p:nvSpPr>
         <p:spPr>
@@ -7713,12 +7866,12 @@
           </a:prstGeom>
         </p:spPr>
         <p:txBody>
-          <a:bodyPr anchorCtr="0" anchor="t" bIns="91425" lIns="91425" spcFirstLastPara="1" rIns="91425" wrap="square" tIns="91425">
+          <a:bodyPr spcFirstLastPara="1" wrap="square" lIns="91425" tIns="91425" rIns="91425" bIns="91425" anchor="t" anchorCtr="0">
             <a:noAutofit/>
           </a:bodyPr>
           <a:lstStyle/>
           <a:p>
-            <a:pPr indent="-342900" lvl="0" marL="457200" rtl="0" algn="l">
+            <a:pPr marL="457200" lvl="0" indent="-342900" algn="l" rtl="0">
               <a:spcBef>
                 <a:spcPts val="0"/>
               </a:spcBef>
@@ -7735,7 +7888,7 @@
             <a:endParaRPr/>
           </a:p>
           <a:p>
-            <a:pPr indent="0" lvl="0" marL="457200" rtl="0" algn="l">
+            <a:pPr marL="457200" lvl="0" indent="0" algn="l" rtl="0">
               <a:spcBef>
                 <a:spcPts val="1600"/>
               </a:spcBef>
@@ -7744,13 +7897,10 @@
               </a:spcAft>
               <a:buNone/>
             </a:pPr>
-            <a:r>
-              <a:t/>
-            </a:r>
             <a:endParaRPr/>
           </a:p>
           <a:p>
-            <a:pPr indent="-342900" lvl="0" marL="457200" rtl="0" algn="l">
+            <a:pPr marL="457200" lvl="0" indent="-342900" algn="l" rtl="0">
               <a:spcBef>
                 <a:spcPts val="1600"/>
               </a:spcBef>
@@ -7767,7 +7917,7 @@
             <a:endParaRPr/>
           </a:p>
           <a:p>
-            <a:pPr indent="0" lvl="0" marL="457200" rtl="0" algn="l">
+            <a:pPr marL="457200" lvl="0" indent="0" algn="l" rtl="0">
               <a:spcBef>
                 <a:spcPts val="1600"/>
               </a:spcBef>
@@ -7776,13 +7926,10 @@
               </a:spcAft>
               <a:buNone/>
             </a:pPr>
-            <a:r>
-              <a:t/>
-            </a:r>
             <a:endParaRPr/>
           </a:p>
           <a:p>
-            <a:pPr indent="-342900" lvl="0" marL="457200" rtl="0" algn="l">
+            <a:pPr marL="457200" lvl="0" indent="-342900" algn="l" rtl="0">
               <a:spcBef>
                 <a:spcPts val="1600"/>
               </a:spcBef>
@@ -7799,7 +7946,7 @@
             <a:endParaRPr/>
           </a:p>
           <a:p>
-            <a:pPr indent="0" lvl="0" marL="0" rtl="0" algn="l">
+            <a:pPr marL="0" lvl="0" indent="0" algn="l" rtl="0">
               <a:spcBef>
                 <a:spcPts val="1600"/>
               </a:spcBef>
@@ -7808,13 +7955,10 @@
               </a:spcAft>
               <a:buNone/>
             </a:pPr>
-            <a:r>
-              <a:t/>
-            </a:r>
             <a:endParaRPr/>
           </a:p>
           <a:p>
-            <a:pPr indent="-342900" lvl="0" marL="457200" rtl="0" algn="l">
+            <a:pPr marL="457200" lvl="0" indent="-342900" algn="l" rtl="0">
               <a:spcBef>
                 <a:spcPts val="1600"/>
               </a:spcBef>
@@ -7826,11 +7970,7 @@
             </a:pPr>
             <a:r>
               <a:rPr lang="en"/>
-              <a:t>2D Art Assets: </a:t>
-            </a:r>
-            <a:r>
-              <a:rPr lang="en"/>
-              <a:t>https://www.piskelapp.com/</a:t>
+              <a:t>2D Art Assets: https://www.piskelapp.com/</a:t>
             </a:r>
             <a:endParaRPr/>
           </a:p>
@@ -7873,11 +8013,11 @@
 </file>
 
 <file path=ppt/slides/slide6.xml><?xml version="1.0" encoding="utf-8"?>
-<p:sld xmlns:a="http://schemas.openxmlformats.org/drawingml/2006/main" xmlns:r="http://schemas.openxmlformats.org/officeDocument/2006/relationships" xmlns:mc="http://schemas.openxmlformats.org/markup-compatibility/2006" xmlns:mv="urn:schemas-microsoft-com:mac:vml" xmlns:p="http://schemas.openxmlformats.org/presentationml/2006/main" xmlns:c="http://schemas.openxmlformats.org/drawingml/2006/chart" xmlns:dgm="http://schemas.openxmlformats.org/drawingml/2006/diagram" xmlns:o="urn:schemas-microsoft-com:office:office" xmlns:v="urn:schemas-microsoft-com:vml" xmlns:pvml="urn:schemas-microsoft-com:office:powerpoint" xmlns:com="http://schemas.openxmlformats.org/drawingml/2006/compatibility" xmlns:p14="http://schemas.microsoft.com/office/powerpoint/2010/main" xmlns:p15="http://schemas.microsoft.com/office/powerpoint/2012/main">
+<p:sld xmlns:a="http://schemas.openxmlformats.org/drawingml/2006/main" xmlns:r="http://schemas.openxmlformats.org/officeDocument/2006/relationships" xmlns:p="http://schemas.openxmlformats.org/presentationml/2006/main">
   <p:cSld>
     <p:spTree>
       <p:nvGrpSpPr>
-        <p:cNvPr id="101" name="Shape 101"/>
+        <p:cNvPr id="1" name="Shape 101"/>
         <p:cNvGrpSpPr/>
         <p:nvPr/>
       </p:nvGrpSpPr>
@@ -7892,7 +8032,9 @@
       <p:sp>
         <p:nvSpPr>
           <p:cNvPr id="102" name="Google Shape;102;p18"/>
-          <p:cNvSpPr txBox="1"/>
+          <p:cNvSpPr txBox="1">
+            <a:spLocks noGrp="1"/>
+          </p:cNvSpPr>
           <p:nvPr>
             <p:ph type="title"/>
           </p:nvPr>
@@ -7907,12 +8049,12 @@
           </a:prstGeom>
         </p:spPr>
         <p:txBody>
-          <a:bodyPr anchorCtr="0" anchor="t" bIns="91425" lIns="91425" spcFirstLastPara="1" rIns="91425" wrap="square" tIns="91425">
+          <a:bodyPr spcFirstLastPara="1" wrap="square" lIns="91425" tIns="91425" rIns="91425" bIns="91425" anchor="t" anchorCtr="0">
             <a:noAutofit/>
           </a:bodyPr>
           <a:lstStyle/>
           <a:p>
-            <a:pPr indent="0" lvl="0" marL="0" rtl="0" algn="l">
+            <a:pPr marL="0" lvl="0" indent="0" algn="l" rtl="0">
               <a:spcBef>
                 <a:spcPts val="0"/>
               </a:spcBef>
@@ -7932,9 +8074,11 @@
       <p:sp>
         <p:nvSpPr>
           <p:cNvPr id="103" name="Google Shape;103;p18"/>
-          <p:cNvSpPr txBox="1"/>
+          <p:cNvSpPr txBox="1">
+            <a:spLocks noGrp="1"/>
+          </p:cNvSpPr>
           <p:nvPr>
-            <p:ph idx="1" type="body"/>
+            <p:ph type="body" idx="1"/>
           </p:nvPr>
         </p:nvSpPr>
         <p:spPr>
@@ -7947,12 +8091,12 @@
           </a:prstGeom>
         </p:spPr>
         <p:txBody>
-          <a:bodyPr anchorCtr="0" anchor="t" bIns="91425" lIns="91425" spcFirstLastPara="1" rIns="91425" wrap="square" tIns="91425">
+          <a:bodyPr spcFirstLastPara="1" wrap="square" lIns="91425" tIns="91425" rIns="91425" bIns="91425" anchor="t" anchorCtr="0">
             <a:noAutofit/>
           </a:bodyPr>
           <a:lstStyle/>
           <a:p>
-            <a:pPr indent="0" lvl="0" marL="0" rtl="0" algn="l">
+            <a:pPr marL="0" lvl="0" indent="0" algn="l" rtl="0">
               <a:spcBef>
                 <a:spcPts val="0"/>
               </a:spcBef>
@@ -8062,11 +8206,11 @@
 </file>
 
 <file path=ppt/slides/slide7.xml><?xml version="1.0" encoding="utf-8"?>
-<p:sld xmlns:a="http://schemas.openxmlformats.org/drawingml/2006/main" xmlns:r="http://schemas.openxmlformats.org/officeDocument/2006/relationships" xmlns:mc="http://schemas.openxmlformats.org/markup-compatibility/2006" xmlns:mv="urn:schemas-microsoft-com:mac:vml" xmlns:p="http://schemas.openxmlformats.org/presentationml/2006/main" xmlns:c="http://schemas.openxmlformats.org/drawingml/2006/chart" xmlns:dgm="http://schemas.openxmlformats.org/drawingml/2006/diagram" xmlns:o="urn:schemas-microsoft-com:office:office" xmlns:v="urn:schemas-microsoft-com:vml" xmlns:pvml="urn:schemas-microsoft-com:office:powerpoint" xmlns:com="http://schemas.openxmlformats.org/drawingml/2006/compatibility" xmlns:p14="http://schemas.microsoft.com/office/powerpoint/2010/main" xmlns:p15="http://schemas.microsoft.com/office/powerpoint/2012/main">
+<p:sld xmlns:a="http://schemas.openxmlformats.org/drawingml/2006/main" xmlns:r="http://schemas.openxmlformats.org/officeDocument/2006/relationships" xmlns:p="http://schemas.openxmlformats.org/presentationml/2006/main">
   <p:cSld>
     <p:spTree>
       <p:nvGrpSpPr>
-        <p:cNvPr id="110" name="Shape 110"/>
+        <p:cNvPr id="1" name="Shape 110"/>
         <p:cNvGrpSpPr/>
         <p:nvPr/>
       </p:nvGrpSpPr>
@@ -8081,7 +8225,9 @@
       <p:sp>
         <p:nvSpPr>
           <p:cNvPr id="111" name="Google Shape;111;p19"/>
-          <p:cNvSpPr txBox="1"/>
+          <p:cNvSpPr txBox="1">
+            <a:spLocks noGrp="1"/>
+          </p:cNvSpPr>
           <p:nvPr>
             <p:ph type="title"/>
           </p:nvPr>
@@ -8096,12 +8242,12 @@
           </a:prstGeom>
         </p:spPr>
         <p:txBody>
-          <a:bodyPr anchorCtr="0" anchor="t" bIns="91425" lIns="91425" spcFirstLastPara="1" rIns="91425" wrap="square" tIns="91425">
+          <a:bodyPr spcFirstLastPara="1" wrap="square" lIns="91425" tIns="91425" rIns="91425" bIns="91425" anchor="t" anchorCtr="0">
             <a:noAutofit/>
           </a:bodyPr>
           <a:lstStyle/>
           <a:p>
-            <a:pPr indent="0" lvl="0" marL="0" rtl="0" algn="l">
+            <a:pPr marL="0" lvl="0" indent="0" algn="l" rtl="0">
               <a:spcBef>
                 <a:spcPts val="0"/>
               </a:spcBef>
@@ -8118,214 +8264,1724 @@
           </a:p>
         </p:txBody>
       </p:sp>
-      <p:sp>
-        <p:nvSpPr>
-          <p:cNvPr id="112" name="Google Shape;112;p19"/>
-          <p:cNvSpPr txBox="1"/>
+      <p:graphicFrame>
+        <p:nvGraphicFramePr>
+          <p:cNvPr id="11" name="Content Placeholder 6">
+            <a:extLst>
+              <a:ext uri="{FF2B5EF4-FFF2-40B4-BE49-F238E27FC236}">
+                <a16:creationId xmlns:a16="http://schemas.microsoft.com/office/drawing/2014/main" id="{BB5311D0-0976-4001-A63B-086019007B52}"/>
+              </a:ext>
+            </a:extLst>
+          </p:cNvPr>
+          <p:cNvGraphicFramePr>
+            <a:graphicFrameLocks/>
+          </p:cNvGraphicFramePr>
           <p:nvPr>
-            <p:ph idx="1" type="body"/>
+            <p:extLst>
+              <p:ext uri="{D42A27DB-BD31-4B8C-83A1-F6EECF244321}">
+                <p14:modId xmlns:p14="http://schemas.microsoft.com/office/powerpoint/2010/main" val="938970936"/>
+              </p:ext>
+            </p:extLst>
           </p:nvPr>
-        </p:nvSpPr>
-        <p:spPr>
-          <a:xfrm>
-            <a:off x="311700" y="1266325"/>
-            <a:ext cx="4182000" cy="3302700"/>
-          </a:xfrm>
-          <a:prstGeom prst="rect">
-            <a:avLst/>
-          </a:prstGeom>
-        </p:spPr>
-        <p:txBody>
-          <a:bodyPr anchorCtr="0" anchor="t" bIns="91425" lIns="91425" spcFirstLastPara="1" rIns="91425" wrap="square" tIns="91425">
-            <a:noAutofit/>
-          </a:bodyPr>
-          <a:lstStyle/>
-          <a:p>
-            <a:pPr indent="0" lvl="0" marL="0" rtl="0" algn="l">
-              <a:spcBef>
-                <a:spcPts val="0"/>
-              </a:spcBef>
-              <a:spcAft>
-                <a:spcPts val="0"/>
-              </a:spcAft>
-              <a:buNone/>
-            </a:pPr>
-            <a:r>
-              <a:rPr lang="en"/>
-              <a:t>Jordan- Programming</a:t>
-            </a:r>
-            <a:endParaRPr/>
-          </a:p>
-          <a:p>
-            <a:pPr indent="0" lvl="0" marL="0" rtl="0" algn="l">
-              <a:spcBef>
-                <a:spcPts val="1600"/>
-              </a:spcBef>
-              <a:spcAft>
-                <a:spcPts val="0"/>
-              </a:spcAft>
-              <a:buNone/>
-            </a:pPr>
-            <a:r>
-              <a:rPr lang="en"/>
-              <a:t>Todd- Programming/Art</a:t>
-            </a:r>
-            <a:endParaRPr/>
-          </a:p>
-          <a:p>
-            <a:pPr indent="0" lvl="0" marL="0" rtl="0" algn="l">
-              <a:spcBef>
-                <a:spcPts val="1600"/>
-              </a:spcBef>
-              <a:spcAft>
-                <a:spcPts val="0"/>
-              </a:spcAft>
-              <a:buNone/>
-            </a:pPr>
-            <a:r>
-              <a:rPr lang="en"/>
-              <a:t>Jinyang- Programming/Writing</a:t>
-            </a:r>
-            <a:endParaRPr/>
-          </a:p>
-          <a:p>
-            <a:pPr indent="0" lvl="0" marL="0" rtl="0" algn="l">
-              <a:spcBef>
-                <a:spcPts val="1600"/>
-              </a:spcBef>
-              <a:spcAft>
-                <a:spcPts val="0"/>
-              </a:spcAft>
-              <a:buNone/>
-            </a:pPr>
-            <a:r>
-              <a:rPr lang="en"/>
-              <a:t>Alsalt- Programming/Github Handler</a:t>
-            </a:r>
-            <a:endParaRPr/>
-          </a:p>
-          <a:p>
-            <a:pPr indent="0" lvl="0" marL="0" rtl="0" algn="l">
-              <a:spcBef>
-                <a:spcPts val="1600"/>
-              </a:spcBef>
-              <a:spcAft>
-                <a:spcPts val="0"/>
-              </a:spcAft>
-              <a:buNone/>
-            </a:pPr>
-            <a:r>
-              <a:rPr lang="en"/>
-              <a:t>Abdul- Programming</a:t>
-            </a:r>
-            <a:endParaRPr/>
-          </a:p>
-          <a:p>
-            <a:pPr indent="0" lvl="0" marL="0" rtl="0" algn="l">
-              <a:spcBef>
-                <a:spcPts val="1600"/>
-              </a:spcBef>
-              <a:spcAft>
-                <a:spcPts val="1600"/>
-              </a:spcAft>
-              <a:buNone/>
-            </a:pPr>
-            <a:r>
-              <a:rPr lang="en"/>
-              <a:t>Homero- Programming</a:t>
-            </a:r>
-            <a:endParaRPr/>
-          </a:p>
-        </p:txBody>
-      </p:sp>
-      <p:sp>
-        <p:nvSpPr>
-          <p:cNvPr id="113" name="Google Shape;113;p19"/>
-          <p:cNvSpPr txBox="1"/>
+        </p:nvGraphicFramePr>
+        <p:xfrm>
+          <a:off x="469897" y="1643159"/>
+          <a:ext cx="8128010" cy="2941540"/>
+        </p:xfrm>
+        <a:graphic>
+          <a:graphicData uri="http://schemas.openxmlformats.org/drawingml/2006/table">
+            <a:tbl>
+              <a:tblPr firstRow="1" bandRow="1">
+                <a:tableStyleId>{5C22544A-7EE6-4342-B048-85BDC9FD1C3A}</a:tableStyleId>
+              </a:tblPr>
+              <a:tblGrid>
+                <a:gridCol w="2069091">
+                  <a:extLst>
+                    <a:ext uri="{9D8B030D-6E8A-4147-A177-3AD203B41FA5}">
+                      <a16:colId xmlns:a16="http://schemas.microsoft.com/office/drawing/2014/main" val="1066023589"/>
+                    </a:ext>
+                  </a:extLst>
+                </a:gridCol>
+                <a:gridCol w="356407">
+                  <a:extLst>
+                    <a:ext uri="{9D8B030D-6E8A-4147-A177-3AD203B41FA5}">
+                      <a16:colId xmlns:a16="http://schemas.microsoft.com/office/drawing/2014/main" val="1889826093"/>
+                    </a:ext>
+                  </a:extLst>
+                </a:gridCol>
+                <a:gridCol w="356407">
+                  <a:extLst>
+                    <a:ext uri="{9D8B030D-6E8A-4147-A177-3AD203B41FA5}">
+                      <a16:colId xmlns:a16="http://schemas.microsoft.com/office/drawing/2014/main" val="381556697"/>
+                    </a:ext>
+                  </a:extLst>
+                </a:gridCol>
+                <a:gridCol w="356407">
+                  <a:extLst>
+                    <a:ext uri="{9D8B030D-6E8A-4147-A177-3AD203B41FA5}">
+                      <a16:colId xmlns:a16="http://schemas.microsoft.com/office/drawing/2014/main" val="229884128"/>
+                    </a:ext>
+                  </a:extLst>
+                </a:gridCol>
+                <a:gridCol w="356407">
+                  <a:extLst>
+                    <a:ext uri="{9D8B030D-6E8A-4147-A177-3AD203B41FA5}">
+                      <a16:colId xmlns:a16="http://schemas.microsoft.com/office/drawing/2014/main" val="1035692485"/>
+                    </a:ext>
+                  </a:extLst>
+                </a:gridCol>
+                <a:gridCol w="356407">
+                  <a:extLst>
+                    <a:ext uri="{9D8B030D-6E8A-4147-A177-3AD203B41FA5}">
+                      <a16:colId xmlns:a16="http://schemas.microsoft.com/office/drawing/2014/main" val="618981272"/>
+                    </a:ext>
+                  </a:extLst>
+                </a:gridCol>
+                <a:gridCol w="356407">
+                  <a:extLst>
+                    <a:ext uri="{9D8B030D-6E8A-4147-A177-3AD203B41FA5}">
+                      <a16:colId xmlns:a16="http://schemas.microsoft.com/office/drawing/2014/main" val="1738473071"/>
+                    </a:ext>
+                  </a:extLst>
+                </a:gridCol>
+                <a:gridCol w="356407">
+                  <a:extLst>
+                    <a:ext uri="{9D8B030D-6E8A-4147-A177-3AD203B41FA5}">
+                      <a16:colId xmlns:a16="http://schemas.microsoft.com/office/drawing/2014/main" val="1524928265"/>
+                    </a:ext>
+                  </a:extLst>
+                </a:gridCol>
+                <a:gridCol w="356407">
+                  <a:extLst>
+                    <a:ext uri="{9D8B030D-6E8A-4147-A177-3AD203B41FA5}">
+                      <a16:colId xmlns:a16="http://schemas.microsoft.com/office/drawing/2014/main" val="2776846338"/>
+                    </a:ext>
+                  </a:extLst>
+                </a:gridCol>
+                <a:gridCol w="356407">
+                  <a:extLst>
+                    <a:ext uri="{9D8B030D-6E8A-4147-A177-3AD203B41FA5}">
+                      <a16:colId xmlns:a16="http://schemas.microsoft.com/office/drawing/2014/main" val="4248782350"/>
+                    </a:ext>
+                  </a:extLst>
+                </a:gridCol>
+                <a:gridCol w="356407">
+                  <a:extLst>
+                    <a:ext uri="{9D8B030D-6E8A-4147-A177-3AD203B41FA5}">
+                      <a16:colId xmlns:a16="http://schemas.microsoft.com/office/drawing/2014/main" val="200451343"/>
+                    </a:ext>
+                  </a:extLst>
+                </a:gridCol>
+                <a:gridCol w="356407">
+                  <a:extLst>
+                    <a:ext uri="{9D8B030D-6E8A-4147-A177-3AD203B41FA5}">
+                      <a16:colId xmlns:a16="http://schemas.microsoft.com/office/drawing/2014/main" val="3192467670"/>
+                    </a:ext>
+                  </a:extLst>
+                </a:gridCol>
+                <a:gridCol w="356407">
+                  <a:extLst>
+                    <a:ext uri="{9D8B030D-6E8A-4147-A177-3AD203B41FA5}">
+                      <a16:colId xmlns:a16="http://schemas.microsoft.com/office/drawing/2014/main" val="4095470456"/>
+                    </a:ext>
+                  </a:extLst>
+                </a:gridCol>
+                <a:gridCol w="356407">
+                  <a:extLst>
+                    <a:ext uri="{9D8B030D-6E8A-4147-A177-3AD203B41FA5}">
+                      <a16:colId xmlns:a16="http://schemas.microsoft.com/office/drawing/2014/main" val="1290764443"/>
+                    </a:ext>
+                  </a:extLst>
+                </a:gridCol>
+                <a:gridCol w="356407">
+                  <a:extLst>
+                    <a:ext uri="{9D8B030D-6E8A-4147-A177-3AD203B41FA5}">
+                      <a16:colId xmlns:a16="http://schemas.microsoft.com/office/drawing/2014/main" val="3410711892"/>
+                    </a:ext>
+                  </a:extLst>
+                </a:gridCol>
+                <a:gridCol w="356407">
+                  <a:extLst>
+                    <a:ext uri="{9D8B030D-6E8A-4147-A177-3AD203B41FA5}">
+                      <a16:colId xmlns:a16="http://schemas.microsoft.com/office/drawing/2014/main" val="2827471074"/>
+                    </a:ext>
+                  </a:extLst>
+                </a:gridCol>
+                <a:gridCol w="356407">
+                  <a:extLst>
+                    <a:ext uri="{9D8B030D-6E8A-4147-A177-3AD203B41FA5}">
+                      <a16:colId xmlns:a16="http://schemas.microsoft.com/office/drawing/2014/main" val="3936738629"/>
+                    </a:ext>
+                  </a:extLst>
+                </a:gridCol>
+                <a:gridCol w="356407">
+                  <a:extLst>
+                    <a:ext uri="{9D8B030D-6E8A-4147-A177-3AD203B41FA5}">
+                      <a16:colId xmlns:a16="http://schemas.microsoft.com/office/drawing/2014/main" val="1873389219"/>
+                    </a:ext>
+                  </a:extLst>
+                </a:gridCol>
+              </a:tblGrid>
+              <a:tr h="577950">
+                <a:tc>
+                  <a:txBody>
+                    <a:bodyPr/>
+                    <a:lstStyle/>
+                    <a:p>
+                      <a:r>
+                        <a:rPr lang="en-US" dirty="0"/>
+                        <a:t>Objective / Week</a:t>
+                      </a:r>
+                    </a:p>
+                  </a:txBody>
+                  <a:tcPr/>
+                </a:tc>
+                <a:tc>
+                  <a:txBody>
+                    <a:bodyPr/>
+                    <a:lstStyle/>
+                    <a:p>
+                      <a:pPr algn="ctr"/>
+                      <a:r>
+                        <a:rPr lang="en-US" dirty="0"/>
+                        <a:t>1</a:t>
+                      </a:r>
+                    </a:p>
+                  </a:txBody>
+                  <a:tcPr anchor="ctr"/>
+                </a:tc>
+                <a:tc>
+                  <a:txBody>
+                    <a:bodyPr/>
+                    <a:lstStyle/>
+                    <a:p>
+                      <a:pPr algn="ctr"/>
+                      <a:r>
+                        <a:rPr lang="en-US" dirty="0"/>
+                        <a:t>2</a:t>
+                      </a:r>
+                    </a:p>
+                  </a:txBody>
+                  <a:tcPr anchor="ctr"/>
+                </a:tc>
+                <a:tc>
+                  <a:txBody>
+                    <a:bodyPr/>
+                    <a:lstStyle/>
+                    <a:p>
+                      <a:pPr algn="ctr"/>
+                      <a:r>
+                        <a:rPr lang="en-US" dirty="0"/>
+                        <a:t>3</a:t>
+                      </a:r>
+                    </a:p>
+                  </a:txBody>
+                  <a:tcPr anchor="ctr"/>
+                </a:tc>
+                <a:tc>
+                  <a:txBody>
+                    <a:bodyPr/>
+                    <a:lstStyle/>
+                    <a:p>
+                      <a:pPr algn="ctr"/>
+                      <a:r>
+                        <a:rPr lang="en-US" dirty="0"/>
+                        <a:t>4</a:t>
+                      </a:r>
+                    </a:p>
+                  </a:txBody>
+                  <a:tcPr anchor="ctr"/>
+                </a:tc>
+                <a:tc>
+                  <a:txBody>
+                    <a:bodyPr/>
+                    <a:lstStyle/>
+                    <a:p>
+                      <a:pPr algn="ctr"/>
+                      <a:r>
+                        <a:rPr lang="en-US" dirty="0"/>
+                        <a:t>5</a:t>
+                      </a:r>
+                    </a:p>
+                  </a:txBody>
+                  <a:tcPr anchor="ctr"/>
+                </a:tc>
+                <a:tc>
+                  <a:txBody>
+                    <a:bodyPr/>
+                    <a:lstStyle/>
+                    <a:p>
+                      <a:pPr algn="ctr"/>
+                      <a:r>
+                        <a:rPr lang="en-US" dirty="0"/>
+                        <a:t>6</a:t>
+                      </a:r>
+                    </a:p>
+                  </a:txBody>
+                  <a:tcPr anchor="ctr"/>
+                </a:tc>
+                <a:tc>
+                  <a:txBody>
+                    <a:bodyPr/>
+                    <a:lstStyle/>
+                    <a:p>
+                      <a:pPr algn="ctr"/>
+                      <a:r>
+                        <a:rPr lang="en-US" dirty="0"/>
+                        <a:t>7</a:t>
+                      </a:r>
+                    </a:p>
+                  </a:txBody>
+                  <a:tcPr anchor="ctr"/>
+                </a:tc>
+                <a:tc>
+                  <a:txBody>
+                    <a:bodyPr/>
+                    <a:lstStyle/>
+                    <a:p>
+                      <a:pPr algn="ctr"/>
+                      <a:r>
+                        <a:rPr lang="en-US" dirty="0"/>
+                        <a:t>8</a:t>
+                      </a:r>
+                    </a:p>
+                  </a:txBody>
+                  <a:tcPr anchor="ctr"/>
+                </a:tc>
+                <a:tc>
+                  <a:txBody>
+                    <a:bodyPr/>
+                    <a:lstStyle/>
+                    <a:p>
+                      <a:pPr algn="ctr"/>
+                      <a:r>
+                        <a:rPr lang="en-US" dirty="0"/>
+                        <a:t>9</a:t>
+                      </a:r>
+                    </a:p>
+                  </a:txBody>
+                  <a:tcPr anchor="ctr"/>
+                </a:tc>
+                <a:tc>
+                  <a:txBody>
+                    <a:bodyPr/>
+                    <a:lstStyle/>
+                    <a:p>
+                      <a:pPr algn="ctr"/>
+                      <a:r>
+                        <a:rPr lang="en-US" dirty="0"/>
+                        <a:t>10</a:t>
+                      </a:r>
+                    </a:p>
+                  </a:txBody>
+                  <a:tcPr anchor="ctr"/>
+                </a:tc>
+                <a:tc>
+                  <a:txBody>
+                    <a:bodyPr/>
+                    <a:lstStyle/>
+                    <a:p>
+                      <a:pPr algn="ctr"/>
+                      <a:r>
+                        <a:rPr lang="en-US" dirty="0"/>
+                        <a:t>11</a:t>
+                      </a:r>
+                    </a:p>
+                  </a:txBody>
+                  <a:tcPr anchor="ctr"/>
+                </a:tc>
+                <a:tc>
+                  <a:txBody>
+                    <a:bodyPr/>
+                    <a:lstStyle/>
+                    <a:p>
+                      <a:pPr algn="ctr"/>
+                      <a:r>
+                        <a:rPr lang="en-US" dirty="0"/>
+                        <a:t>12</a:t>
+                      </a:r>
+                    </a:p>
+                  </a:txBody>
+                  <a:tcPr anchor="ctr"/>
+                </a:tc>
+                <a:tc>
+                  <a:txBody>
+                    <a:bodyPr/>
+                    <a:lstStyle/>
+                    <a:p>
+                      <a:pPr algn="ctr"/>
+                      <a:r>
+                        <a:rPr lang="en-US" dirty="0"/>
+                        <a:t>13</a:t>
+                      </a:r>
+                    </a:p>
+                  </a:txBody>
+                  <a:tcPr anchor="ctr"/>
+                </a:tc>
+                <a:tc>
+                  <a:txBody>
+                    <a:bodyPr/>
+                    <a:lstStyle/>
+                    <a:p>
+                      <a:pPr algn="ctr"/>
+                      <a:r>
+                        <a:rPr lang="en-US" dirty="0"/>
+                        <a:t>14</a:t>
+                      </a:r>
+                    </a:p>
+                  </a:txBody>
+                  <a:tcPr anchor="ctr"/>
+                </a:tc>
+                <a:tc>
+                  <a:txBody>
+                    <a:bodyPr/>
+                    <a:lstStyle/>
+                    <a:p>
+                      <a:pPr algn="ctr"/>
+                      <a:r>
+                        <a:rPr lang="en-US" dirty="0"/>
+                        <a:t>15</a:t>
+                      </a:r>
+                    </a:p>
+                  </a:txBody>
+                  <a:tcPr anchor="ctr"/>
+                </a:tc>
+                <a:tc>
+                  <a:txBody>
+                    <a:bodyPr/>
+                    <a:lstStyle/>
+                    <a:p>
+                      <a:pPr algn="ctr"/>
+                      <a:r>
+                        <a:rPr lang="en-US" dirty="0"/>
+                        <a:t>16</a:t>
+                      </a:r>
+                    </a:p>
+                  </a:txBody>
+                  <a:tcPr anchor="ctr"/>
+                </a:tc>
+                <a:tc>
+                  <a:txBody>
+                    <a:bodyPr/>
+                    <a:lstStyle/>
+                    <a:p>
+                      <a:pPr algn="ctr"/>
+                      <a:r>
+                        <a:rPr lang="en-US" dirty="0"/>
+                        <a:t>17</a:t>
+                      </a:r>
+                    </a:p>
+                  </a:txBody>
+                  <a:tcPr anchor="ctr"/>
+                </a:tc>
+                <a:extLst>
+                  <a:ext uri="{0D108BD9-81ED-4DB2-BD59-A6C34878D82A}">
+                    <a16:rowId xmlns:a16="http://schemas.microsoft.com/office/drawing/2014/main" val="1464522290"/>
+                  </a:ext>
+                </a:extLst>
+              </a:tr>
+              <a:tr h="407965">
+                <a:tc>
+                  <a:txBody>
+                    <a:bodyPr/>
+                    <a:lstStyle/>
+                    <a:p>
+                      <a:pPr algn="l"/>
+                      <a:r>
+                        <a:rPr lang="en-US" dirty="0">
+                          <a:solidFill>
+                            <a:schemeClr val="bg2">
+                              <a:lumMod val="50000"/>
+                            </a:schemeClr>
+                          </a:solidFill>
+                        </a:rPr>
+                        <a:t>Concept</a:t>
+                      </a:r>
+                    </a:p>
+                  </a:txBody>
+                  <a:tcPr anchor="ctr"/>
+                </a:tc>
+                <a:tc>
+                  <a:txBody>
+                    <a:bodyPr/>
+                    <a:lstStyle/>
+                    <a:p>
+                      <a:endParaRPr lang="en-US" sz="1800" kern="1200" dirty="0">
+                        <a:solidFill>
+                          <a:schemeClr val="dk1"/>
+                        </a:solidFill>
+                        <a:latin typeface="+mn-lt"/>
+                        <a:ea typeface="+mn-ea"/>
+                        <a:cs typeface="+mn-cs"/>
+                      </a:endParaRPr>
+                    </a:p>
+                  </a:txBody>
+                  <a:tcPr>
+                    <a:solidFill>
+                      <a:srgbClr val="8E4221"/>
+                    </a:solidFill>
+                  </a:tcPr>
+                </a:tc>
+                <a:tc>
+                  <a:txBody>
+                    <a:bodyPr/>
+                    <a:lstStyle/>
+                    <a:p>
+                      <a:endParaRPr lang="en-US" dirty="0"/>
+                    </a:p>
+                  </a:txBody>
+                  <a:tcPr>
+                    <a:solidFill>
+                      <a:srgbClr val="8E4221"/>
+                    </a:solidFill>
+                  </a:tcPr>
+                </a:tc>
+                <a:tc>
+                  <a:txBody>
+                    <a:bodyPr/>
+                    <a:lstStyle/>
+                    <a:p>
+                      <a:endParaRPr lang="en-US" dirty="0"/>
+                    </a:p>
+                  </a:txBody>
+                  <a:tcPr>
+                    <a:solidFill>
+                      <a:srgbClr val="8E4221"/>
+                    </a:solidFill>
+                  </a:tcPr>
+                </a:tc>
+                <a:tc>
+                  <a:txBody>
+                    <a:bodyPr/>
+                    <a:lstStyle/>
+                    <a:p>
+                      <a:endParaRPr lang="en-US" dirty="0"/>
+                    </a:p>
+                  </a:txBody>
+                  <a:tcPr/>
+                </a:tc>
+                <a:tc>
+                  <a:txBody>
+                    <a:bodyPr/>
+                    <a:lstStyle/>
+                    <a:p>
+                      <a:endParaRPr lang="en-US"/>
+                    </a:p>
+                  </a:txBody>
+                  <a:tcPr/>
+                </a:tc>
+                <a:tc>
+                  <a:txBody>
+                    <a:bodyPr/>
+                    <a:lstStyle/>
+                    <a:p>
+                      <a:endParaRPr lang="en-US"/>
+                    </a:p>
+                  </a:txBody>
+                  <a:tcPr/>
+                </a:tc>
+                <a:tc>
+                  <a:txBody>
+                    <a:bodyPr/>
+                    <a:lstStyle/>
+                    <a:p>
+                      <a:endParaRPr lang="en-US"/>
+                    </a:p>
+                  </a:txBody>
+                  <a:tcPr/>
+                </a:tc>
+                <a:tc>
+                  <a:txBody>
+                    <a:bodyPr/>
+                    <a:lstStyle/>
+                    <a:p>
+                      <a:endParaRPr lang="en-US" dirty="0"/>
+                    </a:p>
+                  </a:txBody>
+                  <a:tcPr/>
+                </a:tc>
+                <a:tc>
+                  <a:txBody>
+                    <a:bodyPr/>
+                    <a:lstStyle/>
+                    <a:p>
+                      <a:endParaRPr lang="en-US" dirty="0"/>
+                    </a:p>
+                  </a:txBody>
+                  <a:tcPr/>
+                </a:tc>
+                <a:tc>
+                  <a:txBody>
+                    <a:bodyPr/>
+                    <a:lstStyle/>
+                    <a:p>
+                      <a:endParaRPr lang="en-US" dirty="0"/>
+                    </a:p>
+                  </a:txBody>
+                  <a:tcPr/>
+                </a:tc>
+                <a:tc>
+                  <a:txBody>
+                    <a:bodyPr/>
+                    <a:lstStyle/>
+                    <a:p>
+                      <a:endParaRPr lang="en-US" dirty="0"/>
+                    </a:p>
+                  </a:txBody>
+                  <a:tcPr/>
+                </a:tc>
+                <a:tc>
+                  <a:txBody>
+                    <a:bodyPr/>
+                    <a:lstStyle/>
+                    <a:p>
+                      <a:endParaRPr lang="en-US" dirty="0"/>
+                    </a:p>
+                  </a:txBody>
+                  <a:tcPr/>
+                </a:tc>
+                <a:tc>
+                  <a:txBody>
+                    <a:bodyPr/>
+                    <a:lstStyle/>
+                    <a:p>
+                      <a:endParaRPr lang="en-US" dirty="0"/>
+                    </a:p>
+                  </a:txBody>
+                  <a:tcPr>
+                    <a:solidFill>
+                      <a:srgbClr val="F5D9CC"/>
+                    </a:solidFill>
+                  </a:tcPr>
+                </a:tc>
+                <a:tc>
+                  <a:txBody>
+                    <a:bodyPr/>
+                    <a:lstStyle/>
+                    <a:p>
+                      <a:endParaRPr lang="en-US" dirty="0"/>
+                    </a:p>
+                  </a:txBody>
+                  <a:tcPr/>
+                </a:tc>
+                <a:tc>
+                  <a:txBody>
+                    <a:bodyPr/>
+                    <a:lstStyle/>
+                    <a:p>
+                      <a:endParaRPr lang="en-US" dirty="0"/>
+                    </a:p>
+                  </a:txBody>
+                  <a:tcPr/>
+                </a:tc>
+                <a:tc>
+                  <a:txBody>
+                    <a:bodyPr/>
+                    <a:lstStyle/>
+                    <a:p>
+                      <a:endParaRPr lang="en-US" dirty="0"/>
+                    </a:p>
+                  </a:txBody>
+                  <a:tcPr/>
+                </a:tc>
+                <a:tc>
+                  <a:txBody>
+                    <a:bodyPr/>
+                    <a:lstStyle/>
+                    <a:p>
+                      <a:endParaRPr lang="en-US" dirty="0"/>
+                    </a:p>
+                  </a:txBody>
+                  <a:tcPr/>
+                </a:tc>
+                <a:extLst>
+                  <a:ext uri="{0D108BD9-81ED-4DB2-BD59-A6C34878D82A}">
+                    <a16:rowId xmlns:a16="http://schemas.microsoft.com/office/drawing/2014/main" val="3489570722"/>
+                  </a:ext>
+                </a:extLst>
+              </a:tr>
+              <a:tr h="577950">
+                <a:tc>
+                  <a:txBody>
+                    <a:bodyPr/>
+                    <a:lstStyle/>
+                    <a:p>
+                      <a:pPr algn="l"/>
+                      <a:r>
+                        <a:rPr lang="en-US" dirty="0">
+                          <a:solidFill>
+                            <a:schemeClr val="bg2">
+                              <a:lumMod val="50000"/>
+                            </a:schemeClr>
+                          </a:solidFill>
+                        </a:rPr>
+                        <a:t>Requirements and Design</a:t>
+                      </a:r>
+                    </a:p>
+                  </a:txBody>
+                  <a:tcPr anchor="ctr"/>
+                </a:tc>
+                <a:tc>
+                  <a:txBody>
+                    <a:bodyPr/>
+                    <a:lstStyle/>
+                    <a:p>
+                      <a:endParaRPr lang="en-US" sz="1800" kern="1200" dirty="0">
+                        <a:solidFill>
+                          <a:schemeClr val="dk1"/>
+                        </a:solidFill>
+                        <a:latin typeface="+mn-lt"/>
+                        <a:ea typeface="+mn-ea"/>
+                        <a:cs typeface="+mn-cs"/>
+                      </a:endParaRPr>
+                    </a:p>
+                  </a:txBody>
+                  <a:tcPr/>
+                </a:tc>
+                <a:tc>
+                  <a:txBody>
+                    <a:bodyPr/>
+                    <a:lstStyle/>
+                    <a:p>
+                      <a:endParaRPr lang="en-US" dirty="0"/>
+                    </a:p>
+                  </a:txBody>
+                  <a:tcPr/>
+                </a:tc>
+                <a:tc>
+                  <a:txBody>
+                    <a:bodyPr/>
+                    <a:lstStyle/>
+                    <a:p>
+                      <a:endParaRPr lang="en-US" dirty="0"/>
+                    </a:p>
+                  </a:txBody>
+                  <a:tcPr/>
+                </a:tc>
+                <a:tc>
+                  <a:txBody>
+                    <a:bodyPr/>
+                    <a:lstStyle/>
+                    <a:p>
+                      <a:endParaRPr lang="en-US" dirty="0"/>
+                    </a:p>
+                  </a:txBody>
+                  <a:tcPr>
+                    <a:solidFill>
+                      <a:srgbClr val="8E4221"/>
+                    </a:solidFill>
+                  </a:tcPr>
+                </a:tc>
+                <a:tc>
+                  <a:txBody>
+                    <a:bodyPr/>
+                    <a:lstStyle/>
+                    <a:p>
+                      <a:endParaRPr lang="en-US" dirty="0"/>
+                    </a:p>
+                  </a:txBody>
+                  <a:tcPr>
+                    <a:solidFill>
+                      <a:srgbClr val="8E4221"/>
+                    </a:solidFill>
+                  </a:tcPr>
+                </a:tc>
+                <a:tc>
+                  <a:txBody>
+                    <a:bodyPr/>
+                    <a:lstStyle/>
+                    <a:p>
+                      <a:endParaRPr lang="en-US" dirty="0"/>
+                    </a:p>
+                  </a:txBody>
+                  <a:tcPr>
+                    <a:solidFill>
+                      <a:srgbClr val="8E4221"/>
+                    </a:solidFill>
+                  </a:tcPr>
+                </a:tc>
+                <a:tc>
+                  <a:txBody>
+                    <a:bodyPr/>
+                    <a:lstStyle/>
+                    <a:p>
+                      <a:endParaRPr lang="en-US" dirty="0"/>
+                    </a:p>
+                  </a:txBody>
+                  <a:tcPr>
+                    <a:solidFill>
+                      <a:srgbClr val="8E4221"/>
+                    </a:solidFill>
+                  </a:tcPr>
+                </a:tc>
+                <a:tc>
+                  <a:txBody>
+                    <a:bodyPr/>
+                    <a:lstStyle/>
+                    <a:p>
+                      <a:endParaRPr lang="en-US" dirty="0"/>
+                    </a:p>
+                  </a:txBody>
+                  <a:tcPr>
+                    <a:solidFill>
+                      <a:srgbClr val="8E4221"/>
+                    </a:solidFill>
+                  </a:tcPr>
+                </a:tc>
+                <a:tc>
+                  <a:txBody>
+                    <a:bodyPr/>
+                    <a:lstStyle/>
+                    <a:p>
+                      <a:endParaRPr lang="en-US" dirty="0"/>
+                    </a:p>
+                  </a:txBody>
+                  <a:tcPr>
+                    <a:solidFill>
+                      <a:srgbClr val="8E4221"/>
+                    </a:solidFill>
+                  </a:tcPr>
+                </a:tc>
+                <a:tc>
+                  <a:txBody>
+                    <a:bodyPr/>
+                    <a:lstStyle/>
+                    <a:p>
+                      <a:endParaRPr lang="en-US" dirty="0"/>
+                    </a:p>
+                  </a:txBody>
+                  <a:tcPr>
+                    <a:solidFill>
+                      <a:srgbClr val="8E4221"/>
+                    </a:solidFill>
+                  </a:tcPr>
+                </a:tc>
+                <a:tc>
+                  <a:txBody>
+                    <a:bodyPr/>
+                    <a:lstStyle/>
+                    <a:p>
+                      <a:endParaRPr lang="en-US" dirty="0"/>
+                    </a:p>
+                  </a:txBody>
+                  <a:tcPr>
+                    <a:solidFill>
+                      <a:srgbClr val="8E4221"/>
+                    </a:solidFill>
+                  </a:tcPr>
+                </a:tc>
+                <a:tc>
+                  <a:txBody>
+                    <a:bodyPr/>
+                    <a:lstStyle/>
+                    <a:p>
+                      <a:endParaRPr lang="en-US" dirty="0"/>
+                    </a:p>
+                  </a:txBody>
+                  <a:tcPr>
+                    <a:solidFill>
+                      <a:srgbClr val="F5D9CC"/>
+                    </a:solidFill>
+                  </a:tcPr>
+                </a:tc>
+                <a:tc>
+                  <a:txBody>
+                    <a:bodyPr/>
+                    <a:lstStyle/>
+                    <a:p>
+                      <a:endParaRPr lang="en-US" dirty="0"/>
+                    </a:p>
+                  </a:txBody>
+                  <a:tcPr>
+                    <a:solidFill>
+                      <a:srgbClr val="F5D9CC"/>
+                    </a:solidFill>
+                  </a:tcPr>
+                </a:tc>
+                <a:tc>
+                  <a:txBody>
+                    <a:bodyPr/>
+                    <a:lstStyle/>
+                    <a:p>
+                      <a:endParaRPr lang="en-US" dirty="0"/>
+                    </a:p>
+                  </a:txBody>
+                  <a:tcPr>
+                    <a:solidFill>
+                      <a:srgbClr val="F5D9CC"/>
+                    </a:solidFill>
+                  </a:tcPr>
+                </a:tc>
+                <a:tc>
+                  <a:txBody>
+                    <a:bodyPr/>
+                    <a:lstStyle/>
+                    <a:p>
+                      <a:endParaRPr lang="en-US" dirty="0"/>
+                    </a:p>
+                  </a:txBody>
+                  <a:tcPr>
+                    <a:solidFill>
+                      <a:srgbClr val="F5D9CC"/>
+                    </a:solidFill>
+                  </a:tcPr>
+                </a:tc>
+                <a:tc>
+                  <a:txBody>
+                    <a:bodyPr/>
+                    <a:lstStyle/>
+                    <a:p>
+                      <a:endParaRPr lang="en-US" dirty="0"/>
+                    </a:p>
+                  </a:txBody>
+                  <a:tcPr>
+                    <a:solidFill>
+                      <a:srgbClr val="F5D9CC"/>
+                    </a:solidFill>
+                  </a:tcPr>
+                </a:tc>
+                <a:tc>
+                  <a:txBody>
+                    <a:bodyPr/>
+                    <a:lstStyle/>
+                    <a:p>
+                      <a:endParaRPr lang="en-US" dirty="0"/>
+                    </a:p>
+                  </a:txBody>
+                  <a:tcPr>
+                    <a:solidFill>
+                      <a:srgbClr val="F5D9CC"/>
+                    </a:solidFill>
+                  </a:tcPr>
+                </a:tc>
+                <a:extLst>
+                  <a:ext uri="{0D108BD9-81ED-4DB2-BD59-A6C34878D82A}">
+                    <a16:rowId xmlns:a16="http://schemas.microsoft.com/office/drawing/2014/main" val="2938988785"/>
+                  </a:ext>
+                </a:extLst>
+              </a:tr>
+              <a:tr h="407965">
+                <a:tc>
+                  <a:txBody>
+                    <a:bodyPr/>
+                    <a:lstStyle/>
+                    <a:p>
+                      <a:pPr algn="l"/>
+                      <a:r>
+                        <a:rPr lang="en-US" dirty="0">
+                          <a:solidFill>
+                            <a:schemeClr val="bg2">
+                              <a:lumMod val="50000"/>
+                            </a:schemeClr>
+                          </a:solidFill>
+                        </a:rPr>
+                        <a:t>Implementation</a:t>
+                      </a:r>
+                    </a:p>
+                  </a:txBody>
+                  <a:tcPr anchor="ctr"/>
+                </a:tc>
+                <a:tc>
+                  <a:txBody>
+                    <a:bodyPr/>
+                    <a:lstStyle/>
+                    <a:p>
+                      <a:endParaRPr lang="en-US" sz="1800" kern="1200" dirty="0">
+                        <a:solidFill>
+                          <a:schemeClr val="dk1"/>
+                        </a:solidFill>
+                        <a:latin typeface="+mn-lt"/>
+                        <a:ea typeface="+mn-ea"/>
+                        <a:cs typeface="+mn-cs"/>
+                      </a:endParaRPr>
+                    </a:p>
+                  </a:txBody>
+                  <a:tcPr/>
+                </a:tc>
+                <a:tc>
+                  <a:txBody>
+                    <a:bodyPr/>
+                    <a:lstStyle/>
+                    <a:p>
+                      <a:endParaRPr lang="en-US" dirty="0"/>
+                    </a:p>
+                  </a:txBody>
+                  <a:tcPr/>
+                </a:tc>
+                <a:tc>
+                  <a:txBody>
+                    <a:bodyPr/>
+                    <a:lstStyle/>
+                    <a:p>
+                      <a:endParaRPr lang="en-US" dirty="0"/>
+                    </a:p>
+                  </a:txBody>
+                  <a:tcPr/>
+                </a:tc>
+                <a:tc>
+                  <a:txBody>
+                    <a:bodyPr/>
+                    <a:lstStyle/>
+                    <a:p>
+                      <a:endParaRPr lang="en-US" dirty="0"/>
+                    </a:p>
+                  </a:txBody>
+                  <a:tcPr/>
+                </a:tc>
+                <a:tc>
+                  <a:txBody>
+                    <a:bodyPr/>
+                    <a:lstStyle/>
+                    <a:p>
+                      <a:endParaRPr lang="en-US"/>
+                    </a:p>
+                  </a:txBody>
+                  <a:tcPr/>
+                </a:tc>
+                <a:tc>
+                  <a:txBody>
+                    <a:bodyPr/>
+                    <a:lstStyle/>
+                    <a:p>
+                      <a:endParaRPr lang="en-US"/>
+                    </a:p>
+                  </a:txBody>
+                  <a:tcPr/>
+                </a:tc>
+                <a:tc>
+                  <a:txBody>
+                    <a:bodyPr/>
+                    <a:lstStyle/>
+                    <a:p>
+                      <a:endParaRPr lang="en-US" dirty="0"/>
+                    </a:p>
+                  </a:txBody>
+                  <a:tcPr/>
+                </a:tc>
+                <a:tc>
+                  <a:txBody>
+                    <a:bodyPr/>
+                    <a:lstStyle/>
+                    <a:p>
+                      <a:endParaRPr lang="en-US" dirty="0"/>
+                    </a:p>
+                  </a:txBody>
+                  <a:tcPr>
+                    <a:solidFill>
+                      <a:srgbClr val="8E4221"/>
+                    </a:solidFill>
+                  </a:tcPr>
+                </a:tc>
+                <a:tc>
+                  <a:txBody>
+                    <a:bodyPr/>
+                    <a:lstStyle/>
+                    <a:p>
+                      <a:endParaRPr lang="en-US" dirty="0"/>
+                    </a:p>
+                  </a:txBody>
+                  <a:tcPr>
+                    <a:solidFill>
+                      <a:srgbClr val="8E4221"/>
+                    </a:solidFill>
+                  </a:tcPr>
+                </a:tc>
+                <a:tc>
+                  <a:txBody>
+                    <a:bodyPr/>
+                    <a:lstStyle/>
+                    <a:p>
+                      <a:endParaRPr lang="en-US" dirty="0"/>
+                    </a:p>
+                  </a:txBody>
+                  <a:tcPr>
+                    <a:solidFill>
+                      <a:srgbClr val="8E4221"/>
+                    </a:solidFill>
+                  </a:tcPr>
+                </a:tc>
+                <a:tc>
+                  <a:txBody>
+                    <a:bodyPr/>
+                    <a:lstStyle/>
+                    <a:p>
+                      <a:endParaRPr lang="en-US" dirty="0"/>
+                    </a:p>
+                  </a:txBody>
+                  <a:tcPr>
+                    <a:solidFill>
+                      <a:srgbClr val="8E4221"/>
+                    </a:solidFill>
+                  </a:tcPr>
+                </a:tc>
+                <a:tc>
+                  <a:txBody>
+                    <a:bodyPr/>
+                    <a:lstStyle/>
+                    <a:p>
+                      <a:endParaRPr lang="en-US" dirty="0"/>
+                    </a:p>
+                  </a:txBody>
+                  <a:tcPr>
+                    <a:solidFill>
+                      <a:srgbClr val="8E4221"/>
+                    </a:solidFill>
+                  </a:tcPr>
+                </a:tc>
+                <a:tc>
+                  <a:txBody>
+                    <a:bodyPr/>
+                    <a:lstStyle/>
+                    <a:p>
+                      <a:endParaRPr lang="en-US" dirty="0"/>
+                    </a:p>
+                  </a:txBody>
+                  <a:tcPr>
+                    <a:solidFill>
+                      <a:srgbClr val="8E4221"/>
+                    </a:solidFill>
+                  </a:tcPr>
+                </a:tc>
+                <a:tc>
+                  <a:txBody>
+                    <a:bodyPr/>
+                    <a:lstStyle/>
+                    <a:p>
+                      <a:endParaRPr lang="en-US" dirty="0"/>
+                    </a:p>
+                  </a:txBody>
+                  <a:tcPr>
+                    <a:solidFill>
+                      <a:srgbClr val="8E4221"/>
+                    </a:solidFill>
+                  </a:tcPr>
+                </a:tc>
+                <a:tc>
+                  <a:txBody>
+                    <a:bodyPr/>
+                    <a:lstStyle/>
+                    <a:p>
+                      <a:endParaRPr lang="en-US" dirty="0"/>
+                    </a:p>
+                  </a:txBody>
+                  <a:tcPr>
+                    <a:solidFill>
+                      <a:srgbClr val="F5D9CC"/>
+                    </a:solidFill>
+                  </a:tcPr>
+                </a:tc>
+                <a:tc>
+                  <a:txBody>
+                    <a:bodyPr/>
+                    <a:lstStyle/>
+                    <a:p>
+                      <a:endParaRPr lang="en-US"/>
+                    </a:p>
+                  </a:txBody>
+                  <a:tcPr/>
+                </a:tc>
+                <a:tc>
+                  <a:txBody>
+                    <a:bodyPr/>
+                    <a:lstStyle/>
+                    <a:p>
+                      <a:endParaRPr lang="en-US" dirty="0"/>
+                    </a:p>
+                  </a:txBody>
+                  <a:tcPr/>
+                </a:tc>
+                <a:extLst>
+                  <a:ext uri="{0D108BD9-81ED-4DB2-BD59-A6C34878D82A}">
+                    <a16:rowId xmlns:a16="http://schemas.microsoft.com/office/drawing/2014/main" val="3931429161"/>
+                  </a:ext>
+                </a:extLst>
+              </a:tr>
+              <a:tr h="391760">
+                <a:tc>
+                  <a:txBody>
+                    <a:bodyPr/>
+                    <a:lstStyle/>
+                    <a:p>
+                      <a:pPr algn="l"/>
+                      <a:r>
+                        <a:rPr lang="en-US" dirty="0">
+                          <a:solidFill>
+                            <a:schemeClr val="bg2">
+                              <a:lumMod val="50000"/>
+                            </a:schemeClr>
+                          </a:solidFill>
+                        </a:rPr>
+                        <a:t>Testing</a:t>
+                      </a:r>
+                    </a:p>
+                  </a:txBody>
+                  <a:tcPr anchor="ctr"/>
+                </a:tc>
+                <a:tc>
+                  <a:txBody>
+                    <a:bodyPr/>
+                    <a:lstStyle/>
+                    <a:p>
+                      <a:endParaRPr lang="en-US" dirty="0"/>
+                    </a:p>
+                  </a:txBody>
+                  <a:tcPr/>
+                </a:tc>
+                <a:tc>
+                  <a:txBody>
+                    <a:bodyPr/>
+                    <a:lstStyle/>
+                    <a:p>
+                      <a:endParaRPr lang="en-US" dirty="0"/>
+                    </a:p>
+                  </a:txBody>
+                  <a:tcPr/>
+                </a:tc>
+                <a:tc>
+                  <a:txBody>
+                    <a:bodyPr/>
+                    <a:lstStyle/>
+                    <a:p>
+                      <a:endParaRPr lang="en-US" dirty="0"/>
+                    </a:p>
+                  </a:txBody>
+                  <a:tcPr/>
+                </a:tc>
+                <a:tc>
+                  <a:txBody>
+                    <a:bodyPr/>
+                    <a:lstStyle/>
+                    <a:p>
+                      <a:endParaRPr lang="en-US" dirty="0"/>
+                    </a:p>
+                  </a:txBody>
+                  <a:tcPr/>
+                </a:tc>
+                <a:tc>
+                  <a:txBody>
+                    <a:bodyPr/>
+                    <a:lstStyle/>
+                    <a:p>
+                      <a:endParaRPr lang="en-US"/>
+                    </a:p>
+                  </a:txBody>
+                  <a:tcPr/>
+                </a:tc>
+                <a:tc>
+                  <a:txBody>
+                    <a:bodyPr/>
+                    <a:lstStyle/>
+                    <a:p>
+                      <a:endParaRPr lang="en-US"/>
+                    </a:p>
+                  </a:txBody>
+                  <a:tcPr/>
+                </a:tc>
+                <a:tc>
+                  <a:txBody>
+                    <a:bodyPr/>
+                    <a:lstStyle/>
+                    <a:p>
+                      <a:endParaRPr lang="en-US"/>
+                    </a:p>
+                  </a:txBody>
+                  <a:tcPr/>
+                </a:tc>
+                <a:tc>
+                  <a:txBody>
+                    <a:bodyPr/>
+                    <a:lstStyle/>
+                    <a:p>
+                      <a:endParaRPr lang="en-US"/>
+                    </a:p>
+                  </a:txBody>
+                  <a:tcPr/>
+                </a:tc>
+                <a:tc>
+                  <a:txBody>
+                    <a:bodyPr/>
+                    <a:lstStyle/>
+                    <a:p>
+                      <a:endParaRPr lang="en-US" dirty="0"/>
+                    </a:p>
+                  </a:txBody>
+                  <a:tcPr/>
+                </a:tc>
+                <a:tc>
+                  <a:txBody>
+                    <a:bodyPr/>
+                    <a:lstStyle/>
+                    <a:p>
+                      <a:endParaRPr lang="en-US" dirty="0"/>
+                    </a:p>
+                  </a:txBody>
+                  <a:tcPr/>
+                </a:tc>
+                <a:tc>
+                  <a:txBody>
+                    <a:bodyPr/>
+                    <a:lstStyle/>
+                    <a:p>
+                      <a:endParaRPr lang="en-US"/>
+                    </a:p>
+                  </a:txBody>
+                  <a:tcPr/>
+                </a:tc>
+                <a:tc>
+                  <a:txBody>
+                    <a:bodyPr/>
+                    <a:lstStyle/>
+                    <a:p>
+                      <a:endParaRPr lang="en-US"/>
+                    </a:p>
+                  </a:txBody>
+                  <a:tcPr/>
+                </a:tc>
+                <a:tc>
+                  <a:txBody>
+                    <a:bodyPr/>
+                    <a:lstStyle/>
+                    <a:p>
+                      <a:endParaRPr lang="en-US" dirty="0"/>
+                    </a:p>
+                  </a:txBody>
+                  <a:tcPr>
+                    <a:solidFill>
+                      <a:srgbClr val="8E4221"/>
+                    </a:solidFill>
+                  </a:tcPr>
+                </a:tc>
+                <a:tc>
+                  <a:txBody>
+                    <a:bodyPr/>
+                    <a:lstStyle/>
+                    <a:p>
+                      <a:endParaRPr lang="en-US" dirty="0"/>
+                    </a:p>
+                  </a:txBody>
+                  <a:tcPr>
+                    <a:solidFill>
+                      <a:srgbClr val="8E4221"/>
+                    </a:solidFill>
+                  </a:tcPr>
+                </a:tc>
+                <a:tc>
+                  <a:txBody>
+                    <a:bodyPr/>
+                    <a:lstStyle/>
+                    <a:p>
+                      <a:endParaRPr lang="en-US" dirty="0"/>
+                    </a:p>
+                  </a:txBody>
+                  <a:tcPr>
+                    <a:solidFill>
+                      <a:srgbClr val="8E4221"/>
+                    </a:solidFill>
+                  </a:tcPr>
+                </a:tc>
+                <a:tc>
+                  <a:txBody>
+                    <a:bodyPr/>
+                    <a:lstStyle/>
+                    <a:p>
+                      <a:endParaRPr lang="en-US" dirty="0"/>
+                    </a:p>
+                  </a:txBody>
+                  <a:tcPr/>
+                </a:tc>
+                <a:tc>
+                  <a:txBody>
+                    <a:bodyPr/>
+                    <a:lstStyle/>
+                    <a:p>
+                      <a:endParaRPr lang="en-US" dirty="0"/>
+                    </a:p>
+                  </a:txBody>
+                  <a:tcPr/>
+                </a:tc>
+                <a:extLst>
+                  <a:ext uri="{0D108BD9-81ED-4DB2-BD59-A6C34878D82A}">
+                    <a16:rowId xmlns:a16="http://schemas.microsoft.com/office/drawing/2014/main" val="664488329"/>
+                  </a:ext>
+                </a:extLst>
+              </a:tr>
+              <a:tr h="577950">
+                <a:tc>
+                  <a:txBody>
+                    <a:bodyPr/>
+                    <a:lstStyle/>
+                    <a:p>
+                      <a:pPr algn="l"/>
+                      <a:r>
+                        <a:rPr lang="en-US" dirty="0">
+                          <a:solidFill>
+                            <a:schemeClr val="bg2">
+                              <a:lumMod val="50000"/>
+                            </a:schemeClr>
+                          </a:solidFill>
+                        </a:rPr>
+                        <a:t>Integration - Showcase</a:t>
+                      </a:r>
+                    </a:p>
+                  </a:txBody>
+                  <a:tcPr anchor="ctr"/>
+                </a:tc>
+                <a:tc>
+                  <a:txBody>
+                    <a:bodyPr/>
+                    <a:lstStyle/>
+                    <a:p>
+                      <a:endParaRPr lang="en-US" dirty="0"/>
+                    </a:p>
+                  </a:txBody>
+                  <a:tcPr/>
+                </a:tc>
+                <a:tc>
+                  <a:txBody>
+                    <a:bodyPr/>
+                    <a:lstStyle/>
+                    <a:p>
+                      <a:endParaRPr lang="en-US" dirty="0"/>
+                    </a:p>
+                  </a:txBody>
+                  <a:tcPr/>
+                </a:tc>
+                <a:tc>
+                  <a:txBody>
+                    <a:bodyPr/>
+                    <a:lstStyle/>
+                    <a:p>
+                      <a:endParaRPr lang="en-US" dirty="0"/>
+                    </a:p>
+                  </a:txBody>
+                  <a:tcPr/>
+                </a:tc>
+                <a:tc>
+                  <a:txBody>
+                    <a:bodyPr/>
+                    <a:lstStyle/>
+                    <a:p>
+                      <a:endParaRPr lang="en-US" dirty="0"/>
+                    </a:p>
+                  </a:txBody>
+                  <a:tcPr/>
+                </a:tc>
+                <a:tc>
+                  <a:txBody>
+                    <a:bodyPr/>
+                    <a:lstStyle/>
+                    <a:p>
+                      <a:endParaRPr lang="en-US" dirty="0"/>
+                    </a:p>
+                  </a:txBody>
+                  <a:tcPr/>
+                </a:tc>
+                <a:tc>
+                  <a:txBody>
+                    <a:bodyPr/>
+                    <a:lstStyle/>
+                    <a:p>
+                      <a:endParaRPr lang="en-US" dirty="0"/>
+                    </a:p>
+                  </a:txBody>
+                  <a:tcPr/>
+                </a:tc>
+                <a:tc>
+                  <a:txBody>
+                    <a:bodyPr/>
+                    <a:lstStyle/>
+                    <a:p>
+                      <a:endParaRPr lang="en-US" dirty="0"/>
+                    </a:p>
+                  </a:txBody>
+                  <a:tcPr/>
+                </a:tc>
+                <a:tc>
+                  <a:txBody>
+                    <a:bodyPr/>
+                    <a:lstStyle/>
+                    <a:p>
+                      <a:endParaRPr lang="en-US" dirty="0"/>
+                    </a:p>
+                  </a:txBody>
+                  <a:tcPr/>
+                </a:tc>
+                <a:tc>
+                  <a:txBody>
+                    <a:bodyPr/>
+                    <a:lstStyle/>
+                    <a:p>
+                      <a:endParaRPr lang="en-US" dirty="0"/>
+                    </a:p>
+                  </a:txBody>
+                  <a:tcPr/>
+                </a:tc>
+                <a:tc>
+                  <a:txBody>
+                    <a:bodyPr/>
+                    <a:lstStyle/>
+                    <a:p>
+                      <a:endParaRPr lang="en-US" dirty="0"/>
+                    </a:p>
+                  </a:txBody>
+                  <a:tcPr/>
+                </a:tc>
+                <a:tc>
+                  <a:txBody>
+                    <a:bodyPr/>
+                    <a:lstStyle/>
+                    <a:p>
+                      <a:endParaRPr lang="en-US" dirty="0"/>
+                    </a:p>
+                  </a:txBody>
+                  <a:tcPr/>
+                </a:tc>
+                <a:tc>
+                  <a:txBody>
+                    <a:bodyPr/>
+                    <a:lstStyle/>
+                    <a:p>
+                      <a:endParaRPr lang="en-US" dirty="0"/>
+                    </a:p>
+                  </a:txBody>
+                  <a:tcPr/>
+                </a:tc>
+                <a:tc>
+                  <a:txBody>
+                    <a:bodyPr/>
+                    <a:lstStyle/>
+                    <a:p>
+                      <a:endParaRPr lang="en-US" dirty="0"/>
+                    </a:p>
+                  </a:txBody>
+                  <a:tcPr/>
+                </a:tc>
+                <a:tc>
+                  <a:txBody>
+                    <a:bodyPr/>
+                    <a:lstStyle/>
+                    <a:p>
+                      <a:endParaRPr lang="en-US" dirty="0"/>
+                    </a:p>
+                  </a:txBody>
+                  <a:tcPr/>
+                </a:tc>
+                <a:tc>
+                  <a:txBody>
+                    <a:bodyPr/>
+                    <a:lstStyle/>
+                    <a:p>
+                      <a:endParaRPr lang="en-US" dirty="0"/>
+                    </a:p>
+                  </a:txBody>
+                  <a:tcPr/>
+                </a:tc>
+                <a:tc>
+                  <a:txBody>
+                    <a:bodyPr/>
+                    <a:lstStyle/>
+                    <a:p>
+                      <a:endParaRPr lang="en-US" dirty="0"/>
+                    </a:p>
+                  </a:txBody>
+                  <a:tcPr>
+                    <a:solidFill>
+                      <a:srgbClr val="8E4221"/>
+                    </a:solidFill>
+                  </a:tcPr>
+                </a:tc>
+                <a:tc>
+                  <a:txBody>
+                    <a:bodyPr/>
+                    <a:lstStyle/>
+                    <a:p>
+                      <a:endParaRPr lang="en-US" dirty="0"/>
+                    </a:p>
+                  </a:txBody>
+                  <a:tcPr>
+                    <a:solidFill>
+                      <a:srgbClr val="8E4221"/>
+                    </a:solidFill>
+                  </a:tcPr>
+                </a:tc>
+                <a:extLst>
+                  <a:ext uri="{0D108BD9-81ED-4DB2-BD59-A6C34878D82A}">
+                    <a16:rowId xmlns:a16="http://schemas.microsoft.com/office/drawing/2014/main" val="842604070"/>
+                  </a:ext>
+                </a:extLst>
+              </a:tr>
+            </a:tbl>
+          </a:graphicData>
+        </a:graphic>
+      </p:graphicFrame>
+      <p:graphicFrame>
+        <p:nvGraphicFramePr>
+          <p:cNvPr id="12" name="Table 5">
+            <a:extLst>
+              <a:ext uri="{FF2B5EF4-FFF2-40B4-BE49-F238E27FC236}">
+                <a16:creationId xmlns:a16="http://schemas.microsoft.com/office/drawing/2014/main" id="{2B5B3F16-4208-49D1-99D2-CDA6B11FE09E}"/>
+              </a:ext>
+            </a:extLst>
+          </p:cNvPr>
+          <p:cNvGraphicFramePr>
+            <a:graphicFrameLocks noGrp="1"/>
+          </p:cNvGraphicFramePr>
           <p:nvPr>
-            <p:ph idx="1" type="body"/>
+            <p:extLst>
+              <p:ext uri="{D42A27DB-BD31-4B8C-83A1-F6EECF244321}">
+                <p14:modId xmlns:p14="http://schemas.microsoft.com/office/powerpoint/2010/main" val="2887107645"/>
+              </p:ext>
+            </p:extLst>
           </p:nvPr>
-        </p:nvSpPr>
-        <p:spPr>
-          <a:xfrm>
-            <a:off x="4650300" y="1362700"/>
-            <a:ext cx="4182000" cy="3302700"/>
-          </a:xfrm>
-          <a:prstGeom prst="rect">
-            <a:avLst/>
-          </a:prstGeom>
-        </p:spPr>
-        <p:txBody>
-          <a:bodyPr anchorCtr="0" anchor="t" bIns="91425" lIns="91425" spcFirstLastPara="1" rIns="91425" wrap="square" tIns="91425">
-            <a:noAutofit/>
-          </a:bodyPr>
-          <a:lstStyle/>
-          <a:p>
-            <a:pPr indent="0" lvl="0" marL="0" rtl="0" algn="l">
-              <a:spcBef>
-                <a:spcPts val="0"/>
-              </a:spcBef>
-              <a:spcAft>
-                <a:spcPts val="0"/>
-              </a:spcAft>
-              <a:buNone/>
-            </a:pPr>
-            <a:r>
-              <a:rPr lang="en"/>
-              <a:t>February- Finish Concept/Start Prototype</a:t>
-            </a:r>
-            <a:endParaRPr/>
-          </a:p>
-          <a:p>
-            <a:pPr indent="0" lvl="0" marL="0" rtl="0" algn="l">
-              <a:spcBef>
-                <a:spcPts val="1600"/>
-              </a:spcBef>
-              <a:spcAft>
-                <a:spcPts val="0"/>
-              </a:spcAft>
-              <a:buNone/>
-            </a:pPr>
-            <a:r>
-              <a:rPr lang="en"/>
-              <a:t>March- Work on Prototype</a:t>
-            </a:r>
-            <a:endParaRPr/>
-          </a:p>
-          <a:p>
-            <a:pPr indent="0" lvl="0" marL="0" rtl="0" algn="l">
-              <a:spcBef>
-                <a:spcPts val="1600"/>
-              </a:spcBef>
-              <a:spcAft>
-                <a:spcPts val="0"/>
-              </a:spcAft>
-              <a:buNone/>
-            </a:pPr>
-            <a:r>
-              <a:rPr lang="en"/>
-              <a:t>April- Finish Prototype</a:t>
-            </a:r>
-            <a:endParaRPr/>
-          </a:p>
-          <a:p>
-            <a:pPr indent="0" lvl="0" marL="0" rtl="0" algn="l">
-              <a:spcBef>
-                <a:spcPts val="1600"/>
-              </a:spcBef>
-              <a:spcAft>
-                <a:spcPts val="1600"/>
-              </a:spcAft>
-              <a:buNone/>
-            </a:pPr>
-            <a:r>
-              <a:rPr lang="en"/>
-              <a:t>May- Present Prototype</a:t>
-            </a:r>
-            <a:endParaRPr/>
-          </a:p>
-        </p:txBody>
-      </p:sp>
+        </p:nvGraphicFramePr>
+        <p:xfrm>
+          <a:off x="469896" y="1272317"/>
+          <a:ext cx="8127800" cy="339971"/>
+        </p:xfrm>
+        <a:graphic>
+          <a:graphicData uri="http://schemas.openxmlformats.org/drawingml/2006/table">
+            <a:tbl>
+              <a:tblPr firstRow="1" bandRow="1">
+                <a:tableStyleId>{5C22544A-7EE6-4342-B048-85BDC9FD1C3A}</a:tableStyleId>
+              </a:tblPr>
+              <a:tblGrid>
+                <a:gridCol w="2068886">
+                  <a:extLst>
+                    <a:ext uri="{9D8B030D-6E8A-4147-A177-3AD203B41FA5}">
+                      <a16:colId xmlns:a16="http://schemas.microsoft.com/office/drawing/2014/main" val="3260464739"/>
+                    </a:ext>
+                  </a:extLst>
+                </a:gridCol>
+                <a:gridCol w="1069220">
+                  <a:extLst>
+                    <a:ext uri="{9D8B030D-6E8A-4147-A177-3AD203B41FA5}">
+                      <a16:colId xmlns:a16="http://schemas.microsoft.com/office/drawing/2014/main" val="2645331115"/>
+                    </a:ext>
+                  </a:extLst>
+                </a:gridCol>
+                <a:gridCol w="1425627">
+                  <a:extLst>
+                    <a:ext uri="{9D8B030D-6E8A-4147-A177-3AD203B41FA5}">
+                      <a16:colId xmlns:a16="http://schemas.microsoft.com/office/drawing/2014/main" val="1716115382"/>
+                    </a:ext>
+                  </a:extLst>
+                </a:gridCol>
+                <a:gridCol w="1425627">
+                  <a:extLst>
+                    <a:ext uri="{9D8B030D-6E8A-4147-A177-3AD203B41FA5}">
+                      <a16:colId xmlns:a16="http://schemas.microsoft.com/office/drawing/2014/main" val="1404008047"/>
+                    </a:ext>
+                  </a:extLst>
+                </a:gridCol>
+                <a:gridCol w="1425627">
+                  <a:extLst>
+                    <a:ext uri="{9D8B030D-6E8A-4147-A177-3AD203B41FA5}">
+                      <a16:colId xmlns:a16="http://schemas.microsoft.com/office/drawing/2014/main" val="3977577772"/>
+                    </a:ext>
+                  </a:extLst>
+                </a:gridCol>
+                <a:gridCol w="712813">
+                  <a:extLst>
+                    <a:ext uri="{9D8B030D-6E8A-4147-A177-3AD203B41FA5}">
+                      <a16:colId xmlns:a16="http://schemas.microsoft.com/office/drawing/2014/main" val="1048584333"/>
+                    </a:ext>
+                  </a:extLst>
+                </a:gridCol>
+              </a:tblGrid>
+              <a:tr h="339971">
+                <a:tc>
+                  <a:txBody>
+                    <a:bodyPr/>
+                    <a:lstStyle/>
+                    <a:p>
+                      <a:r>
+                        <a:rPr lang="en-US" dirty="0"/>
+                        <a:t>Month</a:t>
+                      </a:r>
+                    </a:p>
+                  </a:txBody>
+                  <a:tcPr/>
+                </a:tc>
+                <a:tc>
+                  <a:txBody>
+                    <a:bodyPr/>
+                    <a:lstStyle/>
+                    <a:p>
+                      <a:pPr algn="ctr"/>
+                      <a:r>
+                        <a:rPr lang="en-US" dirty="0"/>
+                        <a:t>January</a:t>
+                      </a:r>
+                    </a:p>
+                  </a:txBody>
+                  <a:tcPr anchor="ctr"/>
+                </a:tc>
+                <a:tc>
+                  <a:txBody>
+                    <a:bodyPr/>
+                    <a:lstStyle/>
+                    <a:p>
+                      <a:pPr algn="ctr"/>
+                      <a:r>
+                        <a:rPr lang="en-US" dirty="0"/>
+                        <a:t>February</a:t>
+                      </a:r>
+                    </a:p>
+                  </a:txBody>
+                  <a:tcPr anchor="ctr"/>
+                </a:tc>
+                <a:tc>
+                  <a:txBody>
+                    <a:bodyPr/>
+                    <a:lstStyle/>
+                    <a:p>
+                      <a:pPr algn="ctr"/>
+                      <a:r>
+                        <a:rPr lang="en-US" dirty="0"/>
+                        <a:t>March</a:t>
+                      </a:r>
+                    </a:p>
+                  </a:txBody>
+                  <a:tcPr anchor="ctr"/>
+                </a:tc>
+                <a:tc>
+                  <a:txBody>
+                    <a:bodyPr/>
+                    <a:lstStyle/>
+                    <a:p>
+                      <a:pPr algn="ctr"/>
+                      <a:r>
+                        <a:rPr lang="en-US" dirty="0"/>
+                        <a:t>April</a:t>
+                      </a:r>
+                    </a:p>
+                  </a:txBody>
+                  <a:tcPr anchor="ctr"/>
+                </a:tc>
+                <a:tc>
+                  <a:txBody>
+                    <a:bodyPr/>
+                    <a:lstStyle/>
+                    <a:p>
+                      <a:pPr algn="ctr"/>
+                      <a:r>
+                        <a:rPr lang="en-US" dirty="0"/>
+                        <a:t>May</a:t>
+                      </a:r>
+                    </a:p>
+                  </a:txBody>
+                  <a:tcPr anchor="ctr"/>
+                </a:tc>
+                <a:extLst>
+                  <a:ext uri="{0D108BD9-81ED-4DB2-BD59-A6C34878D82A}">
+                    <a16:rowId xmlns:a16="http://schemas.microsoft.com/office/drawing/2014/main" val="2628379751"/>
+                  </a:ext>
+                </a:extLst>
+              </a:tr>
+            </a:tbl>
+          </a:graphicData>
+        </a:graphic>
+      </p:graphicFrame>
     </p:spTree>
   </p:cSld>
   <p:clrMapOvr>
@@ -8335,11 +9991,11 @@
 </file>
 
 <file path=ppt/slides/slide8.xml><?xml version="1.0" encoding="utf-8"?>
-<p:sld xmlns:a="http://schemas.openxmlformats.org/drawingml/2006/main" xmlns:r="http://schemas.openxmlformats.org/officeDocument/2006/relationships" xmlns:mc="http://schemas.openxmlformats.org/markup-compatibility/2006" xmlns:mv="urn:schemas-microsoft-com:mac:vml" xmlns:p="http://schemas.openxmlformats.org/presentationml/2006/main" xmlns:c="http://schemas.openxmlformats.org/drawingml/2006/chart" xmlns:dgm="http://schemas.openxmlformats.org/drawingml/2006/diagram" xmlns:o="urn:schemas-microsoft-com:office:office" xmlns:v="urn:schemas-microsoft-com:vml" xmlns:pvml="urn:schemas-microsoft-com:office:powerpoint" xmlns:com="http://schemas.openxmlformats.org/drawingml/2006/compatibility" xmlns:p14="http://schemas.microsoft.com/office/powerpoint/2010/main" xmlns:p15="http://schemas.microsoft.com/office/powerpoint/2012/main">
+<p:sld xmlns:a="http://schemas.openxmlformats.org/drawingml/2006/main" xmlns:r="http://schemas.openxmlformats.org/officeDocument/2006/relationships" xmlns:p="http://schemas.openxmlformats.org/presentationml/2006/main">
   <p:cSld>
     <p:spTree>
       <p:nvGrpSpPr>
-        <p:cNvPr id="117" name="Shape 117"/>
+        <p:cNvPr id="1" name="Shape 117"/>
         <p:cNvGrpSpPr/>
         <p:nvPr/>
       </p:nvGrpSpPr>
@@ -8354,7 +10010,9 @@
       <p:sp>
         <p:nvSpPr>
           <p:cNvPr id="118" name="Google Shape;118;p20"/>
-          <p:cNvSpPr txBox="1"/>
+          <p:cNvSpPr txBox="1">
+            <a:spLocks noGrp="1"/>
+          </p:cNvSpPr>
           <p:nvPr>
             <p:ph type="title"/>
           </p:nvPr>
@@ -8369,12 +10027,12 @@
           </a:prstGeom>
         </p:spPr>
         <p:txBody>
-          <a:bodyPr anchorCtr="0" anchor="t" bIns="91425" lIns="91425" spcFirstLastPara="1" rIns="91425" wrap="square" tIns="91425">
+          <a:bodyPr spcFirstLastPara="1" wrap="square" lIns="91425" tIns="91425" rIns="91425" bIns="91425" anchor="t" anchorCtr="0">
             <a:noAutofit/>
           </a:bodyPr>
           <a:lstStyle/>
           <a:p>
-            <a:pPr indent="0" lvl="0" marL="0" rtl="0" algn="l">
+            <a:pPr marL="0" lvl="0" indent="0" algn="l" rtl="0">
               <a:spcBef>
                 <a:spcPts val="0"/>
               </a:spcBef>
@@ -8428,11 +10086,11 @@
 </file>
 
 <file path=ppt/slides/slide9.xml><?xml version="1.0" encoding="utf-8"?>
-<p:sld xmlns:a="http://schemas.openxmlformats.org/drawingml/2006/main" xmlns:r="http://schemas.openxmlformats.org/officeDocument/2006/relationships" xmlns:mc="http://schemas.openxmlformats.org/markup-compatibility/2006" xmlns:mv="urn:schemas-microsoft-com:mac:vml" xmlns:p="http://schemas.openxmlformats.org/presentationml/2006/main" xmlns:c="http://schemas.openxmlformats.org/drawingml/2006/chart" xmlns:dgm="http://schemas.openxmlformats.org/drawingml/2006/diagram" xmlns:o="urn:schemas-microsoft-com:office:office" xmlns:v="urn:schemas-microsoft-com:vml" xmlns:pvml="urn:schemas-microsoft-com:office:powerpoint" xmlns:com="http://schemas.openxmlformats.org/drawingml/2006/compatibility" xmlns:p14="http://schemas.microsoft.com/office/powerpoint/2010/main" xmlns:p15="http://schemas.microsoft.com/office/powerpoint/2012/main">
+<p:sld xmlns:a="http://schemas.openxmlformats.org/drawingml/2006/main" xmlns:r="http://schemas.openxmlformats.org/officeDocument/2006/relationships" xmlns:p="http://schemas.openxmlformats.org/presentationml/2006/main">
   <p:cSld>
     <p:spTree>
       <p:nvGrpSpPr>
-        <p:cNvPr id="123" name="Shape 123"/>
+        <p:cNvPr id="1" name="Shape 123"/>
         <p:cNvGrpSpPr/>
         <p:nvPr/>
       </p:nvGrpSpPr>
@@ -8447,7 +10105,9 @@
       <p:sp>
         <p:nvSpPr>
           <p:cNvPr id="124" name="Google Shape;124;p21"/>
-          <p:cNvSpPr txBox="1"/>
+          <p:cNvSpPr txBox="1">
+            <a:spLocks noGrp="1"/>
+          </p:cNvSpPr>
           <p:nvPr>
             <p:ph type="title"/>
           </p:nvPr>
@@ -8462,12 +10122,12 @@
           </a:prstGeom>
         </p:spPr>
         <p:txBody>
-          <a:bodyPr anchorCtr="0" anchor="t" bIns="91425" lIns="91425" spcFirstLastPara="1" rIns="91425" wrap="square" tIns="91425">
+          <a:bodyPr spcFirstLastPara="1" wrap="square" lIns="91425" tIns="91425" rIns="91425" bIns="91425" anchor="t" anchorCtr="0">
             <a:noAutofit/>
           </a:bodyPr>
           <a:lstStyle/>
           <a:p>
-            <a:pPr indent="0" lvl="0" marL="0" rtl="0" algn="ctr">
+            <a:pPr marL="0" lvl="0" indent="0" algn="ctr" rtl="0">
               <a:spcBef>
                 <a:spcPts val="0"/>
               </a:spcBef>
@@ -8521,7 +10181,288 @@
 </file>
 
 <file path=ppt/theme/theme1.xml><?xml version="1.0" encoding="utf-8"?>
-<a:theme xmlns:a="http://schemas.openxmlformats.org/drawingml/2006/main" xmlns:r="http://schemas.openxmlformats.org/officeDocument/2006/relationships">
+<a:theme xmlns:a="http://schemas.openxmlformats.org/drawingml/2006/main" name="Tropic">
+  <a:themeElements>
+    <a:clrScheme name="Tropic">
+      <a:dk1>
+        <a:srgbClr val="A1E8D9"/>
+      </a:dk1>
+      <a:lt1>
+        <a:srgbClr val="FFFFFF"/>
+      </a:lt1>
+      <a:dk2>
+        <a:srgbClr val="695D46"/>
+      </a:dk2>
+      <a:lt2>
+        <a:srgbClr val="B3A77D"/>
+      </a:lt2>
+      <a:accent1>
+        <a:srgbClr val="EF6C00"/>
+      </a:accent1>
+      <a:accent2>
+        <a:srgbClr val="009668"/>
+      </a:accent2>
+      <a:accent3>
+        <a:srgbClr val="4DB6AC"/>
+      </a:accent3>
+      <a:accent4>
+        <a:srgbClr val="FF9800"/>
+      </a:accent4>
+      <a:accent5>
+        <a:srgbClr val="CE93D8"/>
+      </a:accent5>
+      <a:accent6>
+        <a:srgbClr val="EEFF41"/>
+      </a:accent6>
+      <a:hlink>
+        <a:srgbClr val="CE93D8"/>
+      </a:hlink>
+      <a:folHlink>
+        <a:srgbClr val="CE93D8"/>
+      </a:folHlink>
+    </a:clrScheme>
+    <a:fontScheme name="Office">
+      <a:majorFont>
+        <a:latin typeface="Arial"/>
+        <a:ea typeface=""/>
+        <a:cs typeface=""/>
+        <a:font script="Jpan" typeface="ＭＳ Ｐゴシック"/>
+        <a:font script="Hang" typeface="맑은 고딕"/>
+        <a:font script="Hans" typeface="宋体"/>
+        <a:font script="Hant" typeface="新細明體"/>
+        <a:font script="Arab" typeface="Times New Roman"/>
+        <a:font script="Hebr" typeface="Times New Roman"/>
+        <a:font script="Thai" typeface="Angsana New"/>
+        <a:font script="Ethi" typeface="Nyala"/>
+        <a:font script="Beng" typeface="Vrinda"/>
+        <a:font script="Gujr" typeface="Shruti"/>
+        <a:font script="Khmr" typeface="MoolBoran"/>
+        <a:font script="Knda" typeface="Tunga"/>
+        <a:font script="Guru" typeface="Raavi"/>
+        <a:font script="Cans" typeface="Euphemia"/>
+        <a:font script="Cher" typeface="Plantagenet Cherokee"/>
+        <a:font script="Yiii" typeface="Microsoft Yi Baiti"/>
+        <a:font script="Tibt" typeface="Microsoft Himalaya"/>
+        <a:font script="Thaa" typeface="MV Boli"/>
+        <a:font script="Deva" typeface="Mangal"/>
+        <a:font script="Telu" typeface="Gautami"/>
+        <a:font script="Taml" typeface="Latha"/>
+        <a:font script="Syrc" typeface="Estrangelo Edessa"/>
+        <a:font script="Orya" typeface="Kalinga"/>
+        <a:font script="Mlym" typeface="Kartika"/>
+        <a:font script="Laoo" typeface="DokChampa"/>
+        <a:font script="Sinh" typeface="Iskoola Pota"/>
+        <a:font script="Mong" typeface="Mongolian Baiti"/>
+        <a:font script="Viet" typeface="Times New Roman"/>
+        <a:font script="Uigh" typeface="Microsoft Uighur"/>
+        <a:font script="Geor" typeface="Sylfaen"/>
+      </a:majorFont>
+      <a:minorFont>
+        <a:latin typeface="Arial"/>
+        <a:ea typeface=""/>
+        <a:cs typeface=""/>
+        <a:font script="Jpan" typeface="ＭＳ Ｐゴシック"/>
+        <a:font script="Hang" typeface="맑은 고딕"/>
+        <a:font script="Hans" typeface="宋体"/>
+        <a:font script="Hant" typeface="新細明體"/>
+        <a:font script="Arab" typeface="Arial"/>
+        <a:font script="Hebr" typeface="Arial"/>
+        <a:font script="Thai" typeface="Cordia New"/>
+        <a:font script="Ethi" typeface="Nyala"/>
+        <a:font script="Beng" typeface="Vrinda"/>
+        <a:font script="Gujr" typeface="Shruti"/>
+        <a:font script="Khmr" typeface="DaunPenh"/>
+        <a:font script="Knda" typeface="Tunga"/>
+        <a:font script="Guru" typeface="Raavi"/>
+        <a:font script="Cans" typeface="Euphemia"/>
+        <a:font script="Cher" typeface="Plantagenet Cherokee"/>
+        <a:font script="Yiii" typeface="Microsoft Yi Baiti"/>
+        <a:font script="Tibt" typeface="Microsoft Himalaya"/>
+        <a:font script="Thaa" typeface="MV Boli"/>
+        <a:font script="Deva" typeface="Mangal"/>
+        <a:font script="Telu" typeface="Gautami"/>
+        <a:font script="Taml" typeface="Latha"/>
+        <a:font script="Syrc" typeface="Estrangelo Edessa"/>
+        <a:font script="Orya" typeface="Kalinga"/>
+        <a:font script="Mlym" typeface="Kartika"/>
+        <a:font script="Laoo" typeface="DokChampa"/>
+        <a:font script="Sinh" typeface="Iskoola Pota"/>
+        <a:font script="Mong" typeface="Mongolian Baiti"/>
+        <a:font script="Viet" typeface="Arial"/>
+        <a:font script="Uigh" typeface="Microsoft Uighur"/>
+        <a:font script="Geor" typeface="Sylfaen"/>
+      </a:minorFont>
+    </a:fontScheme>
+    <a:fmtScheme name="Office">
+      <a:fillStyleLst>
+        <a:solidFill>
+          <a:schemeClr val="phClr"/>
+        </a:solidFill>
+        <a:gradFill rotWithShape="1">
+          <a:gsLst>
+            <a:gs pos="0">
+              <a:schemeClr val="phClr">
+                <a:tint val="50000"/>
+                <a:satMod val="300000"/>
+              </a:schemeClr>
+            </a:gs>
+            <a:gs pos="35000">
+              <a:schemeClr val="phClr">
+                <a:tint val="37000"/>
+                <a:satMod val="300000"/>
+              </a:schemeClr>
+            </a:gs>
+            <a:gs pos="100000">
+              <a:schemeClr val="phClr">
+                <a:tint val="15000"/>
+                <a:satMod val="350000"/>
+              </a:schemeClr>
+            </a:gs>
+          </a:gsLst>
+          <a:lin ang="16200000" scaled="1"/>
+        </a:gradFill>
+        <a:gradFill rotWithShape="1">
+          <a:gsLst>
+            <a:gs pos="0">
+              <a:schemeClr val="phClr">
+                <a:tint val="100000"/>
+                <a:shade val="100000"/>
+                <a:satMod val="130000"/>
+              </a:schemeClr>
+            </a:gs>
+            <a:gs pos="100000">
+              <a:schemeClr val="phClr">
+                <a:tint val="50000"/>
+                <a:shade val="100000"/>
+                <a:satMod val="350000"/>
+              </a:schemeClr>
+            </a:gs>
+          </a:gsLst>
+          <a:lin ang="16200000" scaled="0"/>
+        </a:gradFill>
+      </a:fillStyleLst>
+      <a:lnStyleLst>
+        <a:ln w="9525" cap="flat" cmpd="sng" algn="ctr">
+          <a:solidFill>
+            <a:schemeClr val="phClr">
+              <a:shade val="95000"/>
+              <a:satMod val="105000"/>
+            </a:schemeClr>
+          </a:solidFill>
+          <a:prstDash val="solid"/>
+        </a:ln>
+        <a:ln w="25400" cap="flat" cmpd="sng" algn="ctr">
+          <a:solidFill>
+            <a:schemeClr val="phClr"/>
+          </a:solidFill>
+          <a:prstDash val="solid"/>
+        </a:ln>
+        <a:ln w="38100" cap="flat" cmpd="sng" algn="ctr">
+          <a:solidFill>
+            <a:schemeClr val="phClr"/>
+          </a:solidFill>
+          <a:prstDash val="solid"/>
+        </a:ln>
+      </a:lnStyleLst>
+      <a:effectStyleLst>
+        <a:effectStyle>
+          <a:effectLst>
+            <a:outerShdw blurRad="40000" dist="20000" dir="5400000" rotWithShape="0">
+              <a:srgbClr val="000000">
+                <a:alpha val="38000"/>
+              </a:srgbClr>
+            </a:outerShdw>
+          </a:effectLst>
+        </a:effectStyle>
+        <a:effectStyle>
+          <a:effectLst>
+            <a:outerShdw blurRad="40000" dist="23000" dir="5400000" rotWithShape="0">
+              <a:srgbClr val="000000">
+                <a:alpha val="35000"/>
+              </a:srgbClr>
+            </a:outerShdw>
+          </a:effectLst>
+        </a:effectStyle>
+        <a:effectStyle>
+          <a:effectLst>
+            <a:outerShdw blurRad="40000" dist="23000" dir="5400000" rotWithShape="0">
+              <a:srgbClr val="000000">
+                <a:alpha val="35000"/>
+              </a:srgbClr>
+            </a:outerShdw>
+          </a:effectLst>
+          <a:scene3d>
+            <a:camera prst="orthographicFront">
+              <a:rot lat="0" lon="0" rev="0"/>
+            </a:camera>
+            <a:lightRig rig="threePt" dir="t">
+              <a:rot lat="0" lon="0" rev="1200000"/>
+            </a:lightRig>
+          </a:scene3d>
+          <a:sp3d>
+            <a:bevelT w="63500" h="25400"/>
+          </a:sp3d>
+        </a:effectStyle>
+      </a:effectStyleLst>
+      <a:bgFillStyleLst>
+        <a:solidFill>
+          <a:schemeClr val="phClr"/>
+        </a:solidFill>
+        <a:gradFill rotWithShape="1">
+          <a:gsLst>
+            <a:gs pos="0">
+              <a:schemeClr val="phClr">
+                <a:tint val="40000"/>
+                <a:satMod val="350000"/>
+              </a:schemeClr>
+            </a:gs>
+            <a:gs pos="40000">
+              <a:schemeClr val="phClr">
+                <a:tint val="45000"/>
+                <a:shade val="99000"/>
+                <a:satMod val="350000"/>
+              </a:schemeClr>
+            </a:gs>
+            <a:gs pos="100000">
+              <a:schemeClr val="phClr">
+                <a:shade val="20000"/>
+                <a:satMod val="255000"/>
+              </a:schemeClr>
+            </a:gs>
+          </a:gsLst>
+          <a:path path="circle">
+            <a:fillToRect l="50000" t="-80000" r="50000" b="180000"/>
+          </a:path>
+        </a:gradFill>
+        <a:gradFill rotWithShape="1">
+          <a:gsLst>
+            <a:gs pos="0">
+              <a:schemeClr val="phClr">
+                <a:tint val="80000"/>
+                <a:satMod val="300000"/>
+              </a:schemeClr>
+            </a:gs>
+            <a:gs pos="100000">
+              <a:schemeClr val="phClr">
+                <a:shade val="30000"/>
+                <a:satMod val="200000"/>
+              </a:schemeClr>
+            </a:gs>
+          </a:gsLst>
+          <a:path path="circle">
+            <a:fillToRect l="50000" t="50000" r="50000" b="50000"/>
+          </a:path>
+        </a:gradFill>
+      </a:bgFillStyleLst>
+    </a:fmtScheme>
+  </a:themeElements>
+  <a:objectDefaults/>
+  <a:extraClrSchemeLst/>
+</a:theme>
+</file>
+
+<file path=ppt/theme/theme2.xml><?xml version="1.0" encoding="utf-8"?>
+<a:theme xmlns:a="http://schemas.openxmlformats.org/drawingml/2006/main">
   <a:themeElements>
     <a:clrScheme name="Default">
       <a:dk1>
@@ -8796,284 +10737,7 @@
       </a:bgFillStyleLst>
     </a:fmtScheme>
   </a:themeElements>
-</a:theme>
-</file>
-
-<file path=ppt/theme/theme2.xml><?xml version="1.0" encoding="utf-8"?>
-<a:theme xmlns:a="http://schemas.openxmlformats.org/drawingml/2006/main" xmlns:r="http://schemas.openxmlformats.org/officeDocument/2006/relationships" name="Tropic">
-  <a:themeElements>
-    <a:clrScheme name="Tropic">
-      <a:dk1>
-        <a:srgbClr val="A1E8D9"/>
-      </a:dk1>
-      <a:lt1>
-        <a:srgbClr val="FFFFFF"/>
-      </a:lt1>
-      <a:dk2>
-        <a:srgbClr val="695D46"/>
-      </a:dk2>
-      <a:lt2>
-        <a:srgbClr val="B3A77D"/>
-      </a:lt2>
-      <a:accent1>
-        <a:srgbClr val="EF6C00"/>
-      </a:accent1>
-      <a:accent2>
-        <a:srgbClr val="009668"/>
-      </a:accent2>
-      <a:accent3>
-        <a:srgbClr val="4DB6AC"/>
-      </a:accent3>
-      <a:accent4>
-        <a:srgbClr val="FF9800"/>
-      </a:accent4>
-      <a:accent5>
-        <a:srgbClr val="CE93D8"/>
-      </a:accent5>
-      <a:accent6>
-        <a:srgbClr val="EEFF41"/>
-      </a:accent6>
-      <a:hlink>
-        <a:srgbClr val="CE93D8"/>
-      </a:hlink>
-      <a:folHlink>
-        <a:srgbClr val="CE93D8"/>
-      </a:folHlink>
-    </a:clrScheme>
-    <a:fontScheme name="Office">
-      <a:majorFont>
-        <a:latin typeface="Arial"/>
-        <a:ea typeface=""/>
-        <a:cs typeface=""/>
-        <a:font script="Jpan" typeface="ＭＳ Ｐゴシック"/>
-        <a:font script="Hang" typeface="맑은 고딕"/>
-        <a:font script="Hans" typeface="宋体"/>
-        <a:font script="Hant" typeface="新細明體"/>
-        <a:font script="Arab" typeface="Times New Roman"/>
-        <a:font script="Hebr" typeface="Times New Roman"/>
-        <a:font script="Thai" typeface="Angsana New"/>
-        <a:font script="Ethi" typeface="Nyala"/>
-        <a:font script="Beng" typeface="Vrinda"/>
-        <a:font script="Gujr" typeface="Shruti"/>
-        <a:font script="Khmr" typeface="MoolBoran"/>
-        <a:font script="Knda" typeface="Tunga"/>
-        <a:font script="Guru" typeface="Raavi"/>
-        <a:font script="Cans" typeface="Euphemia"/>
-        <a:font script="Cher" typeface="Plantagenet Cherokee"/>
-        <a:font script="Yiii" typeface="Microsoft Yi Baiti"/>
-        <a:font script="Tibt" typeface="Microsoft Himalaya"/>
-        <a:font script="Thaa" typeface="MV Boli"/>
-        <a:font script="Deva" typeface="Mangal"/>
-        <a:font script="Telu" typeface="Gautami"/>
-        <a:font script="Taml" typeface="Latha"/>
-        <a:font script="Syrc" typeface="Estrangelo Edessa"/>
-        <a:font script="Orya" typeface="Kalinga"/>
-        <a:font script="Mlym" typeface="Kartika"/>
-        <a:font script="Laoo" typeface="DokChampa"/>
-        <a:font script="Sinh" typeface="Iskoola Pota"/>
-        <a:font script="Mong" typeface="Mongolian Baiti"/>
-        <a:font script="Viet" typeface="Times New Roman"/>
-        <a:font script="Uigh" typeface="Microsoft Uighur"/>
-        <a:font script="Geor" typeface="Sylfaen"/>
-      </a:majorFont>
-      <a:minorFont>
-        <a:latin typeface="Arial"/>
-        <a:ea typeface=""/>
-        <a:cs typeface=""/>
-        <a:font script="Jpan" typeface="ＭＳ Ｐゴシック"/>
-        <a:font script="Hang" typeface="맑은 고딕"/>
-        <a:font script="Hans" typeface="宋体"/>
-        <a:font script="Hant" typeface="新細明體"/>
-        <a:font script="Arab" typeface="Arial"/>
-        <a:font script="Hebr" typeface="Arial"/>
-        <a:font script="Thai" typeface="Cordia New"/>
-        <a:font script="Ethi" typeface="Nyala"/>
-        <a:font script="Beng" typeface="Vrinda"/>
-        <a:font script="Gujr" typeface="Shruti"/>
-        <a:font script="Khmr" typeface="DaunPenh"/>
-        <a:font script="Knda" typeface="Tunga"/>
-        <a:font script="Guru" typeface="Raavi"/>
-        <a:font script="Cans" typeface="Euphemia"/>
-        <a:font script="Cher" typeface="Plantagenet Cherokee"/>
-        <a:font script="Yiii" typeface="Microsoft Yi Baiti"/>
-        <a:font script="Tibt" typeface="Microsoft Himalaya"/>
-        <a:font script="Thaa" typeface="MV Boli"/>
-        <a:font script="Deva" typeface="Mangal"/>
-        <a:font script="Telu" typeface="Gautami"/>
-        <a:font script="Taml" typeface="Latha"/>
-        <a:font script="Syrc" typeface="Estrangelo Edessa"/>
-        <a:font script="Orya" typeface="Kalinga"/>
-        <a:font script="Mlym" typeface="Kartika"/>
-        <a:font script="Laoo" typeface="DokChampa"/>
-        <a:font script="Sinh" typeface="Iskoola Pota"/>
-        <a:font script="Mong" typeface="Mongolian Baiti"/>
-        <a:font script="Viet" typeface="Arial"/>
-        <a:font script="Uigh" typeface="Microsoft Uighur"/>
-        <a:font script="Geor" typeface="Sylfaen"/>
-      </a:minorFont>
-    </a:fontScheme>
-    <a:fmtScheme name="Office">
-      <a:fillStyleLst>
-        <a:solidFill>
-          <a:schemeClr val="phClr"/>
-        </a:solidFill>
-        <a:gradFill rotWithShape="1">
-          <a:gsLst>
-            <a:gs pos="0">
-              <a:schemeClr val="phClr">
-                <a:tint val="50000"/>
-                <a:satMod val="300000"/>
-              </a:schemeClr>
-            </a:gs>
-            <a:gs pos="35000">
-              <a:schemeClr val="phClr">
-                <a:tint val="37000"/>
-                <a:satMod val="300000"/>
-              </a:schemeClr>
-            </a:gs>
-            <a:gs pos="100000">
-              <a:schemeClr val="phClr">
-                <a:tint val="15000"/>
-                <a:satMod val="350000"/>
-              </a:schemeClr>
-            </a:gs>
-          </a:gsLst>
-          <a:lin ang="16200000" scaled="1"/>
-        </a:gradFill>
-        <a:gradFill rotWithShape="1">
-          <a:gsLst>
-            <a:gs pos="0">
-              <a:schemeClr val="phClr">
-                <a:tint val="100000"/>
-                <a:shade val="100000"/>
-                <a:satMod val="130000"/>
-              </a:schemeClr>
-            </a:gs>
-            <a:gs pos="100000">
-              <a:schemeClr val="phClr">
-                <a:tint val="50000"/>
-                <a:shade val="100000"/>
-                <a:satMod val="350000"/>
-              </a:schemeClr>
-            </a:gs>
-          </a:gsLst>
-          <a:lin ang="16200000" scaled="0"/>
-        </a:gradFill>
-      </a:fillStyleLst>
-      <a:lnStyleLst>
-        <a:ln w="9525" cap="flat" cmpd="sng" algn="ctr">
-          <a:solidFill>
-            <a:schemeClr val="phClr">
-              <a:shade val="95000"/>
-              <a:satMod val="105000"/>
-            </a:schemeClr>
-          </a:solidFill>
-          <a:prstDash val="solid"/>
-        </a:ln>
-        <a:ln w="25400" cap="flat" cmpd="sng" algn="ctr">
-          <a:solidFill>
-            <a:schemeClr val="phClr"/>
-          </a:solidFill>
-          <a:prstDash val="solid"/>
-        </a:ln>
-        <a:ln w="38100" cap="flat" cmpd="sng" algn="ctr">
-          <a:solidFill>
-            <a:schemeClr val="phClr"/>
-          </a:solidFill>
-          <a:prstDash val="solid"/>
-        </a:ln>
-      </a:lnStyleLst>
-      <a:effectStyleLst>
-        <a:effectStyle>
-          <a:effectLst>
-            <a:outerShdw blurRad="40000" dist="20000" dir="5400000" rotWithShape="0">
-              <a:srgbClr val="000000">
-                <a:alpha val="38000"/>
-              </a:srgbClr>
-            </a:outerShdw>
-          </a:effectLst>
-        </a:effectStyle>
-        <a:effectStyle>
-          <a:effectLst>
-            <a:outerShdw blurRad="40000" dist="23000" dir="5400000" rotWithShape="0">
-              <a:srgbClr val="000000">
-                <a:alpha val="35000"/>
-              </a:srgbClr>
-            </a:outerShdw>
-          </a:effectLst>
-        </a:effectStyle>
-        <a:effectStyle>
-          <a:effectLst>
-            <a:outerShdw blurRad="40000" dist="23000" dir="5400000" rotWithShape="0">
-              <a:srgbClr val="000000">
-                <a:alpha val="35000"/>
-              </a:srgbClr>
-            </a:outerShdw>
-          </a:effectLst>
-          <a:scene3d>
-            <a:camera prst="orthographicFront">
-              <a:rot lat="0" lon="0" rev="0"/>
-            </a:camera>
-            <a:lightRig rig="threePt" dir="t">
-              <a:rot lat="0" lon="0" rev="1200000"/>
-            </a:lightRig>
-          </a:scene3d>
-          <a:sp3d>
-            <a:bevelT w="63500" h="25400"/>
-          </a:sp3d>
-        </a:effectStyle>
-      </a:effectStyleLst>
-      <a:bgFillStyleLst>
-        <a:solidFill>
-          <a:schemeClr val="phClr"/>
-        </a:solidFill>
-        <a:gradFill rotWithShape="1">
-          <a:gsLst>
-            <a:gs pos="0">
-              <a:schemeClr val="phClr">
-                <a:tint val="40000"/>
-                <a:satMod val="350000"/>
-              </a:schemeClr>
-            </a:gs>
-            <a:gs pos="40000">
-              <a:schemeClr val="phClr">
-                <a:tint val="45000"/>
-                <a:shade val="99000"/>
-                <a:satMod val="350000"/>
-              </a:schemeClr>
-            </a:gs>
-            <a:gs pos="100000">
-              <a:schemeClr val="phClr">
-                <a:shade val="20000"/>
-                <a:satMod val="255000"/>
-              </a:schemeClr>
-            </a:gs>
-          </a:gsLst>
-          <a:path path="circle">
-            <a:fillToRect l="50000" t="-80000" r="50000" b="180000"/>
-          </a:path>
-        </a:gradFill>
-        <a:gradFill rotWithShape="1">
-          <a:gsLst>
-            <a:gs pos="0">
-              <a:schemeClr val="phClr">
-                <a:tint val="80000"/>
-                <a:satMod val="300000"/>
-              </a:schemeClr>
-            </a:gs>
-            <a:gs pos="100000">
-              <a:schemeClr val="phClr">
-                <a:shade val="30000"/>
-                <a:satMod val="200000"/>
-              </a:schemeClr>
-            </a:gs>
-          </a:gsLst>
-          <a:path path="circle">
-            <a:fillToRect l="50000" t="50000" r="50000" b="50000"/>
-          </a:path>
-        </a:gradFill>
-      </a:bgFillStyleLst>
-    </a:fmtScheme>
-  </a:themeElements>
+  <a:objectDefaults/>
+  <a:extraClrSchemeLst/>
 </a:theme>
 </file>